--- a/28-EXAME_DE_QUALIFICACAO/01-DefesaExameQualificacao/ExameDeQualificacao-WanderMMartins.pptx
+++ b/28-EXAME_DE_QUALIFICACAO/01-DefesaExameQualificacao/ExameDeQualificacao-WanderMMartins.pptx
@@ -5,33 +5,35 @@
     <p:sldMasterId id="2147483660" r:id="rId1"/>
   </p:sldMasterIdLst>
   <p:notesMasterIdLst>
-    <p:notesMasterId r:id="rId26"/>
+    <p:notesMasterId r:id="rId28"/>
   </p:notesMasterIdLst>
   <p:sldIdLst>
     <p:sldId id="256" r:id="rId2"/>
-    <p:sldId id="257" r:id="rId3"/>
-    <p:sldId id="259" r:id="rId4"/>
-    <p:sldId id="258" r:id="rId5"/>
-    <p:sldId id="261" r:id="rId6"/>
-    <p:sldId id="262" r:id="rId7"/>
-    <p:sldId id="263" r:id="rId8"/>
-    <p:sldId id="266" r:id="rId9"/>
-    <p:sldId id="271" r:id="rId10"/>
-    <p:sldId id="279" r:id="rId11"/>
-    <p:sldId id="275" r:id="rId12"/>
-    <p:sldId id="264" r:id="rId13"/>
-    <p:sldId id="272" r:id="rId14"/>
-    <p:sldId id="276" r:id="rId15"/>
-    <p:sldId id="278" r:id="rId16"/>
-    <p:sldId id="274" r:id="rId17"/>
-    <p:sldId id="281" r:id="rId18"/>
-    <p:sldId id="282" r:id="rId19"/>
-    <p:sldId id="277" r:id="rId20"/>
-    <p:sldId id="273" r:id="rId21"/>
-    <p:sldId id="268" r:id="rId22"/>
-    <p:sldId id="265" r:id="rId23"/>
-    <p:sldId id="270" r:id="rId24"/>
-    <p:sldId id="280" r:id="rId25"/>
+    <p:sldId id="283" r:id="rId3"/>
+    <p:sldId id="284" r:id="rId4"/>
+    <p:sldId id="257" r:id="rId5"/>
+    <p:sldId id="259" r:id="rId6"/>
+    <p:sldId id="258" r:id="rId7"/>
+    <p:sldId id="261" r:id="rId8"/>
+    <p:sldId id="262" r:id="rId9"/>
+    <p:sldId id="263" r:id="rId10"/>
+    <p:sldId id="266" r:id="rId11"/>
+    <p:sldId id="271" r:id="rId12"/>
+    <p:sldId id="279" r:id="rId13"/>
+    <p:sldId id="275" r:id="rId14"/>
+    <p:sldId id="264" r:id="rId15"/>
+    <p:sldId id="272" r:id="rId16"/>
+    <p:sldId id="276" r:id="rId17"/>
+    <p:sldId id="278" r:id="rId18"/>
+    <p:sldId id="274" r:id="rId19"/>
+    <p:sldId id="281" r:id="rId20"/>
+    <p:sldId id="282" r:id="rId21"/>
+    <p:sldId id="277" r:id="rId22"/>
+    <p:sldId id="273" r:id="rId23"/>
+    <p:sldId id="268" r:id="rId24"/>
+    <p:sldId id="265" r:id="rId25"/>
+    <p:sldId id="270" r:id="rId26"/>
+    <p:sldId id="280" r:id="rId27"/>
   </p:sldIdLst>
   <p:sldSz cx="9144000" cy="6858000" type="screen4x3"/>
   <p:notesSz cx="6858000" cy="9144000"/>
@@ -215,7 +217,7 @@
           <a:p>
             <a:fld id="{39C7F9EB-0F40-45DF-A2B8-E516F58D2691}" type="datetimeFigureOut">
               <a:rPr lang="pt-BR" smtClean="0"/>
-              <a:t>13/12/22</a:t>
+              <a:t>14/12/22</a:t>
             </a:fld>
             <a:endParaRPr lang="pt-BR"/>
           </a:p>
@@ -617,7 +619,7 @@
           <a:p>
             <a:fld id="{C7504800-47B3-4AB8-86FF-476C0F3E96D1}" type="datetime1">
               <a:rPr lang="en-US" smtClean="0"/>
-              <a:t>12/13/2022</a:t>
+              <a:t>12/14/2022</a:t>
             </a:fld>
             <a:endParaRPr lang="en-US"/>
           </a:p>
@@ -930,7 +932,7 @@
           <a:p>
             <a:fld id="{84F3A1EC-CCB4-435A-9251-76E384B0EADF}" type="datetime1">
               <a:rPr lang="en-US" smtClean="0"/>
-              <a:t>12/13/2022</a:t>
+              <a:t>12/14/2022</a:t>
             </a:fld>
             <a:endParaRPr lang="en-US"/>
           </a:p>
@@ -1115,7 +1117,7 @@
           <a:p>
             <a:fld id="{E0DE72D7-7F36-4AF5-9F0D-9C63A4DA5B2A}" type="datetime1">
               <a:rPr lang="en-US" smtClean="0"/>
-              <a:t>12/13/2022</a:t>
+              <a:t>12/14/2022</a:t>
             </a:fld>
             <a:endParaRPr lang="en-US"/>
           </a:p>
@@ -1290,7 +1292,7 @@
           <a:p>
             <a:fld id="{BA7AB5BC-3E52-47AA-AC12-2AB10F2DA176}" type="datetime1">
               <a:rPr lang="en-US" smtClean="0"/>
-              <a:t>12/13/2022</a:t>
+              <a:t>12/14/2022</a:t>
             </a:fld>
             <a:endParaRPr lang="en-US"/>
           </a:p>
@@ -1558,7 +1560,7 @@
           <a:p>
             <a:fld id="{F3E34961-8E46-4EEC-BF3C-0199D0F30B0B}" type="datetime1">
               <a:rPr lang="en-US" smtClean="0"/>
-              <a:t>12/13/2022</a:t>
+              <a:t>12/14/2022</a:t>
             </a:fld>
             <a:endParaRPr lang="en-US"/>
           </a:p>
@@ -2026,7 +2028,7 @@
           <a:p>
             <a:fld id="{E3915739-368D-4FAE-ABA1-B28E8E8B877D}" type="datetime1">
               <a:rPr lang="en-US" smtClean="0"/>
-              <a:t>12/13/2022</a:t>
+              <a:t>12/14/2022</a:t>
             </a:fld>
             <a:endParaRPr lang="en-US"/>
           </a:p>
@@ -2515,7 +2517,7 @@
           <a:p>
             <a:fld id="{C3618785-DFF0-4949-B8DC-2725FD9C797C}" type="datetime1">
               <a:rPr lang="en-US" smtClean="0"/>
-              <a:t>12/13/2022</a:t>
+              <a:t>12/14/2022</a:t>
             </a:fld>
             <a:endParaRPr lang="en-US"/>
           </a:p>
@@ -2641,7 +2643,7 @@
           <a:p>
             <a:fld id="{024A0175-5DC3-4530-B53A-A54D604251B6}" type="datetime1">
               <a:rPr lang="en-US" smtClean="0"/>
-              <a:t>12/13/2022</a:t>
+              <a:t>12/14/2022</a:t>
             </a:fld>
             <a:endParaRPr lang="en-US"/>
           </a:p>
@@ -2785,7 +2787,7 @@
           <a:p>
             <a:fld id="{3B9C79B4-5734-4BDC-A8F5-BDD93BA18755}" type="datetime1">
               <a:rPr lang="en-US" smtClean="0"/>
-              <a:t>12/13/2022</a:t>
+              <a:t>12/14/2022</a:t>
             </a:fld>
             <a:endParaRPr lang="en-US"/>
           </a:p>
@@ -3107,7 +3109,7 @@
           <a:p>
             <a:fld id="{7CD7F05B-AAD4-4051-85DE-D7CF45427C1D}" type="datetime1">
               <a:rPr lang="en-US" smtClean="0"/>
-              <a:t>12/13/2022</a:t>
+              <a:t>12/14/2022</a:t>
             </a:fld>
             <a:endParaRPr lang="en-US"/>
           </a:p>
@@ -3241,7 +3243,7 @@
           <a:p>
             <a:fld id="{BD160FBD-BC33-42F7-B0F7-B45139143F51}" type="datetime1">
               <a:rPr lang="en-US" smtClean="0"/>
-              <a:t>12/13/2022</a:t>
+              <a:t>12/14/2022</a:t>
             </a:fld>
             <a:endParaRPr lang="en-US"/>
           </a:p>
@@ -4023,7 +4025,7 @@
             <a:pPr algn="r" eaLnBrk="1" latinLnBrk="0" hangingPunct="1"/>
             <a:fld id="{89C66493-53A5-4497-A8F1-8979C9FA4AF4}" type="datetime1">
               <a:rPr lang="en-US" smtClean="0"/>
-              <a:t>12/13/2022</a:t>
+              <a:t>12/14/2022</a:t>
             </a:fld>
             <a:endParaRPr lang="en-US" sz="1200">
               <a:solidFill>
@@ -4565,33 +4567,37 @@
           <a:p>
             <a:r>
               <a:rPr lang="pt-BR" sz="2000" b="1" dirty="0" smtClean="0"/>
-              <a:t>             Aluno:  Wander Mendes Martins</a:t>
-            </a:r>
-          </a:p>
-          <a:p>
-            <a:r>
-              <a:rPr lang="pt-BR" sz="2000" b="1" dirty="0" smtClean="0"/>
-              <a:t>Orientadores: </a:t>
-            </a:r>
-            <a:r>
-              <a:rPr lang="pt-BR" sz="1050" b="1" dirty="0" smtClean="0"/>
+              <a:t>             </a:t>
+            </a:r>
+            <a:r>
+              <a:rPr lang="pt-BR" sz="1600" dirty="0" smtClean="0"/>
+              <a:t>Aluno:  Wander Mendes Martins</a:t>
+            </a:r>
+          </a:p>
+          <a:p>
+            <a:r>
+              <a:rPr lang="pt-BR" sz="1600" dirty="0" smtClean="0"/>
+              <a:t>     Orientadores: </a:t>
+            </a:r>
+            <a:r>
+              <a:rPr lang="pt-BR" sz="900" dirty="0" smtClean="0"/>
               <a:t> </a:t>
             </a:r>
             <a:r>
-              <a:rPr lang="pt-BR" sz="2000" b="1" dirty="0" smtClean="0"/>
-              <a:t>Prof. Dr.  Tales Cleber Pimenta</a:t>
-            </a:r>
-          </a:p>
-          <a:p>
-            <a:r>
-              <a:rPr lang="pt-BR" sz="2000" b="1" dirty="0"/>
+              <a:rPr lang="pt-BR" sz="1600" dirty="0" smtClean="0"/>
+              <a:t>Prof. Dr.  Tales Cleber Pimenta </a:t>
+            </a:r>
+          </a:p>
+          <a:p>
+            <a:r>
+              <a:rPr lang="pt-BR" sz="1600" dirty="0"/>
               <a:t>	</a:t>
             </a:r>
             <a:r>
-              <a:rPr lang="pt-BR" sz="2000" b="1" dirty="0" smtClean="0"/>
-              <a:t>            Prof. Dr.  Alexander Carlos B. Ramos</a:t>
-            </a:r>
-            <a:endParaRPr lang="pt-BR" sz="2000" b="1" dirty="0"/>
+              <a:rPr lang="pt-BR" sz="1600" dirty="0" smtClean="0"/>
+              <a:t>           Prof. Dr.  Alexander Carlos Brandão Ramos</a:t>
+            </a:r>
+            <a:endParaRPr lang="pt-BR" sz="2000" dirty="0"/>
           </a:p>
         </p:txBody>
       </p:sp>
@@ -4741,8 +4747,8 @@
         </p:nvSpPr>
         <p:spPr>
           <a:xfrm>
-            <a:off x="1232458" y="2636912"/>
-            <a:ext cx="7488832" cy="1938992"/>
+            <a:off x="1232458" y="2852936"/>
+            <a:ext cx="7488832" cy="1477328"/>
           </a:xfrm>
           <a:prstGeom prst="rect">
             <a:avLst/>
@@ -4756,28 +4762,52 @@
           <a:p>
             <a:pPr algn="ctr"/>
             <a:r>
-              <a:rPr lang="pt-BR" sz="2400" b="1" dirty="0" smtClean="0"/>
+              <a:rPr lang="pt-BR" b="1" dirty="0" smtClean="0"/>
               <a:t>DESENVOLVIMENTO </a:t>
             </a:r>
             <a:r>
-              <a:rPr lang="pt-BR" sz="2400" b="1" dirty="0"/>
-              <a:t>DE UM SISTEMA DE SOFTWARE PARA</a:t>
+              <a:rPr lang="pt-BR" b="1" dirty="0"/>
+              <a:t>DE UM SISTEMA DE SOFTWARE </a:t>
+            </a:r>
+            <a:endParaRPr lang="pt-BR" b="1" dirty="0" smtClean="0"/>
+          </a:p>
+          <a:p>
+            <a:pPr algn="ctr"/>
+            <a:r>
+              <a:rPr lang="pt-BR" b="1" dirty="0" smtClean="0"/>
+              <a:t>PARA</a:t>
+            </a:r>
+            <a:r>
+              <a:rPr lang="pt-BR" b="1" dirty="0"/>
+              <a:t/>
             </a:r>
             <a:br>
-              <a:rPr lang="pt-BR" sz="2400" b="1" dirty="0"/>
+              <a:rPr lang="pt-BR" b="1" dirty="0"/>
             </a:br>
             <a:r>
-              <a:rPr lang="pt-BR" sz="2400" b="1" dirty="0"/>
-              <a:t>AJUSTE DE TRAJETÓRIAS EM UM ENXAME DE DRONES EM</a:t>
+              <a:rPr lang="pt-BR" b="1" dirty="0"/>
+              <a:t>AJUSTE DE TRAJETÓRIAS EM UM ENXAME DE DRONES </a:t>
+            </a:r>
+            <a:endParaRPr lang="pt-BR" b="1" dirty="0" smtClean="0"/>
+          </a:p>
+          <a:p>
+            <a:pPr algn="ctr"/>
+            <a:r>
+              <a:rPr lang="pt-BR" b="1" dirty="0" smtClean="0"/>
+              <a:t>EM</a:t>
+            </a:r>
+            <a:r>
+              <a:rPr lang="pt-BR" b="1" dirty="0"/>
+              <a:t/>
             </a:r>
             <a:br>
-              <a:rPr lang="pt-BR" sz="2400" b="1" dirty="0"/>
+              <a:rPr lang="pt-BR" b="1" dirty="0"/>
             </a:br>
             <a:r>
-              <a:rPr lang="pt-BR" sz="2400" b="1" dirty="0"/>
+              <a:rPr lang="pt-BR" b="1" dirty="0"/>
               <a:t>OPERAÇÕES COOPERATIVAS</a:t>
             </a:r>
-            <a:endParaRPr lang="pt-BR" sz="2400" dirty="0"/>
+            <a:endParaRPr lang="pt-BR" dirty="0"/>
           </a:p>
         </p:txBody>
       </p:sp>
@@ -4935,92 +4965,180 @@
         </p:nvSpPr>
         <p:spPr/>
         <p:txBody>
+          <a:bodyPr>
+            <a:normAutofit fontScale="90000"/>
+          </a:bodyPr>
+          <a:lstStyle/>
+          <a:p>
+            <a:pPr algn="ctr"/>
+            <a:r>
+              <a:rPr lang="pt-BR" dirty="0" smtClean="0"/>
+              <a:t>1.6. Objetivos da Tese e Contribuição</a:t>
+            </a:r>
+            <a:endParaRPr lang="pt-BR" dirty="0"/>
+          </a:p>
+        </p:txBody>
+      </p:sp>
+      <p:sp>
+        <p:nvSpPr>
+          <p:cNvPr id="3" name="Espaço Reservado para Conteúdo 2"/>
+          <p:cNvSpPr>
+            <a:spLocks noGrp="1"/>
+          </p:cNvSpPr>
+          <p:nvPr>
+            <p:ph idx="1"/>
+          </p:nvPr>
+        </p:nvSpPr>
+        <p:spPr>
+          <a:xfrm>
+            <a:off x="1435608" y="1447800"/>
+            <a:ext cx="7498080" cy="5221560"/>
+          </a:xfrm>
+        </p:spPr>
+        <p:txBody>
           <a:bodyPr/>
           <a:lstStyle/>
           <a:p>
-            <a:pPr algn="ctr"/>
-            <a:r>
-              <a:rPr lang="pt-BR" dirty="0" smtClean="0"/>
-              <a:t>2. Proposta</a:t>
-            </a:r>
-            <a:endParaRPr lang="pt-BR" dirty="0"/>
-          </a:p>
-        </p:txBody>
-      </p:sp>
-      <p:sp>
-        <p:nvSpPr>
-          <p:cNvPr id="3" name="Espaço Reservado para Conteúdo 2"/>
-          <p:cNvSpPr>
-            <a:spLocks noGrp="1"/>
-          </p:cNvSpPr>
-          <p:nvPr>
-            <p:ph idx="1"/>
-          </p:nvPr>
+            <a:pPr lvl="1"/>
+            <a:endParaRPr lang="pt-BR" sz="2400" dirty="0" smtClean="0"/>
+          </a:p>
+          <a:p>
+            <a:pPr lvl="1"/>
+            <a:r>
+              <a:rPr lang="pt-BR" sz="2400" b="1" dirty="0" smtClean="0"/>
+              <a:t>Objetivo Principal:  </a:t>
+            </a:r>
+          </a:p>
+          <a:p>
+            <a:pPr marL="658368" lvl="2" indent="0">
+              <a:buNone/>
+            </a:pPr>
+            <a:r>
+              <a:rPr lang="pt-BR" sz="2000" dirty="0" smtClean="0"/>
+              <a:t>Combinar tarefas em um enxame de </a:t>
+            </a:r>
+            <a:r>
+              <a:rPr lang="pt-BR" sz="2000" dirty="0" err="1" smtClean="0"/>
+              <a:t>ARPs</a:t>
+            </a:r>
+            <a:r>
+              <a:rPr lang="pt-BR" sz="2000" dirty="0" smtClean="0"/>
+              <a:t> </a:t>
+            </a:r>
+            <a:r>
+              <a:rPr lang="pt-BR" sz="1600" b="1" dirty="0" smtClean="0"/>
+              <a:t>(H e #</a:t>
+            </a:r>
+            <a:r>
+              <a:rPr lang="pt-BR" sz="1600" b="1" dirty="0" err="1" smtClean="0"/>
+              <a:t>Qn</a:t>
+            </a:r>
+            <a:r>
+              <a:rPr lang="pt-BR" sz="1600" b="1" dirty="0" smtClean="0"/>
+              <a:t>)</a:t>
+            </a:r>
+            <a:endParaRPr lang="pt-BR" sz="2000" b="1" dirty="0" smtClean="0"/>
+          </a:p>
+          <a:p>
+            <a:pPr lvl="1"/>
+            <a:endParaRPr lang="pt-BR" sz="2400" dirty="0" smtClean="0"/>
+          </a:p>
+          <a:p>
+            <a:pPr lvl="1"/>
+            <a:r>
+              <a:rPr lang="pt-BR" sz="2400" b="1" dirty="0" smtClean="0"/>
+              <a:t>Objetivos Específicos:  </a:t>
+            </a:r>
+          </a:p>
+          <a:p>
+            <a:pPr lvl="1"/>
+            <a:endParaRPr lang="pt-BR" sz="2400" b="1" dirty="0" smtClean="0"/>
+          </a:p>
+          <a:p>
+            <a:pPr lvl="2"/>
+            <a:r>
+              <a:rPr lang="pt-BR" sz="1800" b="1" dirty="0" smtClean="0"/>
+              <a:t>1) </a:t>
+            </a:r>
+            <a:r>
+              <a:rPr lang="pt-BR" sz="2000" dirty="0" smtClean="0"/>
+              <a:t>Inspeção autônoma de linhas de transmissão</a:t>
+            </a:r>
+          </a:p>
+          <a:p>
+            <a:pPr lvl="2"/>
+            <a:endParaRPr lang="pt-BR" sz="2000" dirty="0"/>
+          </a:p>
+          <a:p>
+            <a:pPr lvl="2"/>
+            <a:r>
+              <a:rPr lang="pt-BR" sz="2000" dirty="0" smtClean="0"/>
+              <a:t>2) Detectar pessoas</a:t>
+            </a:r>
+          </a:p>
+          <a:p>
+            <a:pPr lvl="2"/>
+            <a:endParaRPr lang="pt-BR" sz="2000" dirty="0"/>
+          </a:p>
+          <a:p>
+            <a:pPr lvl="2"/>
+            <a:r>
+              <a:rPr lang="pt-BR" sz="2000" dirty="0" smtClean="0"/>
+              <a:t>3) Dupla missão</a:t>
+            </a:r>
+            <a:endParaRPr lang="pt-BR" sz="2000" dirty="0"/>
+          </a:p>
+          <a:p>
+            <a:pPr lvl="1"/>
+            <a:endParaRPr lang="pt-BR" sz="2400" dirty="0"/>
+          </a:p>
+          <a:p>
+            <a:pPr lvl="1"/>
+            <a:endParaRPr lang="pt-BR" sz="2000" dirty="0" smtClean="0"/>
+          </a:p>
+          <a:p>
+            <a:pPr lvl="1"/>
+            <a:endParaRPr lang="pt-BR" sz="2000" dirty="0" smtClean="0"/>
+          </a:p>
+          <a:p>
+            <a:endParaRPr lang="pt-BR" dirty="0" smtClean="0"/>
+          </a:p>
+        </p:txBody>
+      </p:sp>
+      <p:sp>
+        <p:nvSpPr>
+          <p:cNvPr id="4" name="CaixaDeTexto 3"/>
+          <p:cNvSpPr txBox="1"/>
+          <p:nvPr/>
         </p:nvSpPr>
         <p:spPr>
-          <a:xfrm>
-            <a:off x="1435608" y="1447800"/>
-            <a:ext cx="7498080" cy="5221560"/>
-          </a:xfrm>
-        </p:spPr>
-        <p:txBody>
-          <a:bodyPr>
-            <a:normAutofit/>
+          <a:xfrm rot="16200000">
+            <a:off x="-2077806" y="3931354"/>
+            <a:ext cx="5206954" cy="646331"/>
+          </a:xfrm>
+          <a:prstGeom prst="rect">
+            <a:avLst/>
+          </a:prstGeom>
+          <a:noFill/>
+          <a:scene3d>
+            <a:camera prst="orthographicFront">
+              <a:rot lat="0" lon="0" rev="0"/>
+            </a:camera>
+            <a:lightRig rig="threePt" dir="t"/>
+          </a:scene3d>
+        </p:spPr>
+        <p:txBody>
+          <a:bodyPr wrap="square" rtlCol="0">
+            <a:spAutoFit/>
           </a:bodyPr>
           <a:lstStyle/>
           <a:p>
-            <a:pPr marL="329184" lvl="2" indent="0">
-              <a:spcBef>
-                <a:spcPts val="600"/>
-              </a:spcBef>
-              <a:buSzPct val="80000"/>
-              <a:buNone/>
-            </a:pPr>
-            <a:endParaRPr lang="pt-BR" sz="2000" dirty="0" smtClean="0"/>
-          </a:p>
-          <a:p>
-            <a:pPr marL="329184" lvl="2" indent="0">
-              <a:spcBef>
-                <a:spcPts val="600"/>
-              </a:spcBef>
-              <a:buSzPct val="80000"/>
-              <a:buNone/>
-            </a:pPr>
-            <a:r>
-              <a:rPr lang="pt-BR" sz="2000" dirty="0" smtClean="0"/>
-              <a:t>	</a:t>
-            </a:r>
-            <a:endParaRPr lang="pt-BR" sz="2400" dirty="0" smtClean="0"/>
-          </a:p>
-          <a:p>
-            <a:pPr marL="82296" indent="0">
-              <a:buNone/>
-            </a:pPr>
-            <a:r>
-              <a:rPr lang="pt-BR" sz="2400" dirty="0" smtClean="0"/>
-              <a:t>	</a:t>
-            </a:r>
-            <a:endParaRPr lang="pt-BR" sz="2400" dirty="0"/>
-          </a:p>
-          <a:p>
-            <a:pPr marL="82296" indent="0">
-              <a:buNone/>
-            </a:pPr>
-            <a:r>
-              <a:rPr lang="pt-BR" sz="2400" dirty="0" smtClean="0"/>
-              <a:t>	</a:t>
-            </a:r>
-          </a:p>
-          <a:p>
-            <a:pPr lvl="1"/>
-            <a:endParaRPr lang="pt-BR" sz="2000" dirty="0" smtClean="0"/>
-          </a:p>
-          <a:p>
-            <a:pPr lvl="1"/>
-            <a:endParaRPr lang="pt-BR" sz="2000" dirty="0" smtClean="0"/>
-          </a:p>
-          <a:p>
-            <a:endParaRPr lang="pt-BR" dirty="0" smtClean="0"/>
+            <a:pPr algn="ctr"/>
+            <a:r>
+              <a:rPr lang="pt-BR" sz="3600" b="1" dirty="0" smtClean="0"/>
+              <a:t>1. Introdução</a:t>
+            </a:r>
+            <a:endParaRPr lang="pt-BR" sz="3600" b="1" dirty="0"/>
           </a:p>
         </p:txBody>
       </p:sp>
@@ -5104,7 +5222,7 @@
     </p:spTree>
     <p:extLst>
       <p:ext uri="{BB962C8B-B14F-4D97-AF65-F5344CB8AC3E}">
-        <p14:creationId xmlns:p14="http://schemas.microsoft.com/office/powerpoint/2010/main" val="288603410"/>
+        <p14:creationId xmlns:p14="http://schemas.microsoft.com/office/powerpoint/2010/main" val="2859953018"/>
       </p:ext>
     </p:extLst>
   </p:cSld>
@@ -5150,211 +5268,80 @@
         </p:nvSpPr>
         <p:spPr/>
         <p:txBody>
+          <a:bodyPr>
+            <a:normAutofit fontScale="90000"/>
+          </a:bodyPr>
+          <a:lstStyle/>
+          <a:p>
+            <a:pPr algn="ctr"/>
+            <a:r>
+              <a:rPr lang="pt-BR" dirty="0" smtClean="0"/>
+              <a:t>1.6. Objetivos da Tese e Contribuição</a:t>
+            </a:r>
+            <a:endParaRPr lang="pt-BR" dirty="0"/>
+          </a:p>
+        </p:txBody>
+      </p:sp>
+      <p:sp>
+        <p:nvSpPr>
+          <p:cNvPr id="3" name="Espaço Reservado para Conteúdo 2"/>
+          <p:cNvSpPr>
+            <a:spLocks noGrp="1"/>
+          </p:cNvSpPr>
+          <p:nvPr>
+            <p:ph idx="1"/>
+          </p:nvPr>
+        </p:nvSpPr>
+        <p:spPr>
+          <a:xfrm>
+            <a:off x="1435608" y="1447800"/>
+            <a:ext cx="7498080" cy="5221560"/>
+          </a:xfrm>
+        </p:spPr>
+        <p:txBody>
           <a:bodyPr/>
           <a:lstStyle/>
           <a:p>
-            <a:pPr algn="ctr"/>
-            <a:r>
-              <a:rPr lang="pt-BR" dirty="0" smtClean="0"/>
-              <a:t>2.1. Arquitetura</a:t>
-            </a:r>
-            <a:endParaRPr lang="pt-BR" dirty="0"/>
-          </a:p>
-        </p:txBody>
-      </p:sp>
-      <p:sp>
-        <p:nvSpPr>
-          <p:cNvPr id="3" name="Espaço Reservado para Conteúdo 2"/>
-          <p:cNvSpPr>
-            <a:spLocks noGrp="1"/>
-          </p:cNvSpPr>
-          <p:nvPr>
-            <p:ph idx="1"/>
-          </p:nvPr>
-        </p:nvSpPr>
-        <p:spPr>
-          <a:xfrm>
-            <a:off x="1435608" y="1447800"/>
-            <a:ext cx="7498080" cy="5221560"/>
-          </a:xfrm>
-        </p:spPr>
-        <p:txBody>
-          <a:bodyPr>
-            <a:normAutofit/>
-          </a:bodyPr>
-          <a:lstStyle/>
-          <a:p>
-            <a:pPr marL="329184" lvl="2" indent="0">
-              <a:spcBef>
-                <a:spcPts val="600"/>
-              </a:spcBef>
-              <a:buSzPct val="80000"/>
-              <a:buNone/>
-            </a:pPr>
-            <a:endParaRPr lang="pt-BR" sz="2000" dirty="0" smtClean="0"/>
-          </a:p>
-          <a:p>
-            <a:pPr marL="329184" lvl="2" indent="0">
-              <a:spcBef>
-                <a:spcPts val="600"/>
-              </a:spcBef>
-              <a:buSzPct val="80000"/>
-              <a:buNone/>
-            </a:pPr>
-            <a:r>
-              <a:rPr lang="pt-BR" sz="2000" dirty="0" smtClean="0"/>
-              <a:t>	Ambiente simulado – AIRSIM x </a:t>
-            </a:r>
-            <a:r>
-              <a:rPr lang="pt-BR" sz="2000" dirty="0" err="1" smtClean="0"/>
-              <a:t>Unreal</a:t>
-            </a:r>
-            <a:endParaRPr lang="pt-BR" sz="2000" dirty="0" smtClean="0"/>
-          </a:p>
-          <a:p>
-            <a:pPr marL="329184" lvl="2" indent="0">
-              <a:spcBef>
-                <a:spcPts val="600"/>
-              </a:spcBef>
-              <a:buSzPct val="80000"/>
-              <a:buNone/>
-            </a:pPr>
-            <a:endParaRPr lang="pt-BR" sz="2000" dirty="0"/>
-          </a:p>
-          <a:p>
-            <a:pPr marL="329184" lvl="2" indent="0">
-              <a:spcBef>
-                <a:spcPts val="600"/>
-              </a:spcBef>
-              <a:buSzPct val="80000"/>
-              <a:buNone/>
-            </a:pPr>
-            <a:r>
-              <a:rPr lang="pt-BR" sz="2000" dirty="0" smtClean="0"/>
-              <a:t>	Visão Computacional</a:t>
-            </a:r>
-          </a:p>
-          <a:p>
-            <a:pPr marL="329184" lvl="2" indent="0">
-              <a:spcBef>
-                <a:spcPts val="600"/>
-              </a:spcBef>
-              <a:buSzPct val="80000"/>
-              <a:buNone/>
-            </a:pPr>
-            <a:endParaRPr lang="pt-BR" sz="2000" dirty="0"/>
-          </a:p>
-          <a:p>
-            <a:pPr marL="329184" lvl="2" indent="0">
-              <a:spcBef>
-                <a:spcPts val="600"/>
-              </a:spcBef>
-              <a:buSzPct val="80000"/>
-              <a:buNone/>
-            </a:pPr>
-            <a:r>
-              <a:rPr lang="pt-BR" sz="2000" dirty="0">
-                <a:solidFill>
-                  <a:srgbClr val="002060"/>
-                </a:solidFill>
-              </a:rPr>
-              <a:t>	Rede Neural Artificial – Aprendizado de máquina – </a:t>
-            </a:r>
-          </a:p>
-          <a:p>
-            <a:pPr marL="329184" lvl="2" indent="0">
-              <a:spcBef>
-                <a:spcPts val="600"/>
-              </a:spcBef>
-              <a:buSzPct val="80000"/>
-              <a:buNone/>
-            </a:pPr>
-            <a:r>
-              <a:rPr lang="pt-BR" sz="2000" dirty="0">
-                <a:solidFill>
-                  <a:srgbClr val="002060"/>
-                </a:solidFill>
-              </a:rPr>
-              <a:t>			</a:t>
-            </a:r>
-            <a:r>
-              <a:rPr lang="pt-BR" sz="2000" dirty="0" err="1">
-                <a:solidFill>
-                  <a:srgbClr val="002060"/>
-                </a:solidFill>
-              </a:rPr>
-              <a:t>Roboflow</a:t>
-            </a:r>
-            <a:r>
-              <a:rPr lang="pt-BR" sz="2000" dirty="0">
-                <a:solidFill>
-                  <a:srgbClr val="002060"/>
-                </a:solidFill>
-              </a:rPr>
-              <a:t> / Google </a:t>
-            </a:r>
-            <a:r>
-              <a:rPr lang="pt-BR" sz="2000" dirty="0" err="1">
-                <a:solidFill>
-                  <a:srgbClr val="002060"/>
-                </a:solidFill>
-              </a:rPr>
-              <a:t>Colab</a:t>
-            </a:r>
-            <a:endParaRPr lang="pt-BR" sz="2000" dirty="0">
-              <a:solidFill>
-                <a:srgbClr val="002060"/>
-              </a:solidFill>
-            </a:endParaRPr>
-          </a:p>
-          <a:p>
-            <a:pPr marL="329184" lvl="2" indent="0">
-              <a:spcBef>
-                <a:spcPts val="600"/>
-              </a:spcBef>
-              <a:buSzPct val="80000"/>
-              <a:buNone/>
-            </a:pPr>
-            <a:endParaRPr lang="pt-BR" sz="2000" dirty="0"/>
-          </a:p>
-          <a:p>
-            <a:pPr marL="329184" lvl="2" indent="0">
-              <a:spcBef>
-                <a:spcPts val="600"/>
-              </a:spcBef>
-              <a:buSzPct val="80000"/>
-              <a:buNone/>
-            </a:pPr>
-            <a:r>
-              <a:rPr lang="pt-BR" sz="2000" dirty="0" smtClean="0"/>
-              <a:t>	Estação de solo </a:t>
-            </a:r>
-            <a:endParaRPr lang="pt-BR" sz="2000" dirty="0"/>
-          </a:p>
-          <a:p>
-            <a:pPr marL="82296" indent="0">
-              <a:buNone/>
-            </a:pPr>
+            <a:pPr lvl="1"/>
             <a:endParaRPr lang="pt-BR" sz="2400" dirty="0" smtClean="0"/>
           </a:p>
           <a:p>
-            <a:pPr marL="82296" indent="0">
+            <a:pPr lvl="1"/>
+            <a:r>
+              <a:rPr lang="pt-BR" sz="2400" b="1" dirty="0" smtClean="0"/>
+              <a:t>Contribuição:</a:t>
+            </a:r>
+          </a:p>
+          <a:p>
+            <a:pPr lvl="1"/>
+            <a:endParaRPr lang="pt-BR" sz="2400" b="1" dirty="0"/>
+          </a:p>
+          <a:p>
+            <a:pPr marL="402336" lvl="1" indent="0">
               <a:buNone/>
             </a:pPr>
             <a:r>
               <a:rPr lang="pt-BR" sz="2400" dirty="0" smtClean="0"/>
-              <a:t>	</a:t>
-            </a:r>
+              <a:t>	- Estudo e proposta de uma solução de baixo custo</a:t>
+            </a:r>
+          </a:p>
+          <a:p>
+            <a:pPr marL="402336" lvl="1" indent="0">
+              <a:buNone/>
+            </a:pPr>
             <a:endParaRPr lang="pt-BR" sz="2400" dirty="0"/>
           </a:p>
           <a:p>
-            <a:pPr marL="82296" indent="0">
-              <a:buNone/>
-            </a:pPr>
-            <a:r>
-              <a:rPr lang="pt-BR" sz="2400" dirty="0" smtClean="0"/>
-              <a:t>	</a:t>
-            </a:r>
+            <a:pPr marL="402336" lvl="1" indent="0">
+              <a:buNone/>
+            </a:pPr>
+            <a:endParaRPr lang="pt-BR" sz="2400" dirty="0" smtClean="0"/>
+          </a:p>
+          <a:p>
+            <a:pPr marL="402336" lvl="1" indent="0">
+              <a:buNone/>
+            </a:pPr>
+            <a:endParaRPr lang="pt-BR" sz="2400" dirty="0"/>
           </a:p>
           <a:p>
             <a:pPr lvl="1"/>
@@ -5400,7 +5387,7 @@
             <a:pPr algn="ctr"/>
             <a:r>
               <a:rPr lang="pt-BR" sz="3600" b="1" dirty="0" smtClean="0"/>
-              <a:t>2. Proposta</a:t>
+              <a:t>1. Introdução</a:t>
             </a:r>
             <a:endParaRPr lang="pt-BR" sz="3600" b="1" dirty="0"/>
           </a:p>
@@ -5486,7 +5473,7 @@
     </p:spTree>
     <p:extLst>
       <p:ext uri="{BB962C8B-B14F-4D97-AF65-F5344CB8AC3E}">
-        <p14:creationId xmlns:p14="http://schemas.microsoft.com/office/powerpoint/2010/main" val="1922903521"/>
+        <p14:creationId xmlns:p14="http://schemas.microsoft.com/office/powerpoint/2010/main" val="2040627037"/>
       </p:ext>
     </p:extLst>
   </p:cSld>
@@ -5537,12 +5524,8 @@
           <a:p>
             <a:pPr algn="ctr"/>
             <a:r>
-              <a:rPr lang="pt-BR" dirty="0"/>
-              <a:t>2.1. </a:t>
-            </a:r>
-            <a:r>
               <a:rPr lang="pt-BR" dirty="0" smtClean="0"/>
-              <a:t>Arquitetura</a:t>
+              <a:t>2. Proposta</a:t>
             </a:r>
             <a:endParaRPr lang="pt-BR" dirty="0"/>
           </a:p>
@@ -5565,25 +5548,33 @@
           </a:xfrm>
         </p:spPr>
         <p:txBody>
-          <a:bodyPr/>
+          <a:bodyPr>
+            <a:normAutofit/>
+          </a:bodyPr>
           <a:lstStyle/>
           <a:p>
-            <a:pPr marL="82296" indent="0" algn="ctr">
-              <a:buNone/>
-            </a:pPr>
-            <a:endParaRPr lang="pt-BR" sz="2400" dirty="0"/>
-          </a:p>
-          <a:p>
-            <a:pPr marL="82296" indent="0" algn="ctr">
-              <a:buNone/>
-            </a:pPr>
+            <a:pPr marL="329184" lvl="2" indent="0">
+              <a:spcBef>
+                <a:spcPts val="600"/>
+              </a:spcBef>
+              <a:buSzPct val="80000"/>
+              <a:buNone/>
+            </a:pPr>
+            <a:endParaRPr lang="pt-BR" sz="2000" dirty="0" smtClean="0"/>
+          </a:p>
+          <a:p>
+            <a:pPr marL="329184" lvl="2" indent="0">
+              <a:spcBef>
+                <a:spcPts val="600"/>
+              </a:spcBef>
+              <a:buSzPct val="80000"/>
+              <a:buNone/>
+            </a:pPr>
+            <a:r>
+              <a:rPr lang="pt-BR" sz="2000" dirty="0" smtClean="0"/>
+              <a:t>	</a:t>
+            </a:r>
             <a:endParaRPr lang="pt-BR" sz="2400" dirty="0" smtClean="0"/>
-          </a:p>
-          <a:p>
-            <a:pPr marL="82296" indent="0">
-              <a:buNone/>
-            </a:pPr>
-            <a:endParaRPr lang="pt-BR" sz="2400" dirty="0"/>
           </a:p>
           <a:p>
             <a:pPr marL="82296" indent="0">
@@ -5593,6 +5584,16 @@
               <a:rPr lang="pt-BR" sz="2400" dirty="0" smtClean="0"/>
               <a:t>	</a:t>
             </a:r>
+            <a:endParaRPr lang="pt-BR" sz="2400" dirty="0"/>
+          </a:p>
+          <a:p>
+            <a:pPr marL="82296" indent="0">
+              <a:buNone/>
+            </a:pPr>
+            <a:r>
+              <a:rPr lang="pt-BR" sz="2400" dirty="0" smtClean="0"/>
+              <a:t>	</a:t>
+            </a:r>
           </a:p>
           <a:p>
             <a:pPr lvl="1"/>
@@ -5609,43 +5610,6 @@
       </p:sp>
       <p:sp>
         <p:nvSpPr>
-          <p:cNvPr id="4" name="CaixaDeTexto 3"/>
-          <p:cNvSpPr txBox="1"/>
-          <p:nvPr/>
-        </p:nvSpPr>
-        <p:spPr>
-          <a:xfrm rot="16200000">
-            <a:off x="-2077806" y="3931354"/>
-            <a:ext cx="5206954" cy="646331"/>
-          </a:xfrm>
-          <a:prstGeom prst="rect">
-            <a:avLst/>
-          </a:prstGeom>
-          <a:noFill/>
-          <a:scene3d>
-            <a:camera prst="orthographicFront">
-              <a:rot lat="0" lon="0" rev="0"/>
-            </a:camera>
-            <a:lightRig rig="threePt" dir="t"/>
-          </a:scene3d>
-        </p:spPr>
-        <p:txBody>
-          <a:bodyPr wrap="square" rtlCol="0">
-            <a:spAutoFit/>
-          </a:bodyPr>
-          <a:lstStyle/>
-          <a:p>
-            <a:pPr algn="ctr"/>
-            <a:r>
-              <a:rPr lang="pt-BR" sz="3600" b="1" dirty="0" smtClean="0"/>
-              <a:t>2. Proposta</a:t>
-            </a:r>
-            <a:endParaRPr lang="pt-BR" sz="3600" b="1" dirty="0"/>
-          </a:p>
-        </p:txBody>
-      </p:sp>
-      <p:sp>
-        <p:nvSpPr>
           <p:cNvPr id="6" name="Espaço Reservado para Número de Slide 5"/>
           <p:cNvSpPr>
             <a:spLocks noGrp="1"/>
@@ -5654,12 +5618,7 @@
             <p:ph type="sldNum" sz="quarter" idx="12"/>
           </p:nvPr>
         </p:nvSpPr>
-        <p:spPr>
-          <a:xfrm>
-            <a:off x="8172400" y="6305550"/>
-            <a:ext cx="898448" cy="476250"/>
-          </a:xfrm>
-        </p:spPr>
+        <p:spPr/>
         <p:txBody>
           <a:bodyPr/>
           <a:lstStyle/>
@@ -5726,64 +5685,10 @@
           </a:extLst>
         </p:spPr>
       </p:pic>
-      <p:pic>
-        <p:nvPicPr>
-          <p:cNvPr id="4098" name="Picture 2"/>
-          <p:cNvPicPr>
-            <a:picLocks noChangeAspect="1" noChangeArrowheads="1"/>
-          </p:cNvPicPr>
-          <p:nvPr/>
-        </p:nvPicPr>
-        <p:blipFill>
-          <a:blip r:embed="rId3">
-            <a:extLst>
-              <a:ext uri="{28A0092B-C50C-407E-A947-70E740481C1C}">
-                <a14:useLocalDpi xmlns:a14="http://schemas.microsoft.com/office/drawing/2010/main" val="0"/>
-              </a:ext>
-            </a:extLst>
-          </a:blip>
-          <a:srcRect/>
-          <a:stretch>
-            <a:fillRect/>
-          </a:stretch>
-        </p:blipFill>
-        <p:spPr bwMode="auto">
-          <a:xfrm>
-            <a:off x="1384738" y="1516231"/>
-            <a:ext cx="7507742" cy="2848873"/>
-          </a:xfrm>
-          <a:prstGeom prst="rect">
-            <a:avLst/>
-          </a:prstGeom>
-          <a:noFill/>
-          <a:ln>
-            <a:noFill/>
-          </a:ln>
-          <a:extLst>
-            <a:ext uri="{909E8E84-426E-40DD-AFC4-6F175D3DCCD1}">
-              <a14:hiddenFill xmlns:a14="http://schemas.microsoft.com/office/drawing/2010/main">
-                <a:solidFill>
-                  <a:schemeClr val="accent1"/>
-                </a:solidFill>
-              </a14:hiddenFill>
-            </a:ext>
-            <a:ext uri="{91240B29-F687-4F45-9708-019B960494DF}">
-              <a14:hiddenLine xmlns:a14="http://schemas.microsoft.com/office/drawing/2010/main" w="9525">
-                <a:solidFill>
-                  <a:schemeClr val="tx1"/>
-                </a:solidFill>
-                <a:miter lim="800000"/>
-                <a:headEnd/>
-                <a:tailEnd/>
-              </a14:hiddenLine>
-            </a:ext>
-          </a:extLst>
-        </p:spPr>
-      </p:pic>
     </p:spTree>
     <p:extLst>
       <p:ext uri="{BB962C8B-B14F-4D97-AF65-F5344CB8AC3E}">
-        <p14:creationId xmlns:p14="http://schemas.microsoft.com/office/powerpoint/2010/main" val="3071520557"/>
+        <p14:creationId xmlns:p14="http://schemas.microsoft.com/office/powerpoint/2010/main" val="288603410"/>
       </p:ext>
     </p:extLst>
   </p:cSld>
@@ -5834,9 +5739,10 @@
           <a:p>
             <a:pPr algn="ctr"/>
             <a:r>
-              <a:rPr lang="pt-BR" dirty="0"/>
-              <a:t>Detecção de Objetos</a:t>
-            </a:r>
+              <a:rPr lang="pt-BR" dirty="0" smtClean="0"/>
+              <a:t>2.1. Arquitetura</a:t>
+            </a:r>
+            <a:endParaRPr lang="pt-BR" dirty="0"/>
           </a:p>
         </p:txBody>
       </p:sp>
@@ -5857,25 +5763,163 @@
           </a:xfrm>
         </p:spPr>
         <p:txBody>
-          <a:bodyPr/>
+          <a:bodyPr>
+            <a:normAutofit/>
+          </a:bodyPr>
           <a:lstStyle/>
           <a:p>
-            <a:pPr marL="82296" indent="0" algn="ctr">
-              <a:buNone/>
-            </a:pPr>
-            <a:endParaRPr lang="pt-BR" sz="2400" dirty="0"/>
-          </a:p>
-          <a:p>
-            <a:pPr marL="82296" indent="0" algn="ctr">
+            <a:pPr marL="329184" lvl="2" indent="0">
+              <a:spcBef>
+                <a:spcPts val="600"/>
+              </a:spcBef>
+              <a:buSzPct val="80000"/>
+              <a:buNone/>
+            </a:pPr>
+            <a:endParaRPr lang="pt-BR" sz="2000" dirty="0" smtClean="0"/>
+          </a:p>
+          <a:p>
+            <a:pPr marL="329184" lvl="2" indent="0">
+              <a:spcBef>
+                <a:spcPts val="600"/>
+              </a:spcBef>
+              <a:buSzPct val="80000"/>
+              <a:buNone/>
+            </a:pPr>
+            <a:r>
+              <a:rPr lang="pt-BR" sz="2000" dirty="0" smtClean="0"/>
+              <a:t>	Ambiente simulado – AIRSIM x </a:t>
+            </a:r>
+            <a:r>
+              <a:rPr lang="pt-BR" sz="2000" dirty="0" err="1" smtClean="0"/>
+              <a:t>Unreal</a:t>
+            </a:r>
+            <a:endParaRPr lang="pt-BR" sz="2000" dirty="0" smtClean="0"/>
+          </a:p>
+          <a:p>
+            <a:pPr marL="329184" lvl="2" indent="0">
+              <a:spcBef>
+                <a:spcPts val="600"/>
+              </a:spcBef>
+              <a:buSzPct val="80000"/>
+              <a:buNone/>
+            </a:pPr>
+            <a:endParaRPr lang="pt-BR" sz="2000" dirty="0"/>
+          </a:p>
+          <a:p>
+            <a:pPr marL="329184" lvl="2" indent="0">
+              <a:spcBef>
+                <a:spcPts val="600"/>
+              </a:spcBef>
+              <a:buSzPct val="80000"/>
+              <a:buNone/>
+            </a:pPr>
+            <a:r>
+              <a:rPr lang="pt-BR" sz="2000" dirty="0" smtClean="0"/>
+              <a:t>	Visão Computacional</a:t>
+            </a:r>
+          </a:p>
+          <a:p>
+            <a:pPr marL="329184" lvl="2" indent="0">
+              <a:spcBef>
+                <a:spcPts val="600"/>
+              </a:spcBef>
+              <a:buSzPct val="80000"/>
+              <a:buNone/>
+            </a:pPr>
+            <a:endParaRPr lang="pt-BR" sz="2000" dirty="0"/>
+          </a:p>
+          <a:p>
+            <a:pPr marL="329184" lvl="2" indent="0">
+              <a:spcBef>
+                <a:spcPts val="600"/>
+              </a:spcBef>
+              <a:buSzPct val="80000"/>
+              <a:buNone/>
+            </a:pPr>
+            <a:r>
+              <a:rPr lang="pt-BR" sz="2000" dirty="0">
+                <a:solidFill>
+                  <a:srgbClr val="002060"/>
+                </a:solidFill>
+              </a:rPr>
+              <a:t>	Rede Neural Artificial – Aprendizado de máquina – </a:t>
+            </a:r>
+          </a:p>
+          <a:p>
+            <a:pPr marL="329184" lvl="2" indent="0">
+              <a:spcBef>
+                <a:spcPts val="600"/>
+              </a:spcBef>
+              <a:buSzPct val="80000"/>
+              <a:buNone/>
+            </a:pPr>
+            <a:r>
+              <a:rPr lang="pt-BR" sz="2000" dirty="0">
+                <a:solidFill>
+                  <a:srgbClr val="002060"/>
+                </a:solidFill>
+              </a:rPr>
+              <a:t>			</a:t>
+            </a:r>
+            <a:r>
+              <a:rPr lang="pt-BR" sz="2000" dirty="0" err="1">
+                <a:solidFill>
+                  <a:srgbClr val="002060"/>
+                </a:solidFill>
+              </a:rPr>
+              <a:t>Roboflow</a:t>
+            </a:r>
+            <a:r>
+              <a:rPr lang="pt-BR" sz="2000" dirty="0">
+                <a:solidFill>
+                  <a:srgbClr val="002060"/>
+                </a:solidFill>
+              </a:rPr>
+              <a:t> / Google </a:t>
+            </a:r>
+            <a:r>
+              <a:rPr lang="pt-BR" sz="2000" dirty="0" err="1">
+                <a:solidFill>
+                  <a:srgbClr val="002060"/>
+                </a:solidFill>
+              </a:rPr>
+              <a:t>Colab</a:t>
+            </a:r>
+            <a:endParaRPr lang="pt-BR" sz="2000" dirty="0">
+              <a:solidFill>
+                <a:srgbClr val="002060"/>
+              </a:solidFill>
+            </a:endParaRPr>
+          </a:p>
+          <a:p>
+            <a:pPr marL="329184" lvl="2" indent="0">
+              <a:spcBef>
+                <a:spcPts val="600"/>
+              </a:spcBef>
+              <a:buSzPct val="80000"/>
+              <a:buNone/>
+            </a:pPr>
+            <a:endParaRPr lang="pt-BR" sz="2000" dirty="0"/>
+          </a:p>
+          <a:p>
+            <a:pPr marL="329184" lvl="2" indent="0">
+              <a:spcBef>
+                <a:spcPts val="600"/>
+              </a:spcBef>
+              <a:buSzPct val="80000"/>
+              <a:buNone/>
+            </a:pPr>
+            <a:r>
+              <a:rPr lang="pt-BR" sz="2000" dirty="0" smtClean="0"/>
+              <a:t>	Estação de solo </a:t>
+            </a:r>
+            <a:endParaRPr lang="pt-BR" sz="2000" dirty="0"/>
+          </a:p>
+          <a:p>
+            <a:pPr marL="82296" indent="0">
               <a:buNone/>
             </a:pPr>
             <a:endParaRPr lang="pt-BR" sz="2400" dirty="0" smtClean="0"/>
-          </a:p>
-          <a:p>
-            <a:pPr marL="82296" indent="0">
-              <a:buNone/>
-            </a:pPr>
-            <a:endParaRPr lang="pt-BR" sz="2400" dirty="0"/>
           </a:p>
           <a:p>
             <a:pPr marL="82296" indent="0">
@@ -5885,6 +5929,16 @@
               <a:rPr lang="pt-BR" sz="2400" dirty="0" smtClean="0"/>
               <a:t>	</a:t>
             </a:r>
+            <a:endParaRPr lang="pt-BR" sz="2400" dirty="0"/>
+          </a:p>
+          <a:p>
+            <a:pPr marL="82296" indent="0">
+              <a:buNone/>
+            </a:pPr>
+            <a:r>
+              <a:rPr lang="pt-BR" sz="2400" dirty="0" smtClean="0"/>
+              <a:t>	</a:t>
+            </a:r>
           </a:p>
           <a:p>
             <a:pPr lvl="1"/>
@@ -5895,10 +5949,6 @@
             <a:endParaRPr lang="pt-BR" sz="2000" dirty="0" smtClean="0"/>
           </a:p>
           <a:p>
-            <a:r>
-              <a:rPr lang="pt-BR" dirty="0" err="1" smtClean="0"/>
-              <a:t>Yolo</a:t>
-            </a:r>
             <a:endParaRPr lang="pt-BR" dirty="0" smtClean="0"/>
           </a:p>
         </p:txBody>
@@ -5950,12 +6000,7 @@
             <p:ph type="sldNum" sz="quarter" idx="12"/>
           </p:nvPr>
         </p:nvSpPr>
-        <p:spPr>
-          <a:xfrm>
-            <a:off x="8172400" y="6305550"/>
-            <a:ext cx="898448" cy="476250"/>
-          </a:xfrm>
-        </p:spPr>
+        <p:spPr/>
         <p:txBody>
           <a:bodyPr/>
           <a:lstStyle/>
@@ -6022,64 +6067,10 @@
           </a:extLst>
         </p:spPr>
       </p:pic>
-      <p:pic>
-        <p:nvPicPr>
-          <p:cNvPr id="8" name="Picture 3"/>
-          <p:cNvPicPr>
-            <a:picLocks noChangeAspect="1" noChangeArrowheads="1"/>
-          </p:cNvPicPr>
-          <p:nvPr/>
-        </p:nvPicPr>
-        <p:blipFill>
-          <a:blip r:embed="rId3">
-            <a:extLst>
-              <a:ext uri="{28A0092B-C50C-407E-A947-70E740481C1C}">
-                <a14:useLocalDpi xmlns:a14="http://schemas.microsoft.com/office/drawing/2010/main" val="0"/>
-              </a:ext>
-            </a:extLst>
-          </a:blip>
-          <a:srcRect/>
-          <a:stretch>
-            <a:fillRect/>
-          </a:stretch>
-        </p:blipFill>
-        <p:spPr bwMode="auto">
-          <a:xfrm>
-            <a:off x="1259632" y="1651042"/>
-            <a:ext cx="7607515" cy="4298238"/>
-          </a:xfrm>
-          <a:prstGeom prst="rect">
-            <a:avLst/>
-          </a:prstGeom>
-          <a:noFill/>
-          <a:ln>
-            <a:noFill/>
-          </a:ln>
-          <a:extLst>
-            <a:ext uri="{909E8E84-426E-40DD-AFC4-6F175D3DCCD1}">
-              <a14:hiddenFill xmlns:a14="http://schemas.microsoft.com/office/drawing/2010/main">
-                <a:solidFill>
-                  <a:schemeClr val="accent1"/>
-                </a:solidFill>
-              </a14:hiddenFill>
-            </a:ext>
-            <a:ext uri="{91240B29-F687-4F45-9708-019B960494DF}">
-              <a14:hiddenLine xmlns:a14="http://schemas.microsoft.com/office/drawing/2010/main" w="9525">
-                <a:solidFill>
-                  <a:schemeClr val="tx1"/>
-                </a:solidFill>
-                <a:miter lim="800000"/>
-                <a:headEnd/>
-                <a:tailEnd/>
-              </a14:hiddenLine>
-            </a:ext>
-          </a:extLst>
-        </p:spPr>
-      </p:pic>
     </p:spTree>
     <p:extLst>
       <p:ext uri="{BB962C8B-B14F-4D97-AF65-F5344CB8AC3E}">
-        <p14:creationId xmlns:p14="http://schemas.microsoft.com/office/powerpoint/2010/main" val="2358655623"/>
+        <p14:creationId xmlns:p14="http://schemas.microsoft.com/office/powerpoint/2010/main" val="1922903521"/>
       </p:ext>
     </p:extLst>
   </p:cSld>
@@ -6131,8 +6122,13 @@
             <a:pPr algn="ctr"/>
             <a:r>
               <a:rPr lang="pt-BR" dirty="0"/>
-              <a:t>Detecção de Objetos</a:t>
-            </a:r>
+              <a:t>2.1. </a:t>
+            </a:r>
+            <a:r>
+              <a:rPr lang="pt-BR" dirty="0" smtClean="0"/>
+              <a:t>Arquitetura</a:t>
+            </a:r>
+            <a:endParaRPr lang="pt-BR" dirty="0"/>
           </a:p>
         </p:txBody>
       </p:sp>
@@ -6316,7 +6312,7 @@
       </p:pic>
       <p:pic>
         <p:nvPicPr>
-          <p:cNvPr id="8194" name="Picture 2"/>
+          <p:cNvPr id="4098" name="Picture 2"/>
           <p:cNvPicPr>
             <a:picLocks noChangeAspect="1" noChangeArrowheads="1"/>
           </p:cNvPicPr>
@@ -6337,8 +6333,8 @@
         </p:blipFill>
         <p:spPr bwMode="auto">
           <a:xfrm>
-            <a:off x="2267743" y="1124744"/>
-            <a:ext cx="6015857" cy="4752528"/>
+            <a:off x="1384738" y="1516231"/>
+            <a:ext cx="7507742" cy="2848873"/>
           </a:xfrm>
           <a:prstGeom prst="rect">
             <a:avLst/>
@@ -6368,90 +6364,10 @@
           </a:extLst>
         </p:spPr>
       </p:pic>
-      <p:sp>
-        <p:nvSpPr>
-          <p:cNvPr id="9" name="Título 1"/>
-          <p:cNvSpPr txBox="1">
-            <a:spLocks/>
-          </p:cNvSpPr>
-          <p:nvPr/>
-        </p:nvSpPr>
-        <p:spPr>
-          <a:xfrm>
-            <a:off x="807451" y="5707875"/>
-            <a:ext cx="7498080" cy="1143000"/>
-          </a:xfrm>
-          <a:prstGeom prst="rect">
-            <a:avLst/>
-          </a:prstGeom>
-        </p:spPr>
-        <p:txBody>
-          <a:bodyPr anchor="ctr">
-            <a:normAutofit/>
-          </a:bodyPr>
-          <a:lstStyle>
-            <a:lvl1pPr algn="l" rtl="0" eaLnBrk="1" latinLnBrk="0" hangingPunct="1">
-              <a:spcBef>
-                <a:spcPct val="0"/>
-              </a:spcBef>
-              <a:buNone/>
-              <a:defRPr kumimoji="0" sz="4300" kern="1200">
-                <a:solidFill>
-                  <a:schemeClr val="tx2">
-                    <a:satMod val="130000"/>
-                  </a:schemeClr>
-                </a:solidFill>
-                <a:effectLst>
-                  <a:outerShdw blurRad="50000" dist="30000" dir="5400000" algn="tl" rotWithShape="0">
-                    <a:srgbClr val="000000">
-                      <a:alpha val="30000"/>
-                    </a:srgbClr>
-                  </a:outerShdw>
-                </a:effectLst>
-                <a:latin typeface="+mj-lt"/>
-                <a:ea typeface="+mj-ea"/>
-                <a:cs typeface="+mj-cs"/>
-              </a:defRPr>
-            </a:lvl1pPr>
-            <a:extLst/>
-          </a:lstStyle>
-          <a:p>
-            <a:pPr algn="ctr"/>
-            <a:r>
-              <a:rPr lang="pt-BR" sz="1800" dirty="0" err="1" smtClean="0"/>
-              <a:t>Roboflow</a:t>
-            </a:r>
-            <a:r>
-              <a:rPr lang="pt-BR" sz="1800" dirty="0" smtClean="0"/>
-              <a:t> : YOLOv5 &amp; </a:t>
-            </a:r>
-            <a:r>
-              <a:rPr lang="pt-BR" sz="1800" dirty="0" err="1" smtClean="0"/>
-              <a:t>Faster</a:t>
-            </a:r>
-            <a:r>
-              <a:rPr lang="pt-BR" sz="1800" dirty="0" smtClean="0"/>
-              <a:t>  </a:t>
-            </a:r>
-          </a:p>
-          <a:p>
-            <a:pPr algn="ctr"/>
-            <a:r>
-              <a:rPr lang="pt-BR" sz="1800" dirty="0" smtClean="0"/>
-              <a:t>Google </a:t>
-            </a:r>
-            <a:r>
-              <a:rPr lang="pt-BR" sz="1800" dirty="0" err="1" smtClean="0"/>
-              <a:t>Colab</a:t>
-            </a:r>
-            <a:endParaRPr lang="pt-BR" sz="1800" dirty="0"/>
-          </a:p>
-        </p:txBody>
-      </p:sp>
     </p:spTree>
     <p:extLst>
       <p:ext uri="{BB962C8B-B14F-4D97-AF65-F5344CB8AC3E}">
-        <p14:creationId xmlns:p14="http://schemas.microsoft.com/office/powerpoint/2010/main" val="1196953891"/>
+        <p14:creationId xmlns:p14="http://schemas.microsoft.com/office/powerpoint/2010/main" val="3071520557"/>
       </p:ext>
     </p:extLst>
   </p:cSld>
@@ -6502,12 +6418,8 @@
           <a:p>
             <a:pPr algn="ctr"/>
             <a:r>
-              <a:rPr lang="pt-BR" dirty="0" smtClean="0"/>
-              <a:t>Detecção </a:t>
-            </a:r>
-            <a:r>
               <a:rPr lang="pt-BR" dirty="0"/>
-              <a:t>de Objetos</a:t>
+              <a:t>Detecção de Objetos</a:t>
             </a:r>
           </a:p>
         </p:txBody>
@@ -6529,42 +6441,22 @@
           </a:xfrm>
         </p:spPr>
         <p:txBody>
-          <a:bodyPr>
-            <a:normAutofit lnSpcReduction="10000"/>
-          </a:bodyPr>
+          <a:bodyPr/>
           <a:lstStyle/>
           <a:p>
             <a:pPr marL="82296" indent="0" algn="ctr">
               <a:buNone/>
             </a:pPr>
+            <a:endParaRPr lang="pt-BR" sz="2400" dirty="0"/>
+          </a:p>
+          <a:p>
+            <a:pPr marL="82296" indent="0" algn="ctr">
+              <a:buNone/>
+            </a:pPr>
             <a:endParaRPr lang="pt-BR" sz="2400" dirty="0" smtClean="0"/>
           </a:p>
           <a:p>
-            <a:pPr marL="82296" indent="0" algn="ctr">
-              <a:buNone/>
-            </a:pPr>
-            <a:endParaRPr lang="pt-BR" sz="2400" dirty="0" smtClean="0"/>
-          </a:p>
-          <a:p>
-            <a:pPr marL="82296" indent="0" algn="ctr">
-              <a:buNone/>
-            </a:pPr>
-            <a:endParaRPr lang="pt-BR" sz="2400" dirty="0"/>
-          </a:p>
-          <a:p>
-            <a:pPr marL="82296" indent="0" algn="ctr">
-              <a:buNone/>
-            </a:pPr>
-            <a:endParaRPr lang="pt-BR" sz="2400" dirty="0" smtClean="0"/>
-          </a:p>
-          <a:p>
-            <a:pPr marL="82296" indent="0" algn="ctr">
-              <a:buNone/>
-            </a:pPr>
-            <a:endParaRPr lang="pt-BR" sz="2400" dirty="0" smtClean="0"/>
-          </a:p>
-          <a:p>
-            <a:pPr marL="82296" indent="0" algn="ctr">
+            <a:pPr marL="82296" indent="0">
               <a:buNone/>
             </a:pPr>
             <a:endParaRPr lang="pt-BR" sz="2400" dirty="0"/>
@@ -6579,39 +6471,6 @@
             </a:r>
           </a:p>
           <a:p>
-            <a:pPr marL="82296" indent="0" algn="ctr">
-              <a:buNone/>
-            </a:pPr>
-            <a:endParaRPr lang="pt-BR" sz="2400" dirty="0" smtClean="0"/>
-          </a:p>
-          <a:p>
-            <a:pPr marL="82296" indent="0" algn="ctr">
-              <a:buNone/>
-            </a:pPr>
-            <a:endParaRPr lang="pt-BR" sz="2400" dirty="0"/>
-          </a:p>
-          <a:p>
-            <a:pPr marL="82296" indent="0" algn="ctr">
-              <a:buNone/>
-            </a:pPr>
-            <a:endParaRPr lang="pt-BR" sz="2400" dirty="0" smtClean="0"/>
-          </a:p>
-          <a:p>
-            <a:pPr marL="82296" indent="0">
-              <a:buNone/>
-            </a:pPr>
-            <a:endParaRPr lang="pt-BR" sz="2400" dirty="0"/>
-          </a:p>
-          <a:p>
-            <a:pPr marL="82296" indent="0">
-              <a:buNone/>
-            </a:pPr>
-            <a:r>
-              <a:rPr lang="pt-BR" sz="2400" dirty="0" smtClean="0"/>
-              <a:t>	</a:t>
-            </a:r>
-          </a:p>
-          <a:p>
             <a:pPr lvl="1"/>
             <a:endParaRPr lang="pt-BR" sz="2000" dirty="0" smtClean="0"/>
           </a:p>
@@ -6620,6 +6479,10 @@
             <a:endParaRPr lang="pt-BR" sz="2000" dirty="0" smtClean="0"/>
           </a:p>
           <a:p>
+            <a:r>
+              <a:rPr lang="pt-BR" dirty="0" err="1" smtClean="0"/>
+              <a:t>Yolo</a:t>
+            </a:r>
             <a:endParaRPr lang="pt-BR" dirty="0" smtClean="0"/>
           </a:p>
         </p:txBody>
@@ -6743,113 +6606,64 @@
           </a:extLst>
         </p:spPr>
       </p:pic>
-      <p:sp>
-        <p:nvSpPr>
-          <p:cNvPr id="5" name="Retângulo 4"/>
-          <p:cNvSpPr/>
+      <p:pic>
+        <p:nvPicPr>
+          <p:cNvPr id="8" name="Picture 3"/>
+          <p:cNvPicPr>
+            <a:picLocks noChangeAspect="1" noChangeArrowheads="1"/>
+          </p:cNvPicPr>
           <p:nvPr/>
-        </p:nvSpPr>
-        <p:spPr>
-          <a:xfrm>
-            <a:off x="1979712" y="1772816"/>
-            <a:ext cx="6048672" cy="2862322"/>
+        </p:nvPicPr>
+        <p:blipFill>
+          <a:blip r:embed="rId3">
+            <a:extLst>
+              <a:ext uri="{28A0092B-C50C-407E-A947-70E740481C1C}">
+                <a14:useLocalDpi xmlns:a14="http://schemas.microsoft.com/office/drawing/2010/main" val="0"/>
+              </a:ext>
+            </a:extLst>
+          </a:blip>
+          <a:srcRect/>
+          <a:stretch>
+            <a:fillRect/>
+          </a:stretch>
+        </p:blipFill>
+        <p:spPr bwMode="auto">
+          <a:xfrm>
+            <a:off x="1259632" y="1651042"/>
+            <a:ext cx="7607515" cy="4298238"/>
           </a:xfrm>
           <a:prstGeom prst="rect">
             <a:avLst/>
           </a:prstGeom>
-        </p:spPr>
-        <p:txBody>
-          <a:bodyPr wrap="square">
-            <a:spAutoFit/>
-          </a:bodyPr>
-          <a:lstStyle/>
-          <a:p>
-            <a:r>
-              <a:rPr lang="pt-BR" dirty="0" smtClean="0"/>
-              <a:t>Vídeos dos experimentos (rede neural)</a:t>
-            </a:r>
-            <a:endParaRPr lang="pt-BR" dirty="0" smtClean="0">
-              <a:hlinkClick r:id="rId3"/>
-            </a:endParaRPr>
-          </a:p>
-          <a:p>
-            <a:endParaRPr lang="pt-BR" dirty="0" smtClean="0">
-              <a:hlinkClick r:id="rId3"/>
-            </a:endParaRPr>
-          </a:p>
-          <a:p>
-            <a:endParaRPr lang="pt-BR" dirty="0" smtClean="0">
-              <a:hlinkClick r:id="rId3"/>
-            </a:endParaRPr>
-          </a:p>
-          <a:p>
-            <a:pPr marL="342900" indent="-342900">
-              <a:buAutoNum type="alphaLcParenR"/>
-            </a:pPr>
-            <a:r>
-              <a:rPr lang="pt-BR" dirty="0" smtClean="0"/>
-              <a:t>Detecção de objetos e pessoas</a:t>
-            </a:r>
-          </a:p>
-          <a:p>
-            <a:pPr marL="342900" indent="-342900">
-              <a:buAutoNum type="alphaLcParenR"/>
-            </a:pPr>
-            <a:endParaRPr lang="pt-BR" dirty="0">
-              <a:hlinkClick r:id="rId3"/>
-            </a:endParaRPr>
-          </a:p>
-          <a:p>
-            <a:r>
-              <a:rPr lang="pt-BR" dirty="0" smtClean="0">
-                <a:hlinkClick r:id="rId3"/>
-              </a:rPr>
-              <a:t>https</a:t>
-            </a:r>
-            <a:r>
-              <a:rPr lang="pt-BR" dirty="0">
-                <a:hlinkClick r:id="rId3"/>
-              </a:rPr>
-              <a:t>://</a:t>
-            </a:r>
-            <a:r>
-              <a:rPr lang="pt-BR" dirty="0" smtClean="0">
-                <a:hlinkClick r:id="rId3"/>
-              </a:rPr>
-              <a:t>www.youtube.com/watch?v=buXmq1kyVVo</a:t>
-            </a:r>
-            <a:endParaRPr lang="pt-BR" dirty="0" smtClean="0"/>
-          </a:p>
-          <a:p>
-            <a:endParaRPr lang="pt-BR" dirty="0" smtClean="0"/>
-          </a:p>
-          <a:p>
-            <a:r>
-              <a:rPr lang="pt-BR" dirty="0">
-                <a:hlinkClick r:id="rId4"/>
-              </a:rPr>
-              <a:t>https://</a:t>
-            </a:r>
-            <a:r>
-              <a:rPr lang="pt-BR" dirty="0" smtClean="0">
-                <a:hlinkClick r:id="rId4"/>
-              </a:rPr>
-              <a:t>www.youtube.com/watch?v=pC40T81VGuU</a:t>
-            </a:r>
-            <a:endParaRPr lang="pt-BR" dirty="0" smtClean="0"/>
-          </a:p>
-          <a:p>
-            <a:endParaRPr lang="pt-BR" dirty="0"/>
-          </a:p>
-          <a:p>
-            <a:endParaRPr lang="pt-BR" dirty="0"/>
-          </a:p>
-        </p:txBody>
-      </p:sp>
+          <a:noFill/>
+          <a:ln>
+            <a:noFill/>
+          </a:ln>
+          <a:extLst>
+            <a:ext uri="{909E8E84-426E-40DD-AFC4-6F175D3DCCD1}">
+              <a14:hiddenFill xmlns:a14="http://schemas.microsoft.com/office/drawing/2010/main">
+                <a:solidFill>
+                  <a:schemeClr val="accent1"/>
+                </a:solidFill>
+              </a14:hiddenFill>
+            </a:ext>
+            <a:ext uri="{91240B29-F687-4F45-9708-019B960494DF}">
+              <a14:hiddenLine xmlns:a14="http://schemas.microsoft.com/office/drawing/2010/main" w="9525">
+                <a:solidFill>
+                  <a:schemeClr val="tx1"/>
+                </a:solidFill>
+                <a:miter lim="800000"/>
+                <a:headEnd/>
+                <a:tailEnd/>
+              </a14:hiddenLine>
+            </a:ext>
+          </a:extLst>
+        </p:spPr>
+      </p:pic>
     </p:spTree>
     <p:extLst>
       <p:ext uri="{BB962C8B-B14F-4D97-AF65-F5344CB8AC3E}">
-        <p14:creationId xmlns:p14="http://schemas.microsoft.com/office/powerpoint/2010/main" val="1584388572"/>
+        <p14:creationId xmlns:p14="http://schemas.microsoft.com/office/powerpoint/2010/main" val="2358655623"/>
       </p:ext>
     </p:extLst>
   </p:cSld>
@@ -6901,13 +6715,8 @@
             <a:pPr algn="ctr"/>
             <a:r>
               <a:rPr lang="pt-BR" dirty="0"/>
-              <a:t>2.1. </a:t>
-            </a:r>
-            <a:r>
-              <a:rPr lang="pt-BR" dirty="0" smtClean="0"/>
-              <a:t>Simulação</a:t>
-            </a:r>
-            <a:endParaRPr lang="pt-BR" dirty="0"/>
+              <a:t>Detecção de Objetos</a:t>
+            </a:r>
           </a:p>
         </p:txBody>
       </p:sp>
@@ -7091,7 +6900,7 @@
       </p:pic>
       <p:pic>
         <p:nvPicPr>
-          <p:cNvPr id="6146" name="Picture 2"/>
+          <p:cNvPr id="8194" name="Picture 2"/>
           <p:cNvPicPr>
             <a:picLocks noChangeAspect="1" noChangeArrowheads="1"/>
           </p:cNvPicPr>
@@ -7112,8 +6921,8 @@
         </p:blipFill>
         <p:spPr bwMode="auto">
           <a:xfrm>
-            <a:off x="1814513" y="1304924"/>
-            <a:ext cx="6309775" cy="4860379"/>
+            <a:off x="2267743" y="1124744"/>
+            <a:ext cx="6015857" cy="4752528"/>
           </a:xfrm>
           <a:prstGeom prst="rect">
             <a:avLst/>
@@ -7143,10 +6952,90 @@
           </a:extLst>
         </p:spPr>
       </p:pic>
+      <p:sp>
+        <p:nvSpPr>
+          <p:cNvPr id="9" name="Título 1"/>
+          <p:cNvSpPr txBox="1">
+            <a:spLocks/>
+          </p:cNvSpPr>
+          <p:nvPr/>
+        </p:nvSpPr>
+        <p:spPr>
+          <a:xfrm>
+            <a:off x="807451" y="5707875"/>
+            <a:ext cx="7498080" cy="1143000"/>
+          </a:xfrm>
+          <a:prstGeom prst="rect">
+            <a:avLst/>
+          </a:prstGeom>
+        </p:spPr>
+        <p:txBody>
+          <a:bodyPr anchor="ctr">
+            <a:normAutofit/>
+          </a:bodyPr>
+          <a:lstStyle>
+            <a:lvl1pPr algn="l" rtl="0" eaLnBrk="1" latinLnBrk="0" hangingPunct="1">
+              <a:spcBef>
+                <a:spcPct val="0"/>
+              </a:spcBef>
+              <a:buNone/>
+              <a:defRPr kumimoji="0" sz="4300" kern="1200">
+                <a:solidFill>
+                  <a:schemeClr val="tx2">
+                    <a:satMod val="130000"/>
+                  </a:schemeClr>
+                </a:solidFill>
+                <a:effectLst>
+                  <a:outerShdw blurRad="50000" dist="30000" dir="5400000" algn="tl" rotWithShape="0">
+                    <a:srgbClr val="000000">
+                      <a:alpha val="30000"/>
+                    </a:srgbClr>
+                  </a:outerShdw>
+                </a:effectLst>
+                <a:latin typeface="+mj-lt"/>
+                <a:ea typeface="+mj-ea"/>
+                <a:cs typeface="+mj-cs"/>
+              </a:defRPr>
+            </a:lvl1pPr>
+            <a:extLst/>
+          </a:lstStyle>
+          <a:p>
+            <a:pPr algn="ctr"/>
+            <a:r>
+              <a:rPr lang="pt-BR" sz="1800" dirty="0" err="1" smtClean="0"/>
+              <a:t>Roboflow</a:t>
+            </a:r>
+            <a:r>
+              <a:rPr lang="pt-BR" sz="1800" dirty="0" smtClean="0"/>
+              <a:t> : YOLOv5 &amp; </a:t>
+            </a:r>
+            <a:r>
+              <a:rPr lang="pt-BR" sz="1800" dirty="0" err="1" smtClean="0"/>
+              <a:t>Faster</a:t>
+            </a:r>
+            <a:r>
+              <a:rPr lang="pt-BR" sz="1800" dirty="0" smtClean="0"/>
+              <a:t>  </a:t>
+            </a:r>
+          </a:p>
+          <a:p>
+            <a:pPr algn="ctr"/>
+            <a:r>
+              <a:rPr lang="pt-BR" sz="1800" dirty="0" smtClean="0"/>
+              <a:t>Google </a:t>
+            </a:r>
+            <a:r>
+              <a:rPr lang="pt-BR" sz="1800" dirty="0" err="1" smtClean="0"/>
+              <a:t>Colab</a:t>
+            </a:r>
+            <a:endParaRPr lang="pt-BR" sz="1800" dirty="0"/>
+          </a:p>
+        </p:txBody>
+      </p:sp>
     </p:spTree>
     <p:extLst>
       <p:ext uri="{BB962C8B-B14F-4D97-AF65-F5344CB8AC3E}">
-        <p14:creationId xmlns:p14="http://schemas.microsoft.com/office/powerpoint/2010/main" val="947601050"/>
+        <p14:creationId xmlns:p14="http://schemas.microsoft.com/office/powerpoint/2010/main" val="1196953891"/>
       </p:ext>
     </p:extLst>
   </p:cSld>
@@ -7197,14 +7086,13 @@
           <a:p>
             <a:pPr algn="ctr"/>
             <a:r>
+              <a:rPr lang="pt-BR" dirty="0" smtClean="0"/>
+              <a:t>Detecção </a:t>
+            </a:r>
+            <a:r>
               <a:rPr lang="pt-BR" dirty="0"/>
-              <a:t>2.1. </a:t>
-            </a:r>
-            <a:r>
-              <a:rPr lang="pt-BR" dirty="0" smtClean="0"/>
-              <a:t>Simulação</a:t>
-            </a:r>
-            <a:endParaRPr lang="pt-BR" dirty="0"/>
+              <a:t>de Objetos</a:t>
+            </a:r>
           </a:p>
         </p:txBody>
       </p:sp>
@@ -7225,8 +7113,61 @@
           </a:xfrm>
         </p:spPr>
         <p:txBody>
-          <a:bodyPr/>
+          <a:bodyPr>
+            <a:normAutofit lnSpcReduction="10000"/>
+          </a:bodyPr>
           <a:lstStyle/>
+          <a:p>
+            <a:pPr marL="82296" indent="0" algn="ctr">
+              <a:buNone/>
+            </a:pPr>
+            <a:endParaRPr lang="pt-BR" sz="2400" dirty="0" smtClean="0"/>
+          </a:p>
+          <a:p>
+            <a:pPr marL="82296" indent="0" algn="ctr">
+              <a:buNone/>
+            </a:pPr>
+            <a:endParaRPr lang="pt-BR" sz="2400" dirty="0" smtClean="0"/>
+          </a:p>
+          <a:p>
+            <a:pPr marL="82296" indent="0" algn="ctr">
+              <a:buNone/>
+            </a:pPr>
+            <a:endParaRPr lang="pt-BR" sz="2400" dirty="0"/>
+          </a:p>
+          <a:p>
+            <a:pPr marL="82296" indent="0" algn="ctr">
+              <a:buNone/>
+            </a:pPr>
+            <a:endParaRPr lang="pt-BR" sz="2400" dirty="0" smtClean="0"/>
+          </a:p>
+          <a:p>
+            <a:pPr marL="82296" indent="0" algn="ctr">
+              <a:buNone/>
+            </a:pPr>
+            <a:endParaRPr lang="pt-BR" sz="2400" dirty="0" smtClean="0"/>
+          </a:p>
+          <a:p>
+            <a:pPr marL="82296" indent="0" algn="ctr">
+              <a:buNone/>
+            </a:pPr>
+            <a:endParaRPr lang="pt-BR" sz="2400" dirty="0"/>
+          </a:p>
+          <a:p>
+            <a:pPr marL="82296" indent="0">
+              <a:buNone/>
+            </a:pPr>
+            <a:r>
+              <a:rPr lang="pt-BR" sz="2400" dirty="0" smtClean="0"/>
+              <a:t>	</a:t>
+            </a:r>
+          </a:p>
+          <a:p>
+            <a:pPr marL="82296" indent="0" algn="ctr">
+              <a:buNone/>
+            </a:pPr>
+            <a:endParaRPr lang="pt-BR" sz="2400" dirty="0" smtClean="0"/>
+          </a:p>
           <a:p>
             <a:pPr marL="82296" indent="0" algn="ctr">
               <a:buNone/>
@@ -7386,64 +7327,113 @@
           </a:extLst>
         </p:spPr>
       </p:pic>
-      <p:pic>
-        <p:nvPicPr>
-          <p:cNvPr id="9219" name="Picture 3"/>
-          <p:cNvPicPr>
-            <a:picLocks noChangeAspect="1" noChangeArrowheads="1"/>
-          </p:cNvPicPr>
+      <p:sp>
+        <p:nvSpPr>
+          <p:cNvPr id="5" name="Retângulo 4"/>
+          <p:cNvSpPr/>
           <p:nvPr/>
-        </p:nvPicPr>
-        <p:blipFill>
-          <a:blip r:embed="rId3">
-            <a:extLst>
-              <a:ext uri="{28A0092B-C50C-407E-A947-70E740481C1C}">
-                <a14:useLocalDpi xmlns:a14="http://schemas.microsoft.com/office/drawing/2010/main" val="0"/>
-              </a:ext>
-            </a:extLst>
-          </a:blip>
-          <a:srcRect/>
-          <a:stretch>
-            <a:fillRect/>
-          </a:stretch>
-        </p:blipFill>
-        <p:spPr bwMode="auto">
-          <a:xfrm>
-            <a:off x="1475656" y="1271720"/>
-            <a:ext cx="6840760" cy="5289149"/>
+        </p:nvSpPr>
+        <p:spPr>
+          <a:xfrm>
+            <a:off x="1979712" y="1772816"/>
+            <a:ext cx="6048672" cy="2862322"/>
           </a:xfrm>
           <a:prstGeom prst="rect">
             <a:avLst/>
           </a:prstGeom>
-          <a:noFill/>
-          <a:ln>
-            <a:noFill/>
-          </a:ln>
-          <a:extLst>
-            <a:ext uri="{909E8E84-426E-40DD-AFC4-6F175D3DCCD1}">
-              <a14:hiddenFill xmlns:a14="http://schemas.microsoft.com/office/drawing/2010/main">
-                <a:solidFill>
-                  <a:schemeClr val="accent1"/>
-                </a:solidFill>
-              </a14:hiddenFill>
-            </a:ext>
-            <a:ext uri="{91240B29-F687-4F45-9708-019B960494DF}">
-              <a14:hiddenLine xmlns:a14="http://schemas.microsoft.com/office/drawing/2010/main" w="9525">
-                <a:solidFill>
-                  <a:schemeClr val="tx1"/>
-                </a:solidFill>
-                <a:miter lim="800000"/>
-                <a:headEnd/>
-                <a:tailEnd/>
-              </a14:hiddenLine>
-            </a:ext>
-          </a:extLst>
-        </p:spPr>
-      </p:pic>
+        </p:spPr>
+        <p:txBody>
+          <a:bodyPr wrap="square">
+            <a:spAutoFit/>
+          </a:bodyPr>
+          <a:lstStyle/>
+          <a:p>
+            <a:r>
+              <a:rPr lang="pt-BR" dirty="0" smtClean="0"/>
+              <a:t>Vídeos dos experimentos (rede neural)</a:t>
+            </a:r>
+            <a:endParaRPr lang="pt-BR" dirty="0" smtClean="0">
+              <a:hlinkClick r:id="rId3"/>
+            </a:endParaRPr>
+          </a:p>
+          <a:p>
+            <a:endParaRPr lang="pt-BR" dirty="0" smtClean="0">
+              <a:hlinkClick r:id="rId3"/>
+            </a:endParaRPr>
+          </a:p>
+          <a:p>
+            <a:endParaRPr lang="pt-BR" dirty="0" smtClean="0">
+              <a:hlinkClick r:id="rId3"/>
+            </a:endParaRPr>
+          </a:p>
+          <a:p>
+            <a:pPr marL="342900" indent="-342900">
+              <a:buAutoNum type="alphaLcParenR"/>
+            </a:pPr>
+            <a:r>
+              <a:rPr lang="pt-BR" dirty="0" smtClean="0"/>
+              <a:t>Detecção de objetos e pessoas</a:t>
+            </a:r>
+          </a:p>
+          <a:p>
+            <a:pPr marL="342900" indent="-342900">
+              <a:buAutoNum type="alphaLcParenR"/>
+            </a:pPr>
+            <a:endParaRPr lang="pt-BR" dirty="0">
+              <a:hlinkClick r:id="rId3"/>
+            </a:endParaRPr>
+          </a:p>
+          <a:p>
+            <a:r>
+              <a:rPr lang="pt-BR" dirty="0" smtClean="0">
+                <a:hlinkClick r:id="rId3"/>
+              </a:rPr>
+              <a:t>https</a:t>
+            </a:r>
+            <a:r>
+              <a:rPr lang="pt-BR" dirty="0">
+                <a:hlinkClick r:id="rId3"/>
+              </a:rPr>
+              <a:t>://</a:t>
+            </a:r>
+            <a:r>
+              <a:rPr lang="pt-BR" dirty="0" smtClean="0">
+                <a:hlinkClick r:id="rId3"/>
+              </a:rPr>
+              <a:t>www.youtube.com/watch?v=buXmq1kyVVo</a:t>
+            </a:r>
+            <a:endParaRPr lang="pt-BR" dirty="0" smtClean="0"/>
+          </a:p>
+          <a:p>
+            <a:endParaRPr lang="pt-BR" dirty="0" smtClean="0"/>
+          </a:p>
+          <a:p>
+            <a:r>
+              <a:rPr lang="pt-BR" dirty="0">
+                <a:hlinkClick r:id="rId4"/>
+              </a:rPr>
+              <a:t>https://</a:t>
+            </a:r>
+            <a:r>
+              <a:rPr lang="pt-BR" dirty="0" smtClean="0">
+                <a:hlinkClick r:id="rId4"/>
+              </a:rPr>
+              <a:t>www.youtube.com/watch?v=pC40T81VGuU</a:t>
+            </a:r>
+            <a:endParaRPr lang="pt-BR" dirty="0" smtClean="0"/>
+          </a:p>
+          <a:p>
+            <a:endParaRPr lang="pt-BR" dirty="0"/>
+          </a:p>
+          <a:p>
+            <a:endParaRPr lang="pt-BR" dirty="0"/>
+          </a:p>
+        </p:txBody>
+      </p:sp>
     </p:spTree>
     <p:extLst>
       <p:ext uri="{BB962C8B-B14F-4D97-AF65-F5344CB8AC3E}">
-        <p14:creationId xmlns:p14="http://schemas.microsoft.com/office/powerpoint/2010/main" val="2509984514"/>
+        <p14:creationId xmlns:p14="http://schemas.microsoft.com/office/powerpoint/2010/main" val="1584388572"/>
       </p:ext>
     </p:extLst>
   </p:cSld>
@@ -7543,34 +7533,21 @@
             <a:endParaRPr lang="pt-BR" sz="2400" dirty="0"/>
           </a:p>
           <a:p>
-            <a:r>
-              <a:rPr lang="pt-BR" sz="1800" dirty="0" smtClean="0"/>
-              <a:t>Vídeo da Simulação:</a:t>
-            </a:r>
-            <a:endParaRPr lang="pt-BR" sz="1800" dirty="0">
-              <a:hlinkClick r:id="rId2"/>
-            </a:endParaRPr>
-          </a:p>
-          <a:p>
-            <a:endParaRPr lang="pt-BR" sz="1800" dirty="0"/>
-          </a:p>
-          <a:p>
-            <a:pPr marL="82296" indent="0" algn="ctr">
-              <a:buNone/>
-            </a:pPr>
-            <a:r>
-              <a:rPr lang="pt-BR" sz="1800" dirty="0" smtClean="0">
-                <a:hlinkClick r:id="rId3"/>
-              </a:rPr>
-              <a:t>https</a:t>
-            </a:r>
-            <a:r>
-              <a:rPr lang="pt-BR" sz="1800" dirty="0">
-                <a:hlinkClick r:id="rId3"/>
-              </a:rPr>
-              <a:t>://youtu.be/fxNKcaWd3IQ</a:t>
-            </a:r>
-            <a:endParaRPr lang="pt-BR" sz="1800" dirty="0"/>
+            <a:pPr marL="82296" indent="0">
+              <a:buNone/>
+            </a:pPr>
+            <a:r>
+              <a:rPr lang="pt-BR" sz="2400" dirty="0" smtClean="0"/>
+              <a:t>	</a:t>
+            </a:r>
+          </a:p>
+          <a:p>
+            <a:pPr lvl="1"/>
+            <a:endParaRPr lang="pt-BR" sz="2000" dirty="0" smtClean="0"/>
+          </a:p>
+          <a:p>
+            <a:pPr lvl="1"/>
+            <a:endParaRPr lang="pt-BR" sz="2000" dirty="0" smtClean="0"/>
           </a:p>
           <a:p>
             <a:endParaRPr lang="pt-BR" dirty="0" smtClean="0"/>
@@ -7651,7 +7628,7 @@
           <p:nvPr/>
         </p:nvPicPr>
         <p:blipFill>
-          <a:blip r:embed="rId4">
+          <a:blip r:embed="rId2">
             <a:extLst>
               <a:ext uri="{28A0092B-C50C-407E-A947-70E740481C1C}">
                 <a14:useLocalDpi xmlns:a14="http://schemas.microsoft.com/office/drawing/2010/main" val="0"/>
@@ -7696,10 +7673,64 @@
           </a:extLst>
         </p:spPr>
       </p:pic>
+      <p:pic>
+        <p:nvPicPr>
+          <p:cNvPr id="6146" name="Picture 2"/>
+          <p:cNvPicPr>
+            <a:picLocks noChangeAspect="1" noChangeArrowheads="1"/>
+          </p:cNvPicPr>
+          <p:nvPr/>
+        </p:nvPicPr>
+        <p:blipFill>
+          <a:blip r:embed="rId3">
+            <a:extLst>
+              <a:ext uri="{28A0092B-C50C-407E-A947-70E740481C1C}">
+                <a14:useLocalDpi xmlns:a14="http://schemas.microsoft.com/office/drawing/2010/main" val="0"/>
+              </a:ext>
+            </a:extLst>
+          </a:blip>
+          <a:srcRect/>
+          <a:stretch>
+            <a:fillRect/>
+          </a:stretch>
+        </p:blipFill>
+        <p:spPr bwMode="auto">
+          <a:xfrm>
+            <a:off x="1814513" y="1304924"/>
+            <a:ext cx="6309775" cy="4860379"/>
+          </a:xfrm>
+          <a:prstGeom prst="rect">
+            <a:avLst/>
+          </a:prstGeom>
+          <a:noFill/>
+          <a:ln>
+            <a:noFill/>
+          </a:ln>
+          <a:extLst>
+            <a:ext uri="{909E8E84-426E-40DD-AFC4-6F175D3DCCD1}">
+              <a14:hiddenFill xmlns:a14="http://schemas.microsoft.com/office/drawing/2010/main">
+                <a:solidFill>
+                  <a:schemeClr val="accent1"/>
+                </a:solidFill>
+              </a14:hiddenFill>
+            </a:ext>
+            <a:ext uri="{91240B29-F687-4F45-9708-019B960494DF}">
+              <a14:hiddenLine xmlns:a14="http://schemas.microsoft.com/office/drawing/2010/main" w="9525">
+                <a:solidFill>
+                  <a:schemeClr val="tx1"/>
+                </a:solidFill>
+                <a:miter lim="800000"/>
+                <a:headEnd/>
+                <a:tailEnd/>
+              </a14:hiddenLine>
+            </a:ext>
+          </a:extLst>
+        </p:spPr>
+      </p:pic>
     </p:spTree>
     <p:extLst>
       <p:ext uri="{BB962C8B-B14F-4D97-AF65-F5344CB8AC3E}">
-        <p14:creationId xmlns:p14="http://schemas.microsoft.com/office/powerpoint/2010/main" val="3104782438"/>
+        <p14:creationId xmlns:p14="http://schemas.microsoft.com/office/powerpoint/2010/main" val="947601050"/>
       </p:ext>
     </p:extLst>
   </p:cSld>
@@ -7750,8 +7781,12 @@
           <a:p>
             <a:pPr algn="ctr"/>
             <a:r>
+              <a:rPr lang="pt-BR" dirty="0"/>
+              <a:t>2.1. </a:t>
+            </a:r>
+            <a:r>
               <a:rPr lang="pt-BR" dirty="0" smtClean="0"/>
-              <a:t>Comunicação</a:t>
+              <a:t>Simulação</a:t>
             </a:r>
             <a:endParaRPr lang="pt-BR" dirty="0"/>
           </a:p>
@@ -7937,7 +7972,7 @@
       </p:pic>
       <p:pic>
         <p:nvPicPr>
-          <p:cNvPr id="7170" name="Picture 2"/>
+          <p:cNvPr id="9219" name="Picture 3"/>
           <p:cNvPicPr>
             <a:picLocks noChangeAspect="1" noChangeArrowheads="1"/>
           </p:cNvPicPr>
@@ -7958,8 +7993,8 @@
         </p:blipFill>
         <p:spPr bwMode="auto">
           <a:xfrm>
-            <a:off x="1475656" y="1638466"/>
-            <a:ext cx="6885525" cy="3780060"/>
+            <a:off x="1475656" y="1271720"/>
+            <a:ext cx="6840760" cy="5289149"/>
           </a:xfrm>
           <a:prstGeom prst="rect">
             <a:avLst/>
@@ -7992,7 +8027,7 @@
     </p:spTree>
     <p:extLst>
       <p:ext uri="{BB962C8B-B14F-4D97-AF65-F5344CB8AC3E}">
-        <p14:creationId xmlns:p14="http://schemas.microsoft.com/office/powerpoint/2010/main" val="3635739836"/>
+        <p14:creationId xmlns:p14="http://schemas.microsoft.com/office/powerpoint/2010/main" val="2509984514"/>
       </p:ext>
     </p:extLst>
   </p:cSld>
@@ -8044,7 +8079,7 @@
             <a:pPr algn="ctr"/>
             <a:r>
               <a:rPr lang="pt-BR" dirty="0" smtClean="0"/>
-              <a:t>Apresentação</a:t>
+              <a:t>Membros da Banca</a:t>
             </a:r>
             <a:endParaRPr lang="pt-BR" dirty="0"/>
           </a:p>
@@ -8062,186 +8097,256 @@
         </p:nvSpPr>
         <p:spPr>
           <a:xfrm>
-            <a:off x="1435608" y="1447800"/>
-            <a:ext cx="7498080" cy="5221560"/>
+            <a:off x="498344" y="1268760"/>
+            <a:ext cx="8682168" cy="5589240"/>
           </a:xfrm>
         </p:spPr>
         <p:txBody>
           <a:bodyPr/>
           <a:lstStyle/>
           <a:p>
-            <a:pPr marL="539496" indent="-457200">
-              <a:buFont typeface="+mj-lt"/>
-              <a:buAutoNum type="arabicPeriod"/>
-            </a:pPr>
-            <a:r>
-              <a:rPr lang="pt-BR" sz="2400" dirty="0" smtClean="0"/>
-              <a:t>Introdução</a:t>
-            </a:r>
-          </a:p>
-          <a:p>
-            <a:pPr marL="402336" lvl="1" indent="0">
+            <a:pPr marL="658368" lvl="2" indent="0">
+              <a:buNone/>
+            </a:pPr>
+            <a:endParaRPr lang="pt-BR" sz="2000" b="1" dirty="0"/>
+          </a:p>
+          <a:p>
+            <a:pPr marL="658368" lvl="2" indent="0">
+              <a:buNone/>
+            </a:pPr>
+            <a:r>
+              <a:rPr lang="pt-BR" sz="2000" b="1" dirty="0" smtClean="0"/>
+              <a:t>Orientadores</a:t>
+            </a:r>
+          </a:p>
+          <a:p>
+            <a:pPr marL="658368" lvl="2" indent="0">
               <a:buNone/>
             </a:pPr>
             <a:r>
               <a:rPr lang="pt-BR" sz="2000" dirty="0" smtClean="0"/>
-              <a:t>1.1. Visão Geral</a:t>
-            </a:r>
-          </a:p>
-          <a:p>
-            <a:pPr marL="402336" lvl="1" indent="0">
-              <a:buNone/>
-            </a:pPr>
+              <a:t>	Prof</a:t>
+            </a:r>
+            <a:r>
+              <a:rPr lang="pt-BR" sz="2000" dirty="0"/>
+              <a:t>. Dr. Tales Cleber </a:t>
+            </a:r>
             <a:r>
               <a:rPr lang="pt-BR" sz="2000" dirty="0" smtClean="0"/>
-              <a:t>1.2. Descrição do Problema</a:t>
-            </a:r>
-          </a:p>
-          <a:p>
-            <a:pPr marL="402336" lvl="1" indent="0">
-              <a:buNone/>
-            </a:pPr>
+              <a:t>Pimenta</a:t>
+            </a:r>
+            <a:r>
+              <a:rPr lang="pt-BR" sz="2000" dirty="0"/>
+              <a:t> </a:t>
+            </a:r>
             <a:r>
               <a:rPr lang="pt-BR" sz="2000" dirty="0" smtClean="0"/>
-              <a:t>1.3. Hipótese</a:t>
-            </a:r>
-          </a:p>
-          <a:p>
-            <a:pPr marL="402336" lvl="1" indent="0">
+              <a:t>(IESTI)</a:t>
+            </a:r>
+          </a:p>
+          <a:p>
+            <a:pPr marL="658368" lvl="2" indent="0">
               <a:buNone/>
             </a:pPr>
             <a:r>
               <a:rPr lang="pt-BR" sz="2000" dirty="0" smtClean="0"/>
-              <a:t>1.4. Questões de Pesquisa</a:t>
-            </a:r>
-          </a:p>
-          <a:p>
-            <a:pPr marL="402336" lvl="1" indent="0">
-              <a:buNone/>
-            </a:pPr>
+              <a:t>	Prof</a:t>
+            </a:r>
+            <a:r>
+              <a:rPr lang="pt-BR" sz="2000" dirty="0"/>
+              <a:t>. Dr. Alexandre Carlos Brandão </a:t>
+            </a:r>
             <a:r>
               <a:rPr lang="pt-BR" sz="2000" dirty="0" smtClean="0"/>
-              <a:t>1.5 Trabalhos Relacionados</a:t>
-            </a:r>
-          </a:p>
-          <a:p>
-            <a:pPr marL="402336" lvl="1" indent="0">
+              <a:t>Ramos </a:t>
+            </a:r>
+            <a:r>
+              <a:rPr lang="pt-BR" sz="2000" dirty="0"/>
+              <a:t>(IMC)</a:t>
+            </a:r>
+            <a:endParaRPr lang="pt-BR" sz="2000" dirty="0" smtClean="0"/>
+          </a:p>
+          <a:p>
+            <a:pPr marL="658368" lvl="2" indent="0">
+              <a:buNone/>
+            </a:pPr>
+            <a:endParaRPr lang="pt-BR" sz="2000" dirty="0" smtClean="0"/>
+          </a:p>
+          <a:p>
+            <a:pPr marL="658368" lvl="2" indent="0">
+              <a:buNone/>
+            </a:pPr>
+            <a:r>
+              <a:rPr lang="pt-BR" sz="2000" b="1" dirty="0" smtClean="0"/>
+              <a:t>Membros Externos</a:t>
+            </a:r>
+          </a:p>
+          <a:p>
+            <a:pPr marL="658368" lvl="2" indent="0">
               <a:buNone/>
             </a:pPr>
             <a:r>
               <a:rPr lang="pt-BR" sz="2000" dirty="0" smtClean="0"/>
-              <a:t>1.6. Objetivo da Tese e Contribuição</a:t>
-            </a:r>
-          </a:p>
-          <a:p>
-            <a:pPr marL="539496" indent="-457200">
-              <a:buFont typeface="+mj-lt"/>
-              <a:buAutoNum type="arabicPeriod"/>
-            </a:pPr>
-            <a:r>
-              <a:rPr lang="pt-BR" sz="2400" dirty="0" smtClean="0"/>
-              <a:t>Proposta: </a:t>
+              <a:t>	Prof</a:t>
+            </a:r>
+            <a:r>
+              <a:rPr lang="pt-BR" sz="2000" dirty="0"/>
+              <a:t>. Dr. </a:t>
+            </a:r>
+            <a:r>
+              <a:rPr lang="pt-BR" sz="2000" dirty="0" err="1"/>
+              <a:t>Elcio</a:t>
+            </a:r>
+            <a:r>
+              <a:rPr lang="pt-BR" sz="2000" dirty="0"/>
+              <a:t> </a:t>
+            </a:r>
+            <a:r>
+              <a:rPr lang="pt-BR" sz="2000" dirty="0" err="1"/>
+              <a:t>Hideiti</a:t>
+            </a:r>
+            <a:r>
+              <a:rPr lang="pt-BR" sz="2000" dirty="0"/>
+              <a:t> </a:t>
+            </a:r>
+            <a:r>
+              <a:rPr lang="pt-BR" sz="2000" dirty="0" err="1" smtClean="0"/>
+              <a:t>Shiguemori</a:t>
             </a:r>
             <a:r>
               <a:rPr lang="pt-BR" sz="2000" dirty="0" smtClean="0"/>
-              <a:t>Ajuste de trajetórias de um exame de </a:t>
-            </a:r>
-            <a:r>
-              <a:rPr lang="pt-BR" sz="2000" dirty="0" err="1" smtClean="0"/>
-              <a:t>drones</a:t>
-            </a:r>
+              <a:t> – INPE</a:t>
+            </a:r>
+          </a:p>
+          <a:p>
+            <a:pPr marL="658368" lvl="2" indent="0">
+              <a:buNone/>
+            </a:pPr>
             <a:r>
               <a:rPr lang="pt-BR" sz="2000" dirty="0" smtClean="0"/>
-              <a:t> em operações cooperativas</a:t>
-            </a:r>
-            <a:endParaRPr lang="pt-BR" sz="2400" dirty="0" smtClean="0"/>
-          </a:p>
-          <a:p>
-            <a:pPr marL="402336" lvl="1" indent="0">
-              <a:buNone/>
-            </a:pPr>
+              <a:t>	Prof</a:t>
+            </a:r>
+            <a:r>
+              <a:rPr lang="pt-BR" sz="2000" dirty="0"/>
+              <a:t>. Dr. Hildebrando Ferreira de Castro </a:t>
+            </a:r>
             <a:r>
               <a:rPr lang="pt-BR" sz="2000" dirty="0" smtClean="0"/>
-              <a:t>2.1. Arquitetura</a:t>
-            </a:r>
-          </a:p>
-          <a:p>
-            <a:pPr marL="402336" lvl="1" indent="0">
-              <a:buNone/>
-            </a:pPr>
+              <a:t>Filho -</a:t>
+            </a:r>
+          </a:p>
+          <a:p>
+            <a:pPr marL="658368" lvl="2" indent="0">
+              <a:buNone/>
+            </a:pPr>
+            <a:r>
+              <a:rPr lang="pt-BR" sz="1000" dirty="0"/>
+              <a:t> </a:t>
+            </a:r>
             <a:r>
               <a:rPr lang="pt-BR" sz="2000" dirty="0" smtClean="0"/>
-              <a:t>2.2. Módulos: Propostos e Implementados</a:t>
-            </a:r>
-          </a:p>
-          <a:p>
-            <a:pPr marL="539496" indent="-457200">
-              <a:buFont typeface="+mj-lt"/>
-              <a:buAutoNum type="arabicPeriod"/>
-            </a:pPr>
-            <a:r>
-              <a:rPr lang="pt-BR" sz="2400" dirty="0" smtClean="0"/>
-              <a:t>Ações Realizadas e Futuras</a:t>
-            </a:r>
-          </a:p>
-          <a:p>
-            <a:pPr marL="539496" indent="-457200">
-              <a:buFont typeface="+mj-lt"/>
-              <a:buAutoNum type="arabicPeriod"/>
-            </a:pPr>
-            <a:r>
-              <a:rPr lang="pt-BR" sz="2400" dirty="0" smtClean="0"/>
-              <a:t>Considerações Finais</a:t>
-            </a:r>
-            <a:endParaRPr lang="pt-BR" sz="2400" dirty="0"/>
-          </a:p>
-          <a:p>
-            <a:pPr lvl="1"/>
+              <a:t>           Centro Universitário Santa Cecília -  UNICEA</a:t>
+            </a:r>
+          </a:p>
+          <a:p>
+            <a:pPr marL="658368" lvl="2" indent="0">
+              <a:buNone/>
+            </a:pPr>
+            <a:endParaRPr lang="pt-BR" sz="2000" b="1" dirty="0" smtClean="0"/>
+          </a:p>
+          <a:p>
+            <a:pPr marL="658368" lvl="2" indent="0">
+              <a:buNone/>
+            </a:pPr>
+            <a:r>
+              <a:rPr lang="pt-BR" sz="2000" b="1" dirty="0" smtClean="0"/>
+              <a:t>Membros Internos</a:t>
+            </a:r>
             <a:endParaRPr lang="pt-BR" sz="2000" dirty="0" smtClean="0"/>
           </a:p>
           <a:p>
-            <a:pPr lvl="1"/>
-            <a:endParaRPr lang="pt-BR" sz="2000" dirty="0" smtClean="0"/>
-          </a:p>
-          <a:p>
-            <a:endParaRPr lang="pt-BR" dirty="0" smtClean="0"/>
-          </a:p>
-        </p:txBody>
-      </p:sp>
-      <p:sp>
-        <p:nvSpPr>
-          <p:cNvPr id="4" name="CaixaDeTexto 3"/>
-          <p:cNvSpPr txBox="1"/>
-          <p:nvPr/>
-        </p:nvSpPr>
-        <p:spPr>
-          <a:xfrm rot="16200000">
-            <a:off x="-2077806" y="3931354"/>
-            <a:ext cx="5206954" cy="646331"/>
-          </a:xfrm>
-          <a:prstGeom prst="rect">
-            <a:avLst/>
-          </a:prstGeom>
-          <a:noFill/>
-          <a:scene3d>
-            <a:camera prst="orthographicFront">
-              <a:rot lat="0" lon="0" rev="0"/>
-            </a:camera>
-            <a:lightRig rig="threePt" dir="t"/>
-          </a:scene3d>
-        </p:spPr>
-        <p:txBody>
-          <a:bodyPr wrap="square" rtlCol="0">
-            <a:spAutoFit/>
-          </a:bodyPr>
-          <a:lstStyle/>
-          <a:p>
-            <a:pPr algn="ctr"/>
-            <a:r>
-              <a:rPr lang="pt-BR" sz="3600" b="1" dirty="0" smtClean="0"/>
-              <a:t>Exame de Qualificação</a:t>
-            </a:r>
-            <a:endParaRPr lang="pt-BR" sz="3600" b="1" dirty="0"/>
+            <a:pPr marL="658368" lvl="2" indent="0">
+              <a:buNone/>
+            </a:pPr>
+            <a:r>
+              <a:rPr lang="pt-BR" sz="2000" dirty="0" smtClean="0"/>
+              <a:t>	Prof</a:t>
+            </a:r>
+            <a:r>
+              <a:rPr lang="pt-BR" sz="2000" dirty="0"/>
+              <a:t>. </a:t>
+            </a:r>
+            <a:r>
+              <a:rPr lang="pt-BR" sz="2000" dirty="0" smtClean="0"/>
+              <a:t>Dr. Gabriel </a:t>
+            </a:r>
+            <a:r>
+              <a:rPr lang="pt-BR" sz="2000" dirty="0" err="1"/>
+              <a:t>Antonio</a:t>
+            </a:r>
+            <a:r>
+              <a:rPr lang="pt-BR" sz="2000" dirty="0"/>
+              <a:t> </a:t>
+            </a:r>
+            <a:r>
+              <a:rPr lang="pt-BR" sz="2000" dirty="0" err="1"/>
+              <a:t>Fanelli</a:t>
+            </a:r>
+            <a:r>
+              <a:rPr lang="pt-BR" sz="2000" dirty="0"/>
+              <a:t> de </a:t>
+            </a:r>
+            <a:r>
+              <a:rPr lang="pt-BR" sz="2000" dirty="0" smtClean="0"/>
+              <a:t>Souza (</a:t>
+            </a:r>
+            <a:r>
+              <a:rPr lang="pt-BR" sz="2000" dirty="0"/>
+              <a:t>coordenador </a:t>
+            </a:r>
+            <a:r>
+              <a:rPr lang="pt-BR" sz="2000" dirty="0" smtClean="0"/>
+              <a:t>PPG-EEL)</a:t>
+            </a:r>
+          </a:p>
+          <a:p>
+            <a:pPr marL="658368" lvl="2" indent="0">
+              <a:buNone/>
+            </a:pPr>
+            <a:r>
+              <a:rPr lang="pt-BR" sz="2000" dirty="0" smtClean="0"/>
+              <a:t>	Prof</a:t>
+            </a:r>
+            <a:r>
+              <a:rPr lang="pt-BR" sz="2000" dirty="0"/>
+              <a:t>. Dr. Luiz </a:t>
+            </a:r>
+            <a:r>
+              <a:rPr lang="pt-BR" sz="2000" dirty="0" err="1"/>
+              <a:t>Olmes</a:t>
+            </a:r>
+            <a:r>
+              <a:rPr lang="pt-BR" sz="2000" dirty="0"/>
+              <a:t> </a:t>
+            </a:r>
+            <a:r>
+              <a:rPr lang="pt-BR" sz="2000" dirty="0" smtClean="0"/>
+              <a:t>Carvalho (IMC)</a:t>
+            </a:r>
+          </a:p>
+          <a:p>
+            <a:pPr marL="658368" lvl="2" indent="0">
+              <a:buNone/>
+            </a:pPr>
+            <a:r>
+              <a:rPr lang="pt-BR" sz="2000" dirty="0" smtClean="0"/>
+              <a:t>	Prof</a:t>
+            </a:r>
+            <a:r>
+              <a:rPr lang="pt-BR" sz="2000" dirty="0"/>
+              <a:t>. Dr. Robson Luiz Moreno (IESTI)</a:t>
+            </a:r>
+            <a:endParaRPr lang="pt-BR" dirty="0"/>
           </a:p>
         </p:txBody>
       </p:sp>
@@ -8325,7 +8430,7 @@
     </p:spTree>
     <p:extLst>
       <p:ext uri="{BB962C8B-B14F-4D97-AF65-F5344CB8AC3E}">
-        <p14:creationId xmlns:p14="http://schemas.microsoft.com/office/powerpoint/2010/main" val="909559785"/>
+        <p14:creationId xmlns:p14="http://schemas.microsoft.com/office/powerpoint/2010/main" val="3574102128"/>
       </p:ext>
     </p:extLst>
   </p:cSld>
@@ -8371,15 +8476,17 @@
         </p:nvSpPr>
         <p:spPr/>
         <p:txBody>
-          <a:bodyPr>
-            <a:normAutofit/>
-          </a:bodyPr>
+          <a:bodyPr/>
           <a:lstStyle/>
           <a:p>
             <a:pPr algn="ctr"/>
             <a:r>
+              <a:rPr lang="pt-BR" dirty="0"/>
+              <a:t>2.1. </a:t>
+            </a:r>
+            <a:r>
               <a:rPr lang="pt-BR" dirty="0" smtClean="0"/>
-              <a:t>Estação de Solo</a:t>
+              <a:t>Simulação</a:t>
             </a:r>
             <a:endParaRPr lang="pt-BR" dirty="0"/>
           </a:p>
@@ -8423,21 +8530,34 @@
             <a:endParaRPr lang="pt-BR" sz="2400" dirty="0"/>
           </a:p>
           <a:p>
-            <a:pPr marL="82296" indent="0">
-              <a:buNone/>
-            </a:pPr>
-            <a:r>
-              <a:rPr lang="pt-BR" sz="2400" dirty="0" smtClean="0"/>
-              <a:t>	</a:t>
-            </a:r>
-          </a:p>
-          <a:p>
-            <a:pPr lvl="1"/>
-            <a:endParaRPr lang="pt-BR" sz="2000" dirty="0" smtClean="0"/>
-          </a:p>
-          <a:p>
-            <a:pPr lvl="1"/>
-            <a:endParaRPr lang="pt-BR" sz="2000" dirty="0" smtClean="0"/>
+            <a:r>
+              <a:rPr lang="pt-BR" sz="1800" dirty="0" smtClean="0"/>
+              <a:t>Vídeo da Simulação:</a:t>
+            </a:r>
+            <a:endParaRPr lang="pt-BR" sz="1800" dirty="0">
+              <a:hlinkClick r:id="rId2"/>
+            </a:endParaRPr>
+          </a:p>
+          <a:p>
+            <a:endParaRPr lang="pt-BR" sz="1800" dirty="0"/>
+          </a:p>
+          <a:p>
+            <a:pPr marL="82296" indent="0" algn="ctr">
+              <a:buNone/>
+            </a:pPr>
+            <a:r>
+              <a:rPr lang="pt-BR" sz="1800" dirty="0" smtClean="0">
+                <a:hlinkClick r:id="rId3"/>
+              </a:rPr>
+              <a:t>https</a:t>
+            </a:r>
+            <a:r>
+              <a:rPr lang="pt-BR" sz="1800" dirty="0">
+                <a:hlinkClick r:id="rId3"/>
+              </a:rPr>
+              <a:t>://youtu.be/fxNKcaWd3IQ</a:t>
+            </a:r>
+            <a:endParaRPr lang="pt-BR" sz="1800" dirty="0"/>
           </a:p>
           <a:p>
             <a:endParaRPr lang="pt-BR" dirty="0" smtClean="0"/>
@@ -8518,7 +8638,7 @@
           <p:nvPr/>
         </p:nvPicPr>
         <p:blipFill>
-          <a:blip r:embed="rId2">
+          <a:blip r:embed="rId4">
             <a:extLst>
               <a:ext uri="{28A0092B-C50C-407E-A947-70E740481C1C}">
                 <a14:useLocalDpi xmlns:a14="http://schemas.microsoft.com/office/drawing/2010/main" val="0"/>
@@ -8563,64 +8683,10 @@
           </a:extLst>
         </p:spPr>
       </p:pic>
-      <p:pic>
-        <p:nvPicPr>
-          <p:cNvPr id="5122" name="Picture 2"/>
-          <p:cNvPicPr>
-            <a:picLocks noChangeAspect="1" noChangeArrowheads="1"/>
-          </p:cNvPicPr>
-          <p:nvPr/>
-        </p:nvPicPr>
-        <p:blipFill>
-          <a:blip r:embed="rId3">
-            <a:extLst>
-              <a:ext uri="{28A0092B-C50C-407E-A947-70E740481C1C}">
-                <a14:useLocalDpi xmlns:a14="http://schemas.microsoft.com/office/drawing/2010/main" val="0"/>
-              </a:ext>
-            </a:extLst>
-          </a:blip>
-          <a:srcRect/>
-          <a:stretch>
-            <a:fillRect/>
-          </a:stretch>
-        </p:blipFill>
-        <p:spPr bwMode="auto">
-          <a:xfrm>
-            <a:off x="1907704" y="1651041"/>
-            <a:ext cx="6343670" cy="3981797"/>
-          </a:xfrm>
-          <a:prstGeom prst="rect">
-            <a:avLst/>
-          </a:prstGeom>
-          <a:noFill/>
-          <a:ln>
-            <a:noFill/>
-          </a:ln>
-          <a:extLst>
-            <a:ext uri="{909E8E84-426E-40DD-AFC4-6F175D3DCCD1}">
-              <a14:hiddenFill xmlns:a14="http://schemas.microsoft.com/office/drawing/2010/main">
-                <a:solidFill>
-                  <a:schemeClr val="accent1"/>
-                </a:solidFill>
-              </a14:hiddenFill>
-            </a:ext>
-            <a:ext uri="{91240B29-F687-4F45-9708-019B960494DF}">
-              <a14:hiddenLine xmlns:a14="http://schemas.microsoft.com/office/drawing/2010/main" w="9525">
-                <a:solidFill>
-                  <a:schemeClr val="tx1"/>
-                </a:solidFill>
-                <a:miter lim="800000"/>
-                <a:headEnd/>
-                <a:tailEnd/>
-              </a14:hiddenLine>
-            </a:ext>
-          </a:extLst>
-        </p:spPr>
-      </p:pic>
     </p:spTree>
     <p:extLst>
       <p:ext uri="{BB962C8B-B14F-4D97-AF65-F5344CB8AC3E}">
-        <p14:creationId xmlns:p14="http://schemas.microsoft.com/office/powerpoint/2010/main" val="1387130210"/>
+        <p14:creationId xmlns:p14="http://schemas.microsoft.com/office/powerpoint/2010/main" val="3104782438"/>
       </p:ext>
     </p:extLst>
   </p:cSld>
@@ -8666,15 +8732,13 @@
         </p:nvSpPr>
         <p:spPr/>
         <p:txBody>
-          <a:bodyPr>
-            <a:normAutofit fontScale="90000"/>
-          </a:bodyPr>
+          <a:bodyPr/>
           <a:lstStyle/>
           <a:p>
             <a:pPr algn="ctr"/>
             <a:r>
               <a:rPr lang="pt-BR" dirty="0" smtClean="0"/>
-              <a:t>2.2-Módulos Propostos e Implementados</a:t>
+              <a:t>Comunicação</a:t>
             </a:r>
             <a:endParaRPr lang="pt-BR" dirty="0"/>
           </a:p>
@@ -8700,240 +8764,27 @@
           <a:bodyPr/>
           <a:lstStyle/>
           <a:p>
+            <a:pPr marL="82296" indent="0" algn="ctr">
+              <a:buNone/>
+            </a:pPr>
+            <a:endParaRPr lang="pt-BR" sz="2400" dirty="0"/>
+          </a:p>
+          <a:p>
+            <a:pPr marL="82296" indent="0" algn="ctr">
+              <a:buNone/>
+            </a:pPr>
+            <a:endParaRPr lang="pt-BR" sz="2400" dirty="0" smtClean="0"/>
+          </a:p>
+          <a:p>
             <a:pPr marL="82296" indent="0">
               <a:buNone/>
             </a:pPr>
-            <a:endParaRPr lang="pt-BR" sz="1600" b="1" dirty="0"/>
-          </a:p>
-          <a:p>
-            <a:pPr marL="329184" lvl="2" indent="0">
-              <a:spcBef>
-                <a:spcPts val="600"/>
-              </a:spcBef>
-              <a:buSzPct val="80000"/>
-              <a:buNone/>
-            </a:pPr>
-            <a:endParaRPr lang="pt-BR" sz="1600" b="1" dirty="0" smtClean="0"/>
-          </a:p>
-          <a:p>
-            <a:pPr marL="329184" lvl="2" indent="0">
-              <a:spcBef>
-                <a:spcPts val="600"/>
-              </a:spcBef>
-              <a:buSzPct val="80000"/>
-              <a:buNone/>
-            </a:pPr>
-            <a:r>
-              <a:rPr lang="pt-BR" sz="1600" dirty="0" smtClean="0"/>
-              <a:t>	</a:t>
-            </a:r>
-            <a:r>
-              <a:rPr lang="pt-BR" sz="1600" b="1" dirty="0" smtClean="0">
-                <a:solidFill>
-                  <a:srgbClr val="FF0000"/>
-                </a:solidFill>
-              </a:rPr>
-              <a:t>Ambiente </a:t>
-            </a:r>
-            <a:r>
-              <a:rPr lang="pt-BR" sz="1600" b="1" dirty="0">
-                <a:solidFill>
-                  <a:srgbClr val="FF0000"/>
-                </a:solidFill>
-              </a:rPr>
-              <a:t>simulado – AIRSIM x </a:t>
-            </a:r>
-            <a:r>
-              <a:rPr lang="pt-BR" sz="1600" b="1" dirty="0" err="1">
-                <a:solidFill>
-                  <a:srgbClr val="FF0000"/>
-                </a:solidFill>
-              </a:rPr>
-              <a:t>Unreal</a:t>
-            </a:r>
-            <a:endParaRPr lang="pt-BR" sz="1600" b="1" dirty="0">
-              <a:solidFill>
-                <a:srgbClr val="FF0000"/>
-              </a:solidFill>
-            </a:endParaRPr>
-          </a:p>
-          <a:p>
-            <a:pPr marL="329184" lvl="2" indent="0">
-              <a:spcBef>
-                <a:spcPts val="600"/>
-              </a:spcBef>
-              <a:buSzPct val="80000"/>
-              <a:buNone/>
-            </a:pPr>
-            <a:endParaRPr lang="pt-BR" sz="1600" dirty="0"/>
-          </a:p>
-          <a:p>
-            <a:pPr marL="329184" lvl="2" indent="0">
-              <a:spcBef>
-                <a:spcPts val="600"/>
-              </a:spcBef>
-              <a:buSzPct val="80000"/>
-              <a:buNone/>
-            </a:pPr>
-            <a:r>
-              <a:rPr lang="pt-BR" sz="1600" dirty="0"/>
-              <a:t>	</a:t>
-            </a:r>
-            <a:r>
-              <a:rPr lang="pt-BR" sz="1600" b="1" dirty="0">
-                <a:solidFill>
-                  <a:srgbClr val="00B0F0"/>
-                </a:solidFill>
-              </a:rPr>
-              <a:t>Visão Computacional</a:t>
-            </a:r>
-          </a:p>
-          <a:p>
-            <a:pPr marL="329184" lvl="2" indent="0">
-              <a:spcBef>
-                <a:spcPts val="600"/>
-              </a:spcBef>
-              <a:buSzPct val="80000"/>
-              <a:buNone/>
-            </a:pPr>
-            <a:endParaRPr lang="pt-BR" sz="1600" dirty="0"/>
-          </a:p>
-          <a:p>
-            <a:pPr marL="329184" lvl="2" indent="0">
-              <a:spcBef>
-                <a:spcPts val="600"/>
-              </a:spcBef>
-              <a:buSzPct val="80000"/>
-              <a:buNone/>
-            </a:pPr>
-            <a:r>
-              <a:rPr lang="pt-BR" sz="1600" dirty="0"/>
-              <a:t>	</a:t>
-            </a:r>
-            <a:r>
-              <a:rPr lang="pt-BR" sz="1600" b="1" dirty="0">
-                <a:solidFill>
-                  <a:srgbClr val="00B0F0"/>
-                </a:solidFill>
-              </a:rPr>
-              <a:t>Rede Neural Artificial – Aprendizado de máquina </a:t>
-            </a:r>
-            <a:r>
-              <a:rPr lang="pt-BR" sz="1600" b="1" dirty="0" smtClean="0">
-                <a:solidFill>
-                  <a:srgbClr val="00B0F0"/>
-                </a:solidFill>
-              </a:rPr>
-              <a:t>– </a:t>
-            </a:r>
-          </a:p>
-          <a:p>
-            <a:pPr marL="329184" lvl="2" indent="0">
-              <a:spcBef>
-                <a:spcPts val="600"/>
-              </a:spcBef>
-              <a:buSzPct val="80000"/>
-              <a:buNone/>
-            </a:pPr>
-            <a:r>
-              <a:rPr lang="pt-BR" sz="1600" b="1" dirty="0">
-                <a:solidFill>
-                  <a:srgbClr val="00B0F0"/>
-                </a:solidFill>
-              </a:rPr>
-              <a:t>	</a:t>
-            </a:r>
-            <a:r>
-              <a:rPr lang="pt-BR" sz="1600" b="1" dirty="0" smtClean="0">
-                <a:solidFill>
-                  <a:srgbClr val="00B0F0"/>
-                </a:solidFill>
-              </a:rPr>
-              <a:t>		</a:t>
-            </a:r>
-            <a:r>
-              <a:rPr lang="pt-BR" sz="1600" b="1" dirty="0" err="1" smtClean="0">
-                <a:solidFill>
-                  <a:srgbClr val="00B0F0"/>
-                </a:solidFill>
-              </a:rPr>
-              <a:t>Roboflow</a:t>
-            </a:r>
-            <a:r>
-              <a:rPr lang="pt-BR" sz="1600" b="1" dirty="0" smtClean="0">
-                <a:solidFill>
-                  <a:srgbClr val="00B0F0"/>
-                </a:solidFill>
-              </a:rPr>
-              <a:t> / Google </a:t>
-            </a:r>
-            <a:r>
-              <a:rPr lang="pt-BR" sz="1600" b="1" dirty="0" err="1" smtClean="0">
-                <a:solidFill>
-                  <a:srgbClr val="00B0F0"/>
-                </a:solidFill>
-              </a:rPr>
-              <a:t>Colab</a:t>
-            </a:r>
-            <a:endParaRPr lang="pt-BR" sz="1600" b="1" dirty="0">
-              <a:solidFill>
-                <a:srgbClr val="00B0F0"/>
-              </a:solidFill>
-            </a:endParaRPr>
-          </a:p>
-          <a:p>
-            <a:pPr marL="329184" lvl="2" indent="0">
-              <a:spcBef>
-                <a:spcPts val="600"/>
-              </a:spcBef>
-              <a:buSzPct val="80000"/>
-              <a:buNone/>
-            </a:pPr>
-            <a:endParaRPr lang="pt-BR" sz="1600" dirty="0"/>
-          </a:p>
-          <a:p>
-            <a:pPr marL="329184" lvl="2" indent="0">
-              <a:spcBef>
-                <a:spcPts val="600"/>
-              </a:spcBef>
-              <a:buSzPct val="80000"/>
-              <a:buNone/>
-            </a:pPr>
-            <a:r>
-              <a:rPr lang="pt-BR" sz="1600" b="1" dirty="0">
-                <a:solidFill>
-                  <a:srgbClr val="FF0000"/>
-                </a:solidFill>
-              </a:rPr>
-              <a:t>	Estação de solo</a:t>
-            </a:r>
-            <a:r>
-              <a:rPr lang="pt-BR" sz="1600" dirty="0"/>
-              <a:t> </a:t>
-            </a:r>
-          </a:p>
-          <a:p>
-            <a:pPr marL="329184" lvl="2" indent="0">
-              <a:spcBef>
-                <a:spcPts val="600"/>
-              </a:spcBef>
-              <a:buSzPct val="80000"/>
-              <a:buNone/>
-            </a:pPr>
-            <a:endParaRPr lang="pt-BR" sz="1600" b="1" dirty="0"/>
-          </a:p>
-          <a:p>
-            <a:pPr marL="329184" lvl="2" indent="0">
-              <a:spcBef>
-                <a:spcPts val="600"/>
-              </a:spcBef>
-              <a:buSzPct val="80000"/>
-              <a:buNone/>
-            </a:pPr>
-            <a:r>
-              <a:rPr lang="pt-BR" sz="2000" dirty="0" smtClean="0"/>
-              <a:t>	</a:t>
-            </a:r>
+            <a:endParaRPr lang="pt-BR" sz="2400" dirty="0"/>
+          </a:p>
+          <a:p>
+            <a:pPr marL="82296" indent="0">
+              <a:buNone/>
+            </a:pPr>
             <a:r>
               <a:rPr lang="pt-BR" sz="2400" dirty="0" smtClean="0"/>
               <a:t>	</a:t>
@@ -9001,8 +8852,8 @@
         </p:nvSpPr>
         <p:spPr>
           <a:xfrm>
-            <a:off x="8388424" y="6305550"/>
-            <a:ext cx="682424" cy="476250"/>
+            <a:off x="8172400" y="6305550"/>
+            <a:ext cx="898448" cy="476250"/>
           </a:xfrm>
         </p:spPr>
         <p:txBody>
@@ -9071,10 +8922,64 @@
           </a:extLst>
         </p:spPr>
       </p:pic>
+      <p:pic>
+        <p:nvPicPr>
+          <p:cNvPr id="7170" name="Picture 2"/>
+          <p:cNvPicPr>
+            <a:picLocks noChangeAspect="1" noChangeArrowheads="1"/>
+          </p:cNvPicPr>
+          <p:nvPr/>
+        </p:nvPicPr>
+        <p:blipFill>
+          <a:blip r:embed="rId3">
+            <a:extLst>
+              <a:ext uri="{28A0092B-C50C-407E-A947-70E740481C1C}">
+                <a14:useLocalDpi xmlns:a14="http://schemas.microsoft.com/office/drawing/2010/main" val="0"/>
+              </a:ext>
+            </a:extLst>
+          </a:blip>
+          <a:srcRect/>
+          <a:stretch>
+            <a:fillRect/>
+          </a:stretch>
+        </p:blipFill>
+        <p:spPr bwMode="auto">
+          <a:xfrm>
+            <a:off x="1475656" y="1638466"/>
+            <a:ext cx="6885525" cy="3780060"/>
+          </a:xfrm>
+          <a:prstGeom prst="rect">
+            <a:avLst/>
+          </a:prstGeom>
+          <a:noFill/>
+          <a:ln>
+            <a:noFill/>
+          </a:ln>
+          <a:extLst>
+            <a:ext uri="{909E8E84-426E-40DD-AFC4-6F175D3DCCD1}">
+              <a14:hiddenFill xmlns:a14="http://schemas.microsoft.com/office/drawing/2010/main">
+                <a:solidFill>
+                  <a:schemeClr val="accent1"/>
+                </a:solidFill>
+              </a14:hiddenFill>
+            </a:ext>
+            <a:ext uri="{91240B29-F687-4F45-9708-019B960494DF}">
+              <a14:hiddenLine xmlns:a14="http://schemas.microsoft.com/office/drawing/2010/main" w="9525">
+                <a:solidFill>
+                  <a:schemeClr val="tx1"/>
+                </a:solidFill>
+                <a:miter lim="800000"/>
+                <a:headEnd/>
+                <a:tailEnd/>
+              </a14:hiddenLine>
+            </a:ext>
+          </a:extLst>
+        </p:spPr>
+      </p:pic>
     </p:spTree>
     <p:extLst>
       <p:ext uri="{BB962C8B-B14F-4D97-AF65-F5344CB8AC3E}">
-        <p14:creationId xmlns:p14="http://schemas.microsoft.com/office/powerpoint/2010/main" val="3548331421"/>
+        <p14:creationId xmlns:p14="http://schemas.microsoft.com/office/powerpoint/2010/main" val="3635739836"/>
       </p:ext>
     </p:extLst>
   </p:cSld>
@@ -9128,7 +9033,7 @@
             <a:pPr algn="ctr"/>
             <a:r>
               <a:rPr lang="pt-BR" dirty="0" smtClean="0"/>
-              <a:t>3. Ações Realizadas e Futuras</a:t>
+              <a:t>Estação de Solo</a:t>
             </a:r>
             <a:endParaRPr lang="pt-BR" dirty="0"/>
           </a:p>
@@ -9154,145 +9059,84 @@
           <a:bodyPr/>
           <a:lstStyle/>
           <a:p>
+            <a:pPr marL="82296" indent="0" algn="ctr">
+              <a:buNone/>
+            </a:pPr>
+            <a:endParaRPr lang="pt-BR" sz="2400" dirty="0"/>
+          </a:p>
+          <a:p>
+            <a:pPr marL="82296" indent="0" algn="ctr">
+              <a:buNone/>
+            </a:pPr>
+            <a:endParaRPr lang="pt-BR" sz="2400" dirty="0" smtClean="0"/>
+          </a:p>
+          <a:p>
             <a:pPr marL="82296" indent="0">
               <a:buNone/>
             </a:pPr>
-            <a:endParaRPr lang="pt-BR" sz="2400" dirty="0" smtClean="0"/>
-          </a:p>
-          <a:p>
-            <a:pPr marL="402336" lvl="1" indent="0">
-              <a:buNone/>
-            </a:pPr>
-            <a:r>
-              <a:rPr lang="pt-BR" sz="1800" b="1" dirty="0" smtClean="0"/>
-              <a:t>Realizadas</a:t>
-            </a:r>
-            <a:endParaRPr lang="pt-BR" sz="1800" b="1" dirty="0"/>
-          </a:p>
-          <a:p>
-            <a:pPr marL="859536" lvl="1" indent="-457200">
-              <a:buAutoNum type="alphaLcPeriod"/>
-            </a:pPr>
-            <a:r>
-              <a:rPr lang="pt-BR" sz="1800" dirty="0" smtClean="0"/>
-              <a:t>Revisão Sistemática da Literatura</a:t>
-            </a:r>
-          </a:p>
-          <a:p>
-            <a:pPr marL="859536" lvl="1" indent="-457200">
-              <a:buAutoNum type="alphaLcPeriod"/>
-            </a:pPr>
-            <a:r>
-              <a:rPr lang="pt-BR" sz="1800" dirty="0" smtClean="0"/>
-              <a:t>70% dos módulos desenvolvidos </a:t>
-            </a:r>
-          </a:p>
-          <a:p>
-            <a:pPr marL="859536" lvl="1" indent="-457200">
-              <a:buAutoNum type="alphaLcPeriod"/>
-            </a:pPr>
-            <a:r>
-              <a:rPr lang="pt-BR" sz="1800" dirty="0" smtClean="0"/>
-              <a:t>06 artigos produzidos B1, A2 e A1 </a:t>
-            </a:r>
-            <a:r>
-              <a:rPr lang="pt-BR" sz="1400" dirty="0" smtClean="0"/>
-              <a:t>(submetido 20/11/22)</a:t>
-            </a:r>
-            <a:r>
-              <a:rPr lang="pt-BR" sz="1800" dirty="0" smtClean="0"/>
-              <a:t>  </a:t>
-            </a:r>
-          </a:p>
-          <a:p>
-            <a:pPr marL="859536" lvl="1" indent="-457200">
-              <a:buAutoNum type="alphaLcPeriod"/>
-            </a:pPr>
-            <a:r>
-              <a:rPr lang="pt-BR" sz="1800" dirty="0" smtClean="0"/>
-              <a:t>Escrita parcial da tese</a:t>
-            </a:r>
-          </a:p>
-          <a:p>
-            <a:pPr marL="859536" lvl="1" indent="-457200">
-              <a:buAutoNum type="alphaLcPeriod"/>
-            </a:pPr>
-            <a:r>
-              <a:rPr lang="pt-BR" sz="1800" dirty="0" smtClean="0"/>
-              <a:t>Convite para Estágio de 6 meses na ÉTS, Canadá </a:t>
-            </a:r>
-          </a:p>
-          <a:p>
-            <a:pPr marL="859536" lvl="1" indent="-457200">
-              <a:buAutoNum type="alphaLcPeriod"/>
-            </a:pPr>
-            <a:endParaRPr lang="pt-BR" sz="1800" dirty="0" smtClean="0"/>
-          </a:p>
-          <a:p>
-            <a:pPr marL="402336" lvl="1" indent="0">
-              <a:buNone/>
-            </a:pPr>
-            <a:r>
-              <a:rPr lang="pt-BR" sz="1800" b="1" dirty="0" smtClean="0"/>
-              <a:t>Futuras</a:t>
-            </a:r>
-          </a:p>
-          <a:p>
-            <a:pPr marL="859536" lvl="1" indent="-457200">
-              <a:buAutoNum type="alphaLcPeriod"/>
-            </a:pPr>
-            <a:r>
-              <a:rPr lang="pt-BR" sz="1800" dirty="0" smtClean="0"/>
-              <a:t>Implementação efetiva</a:t>
-            </a:r>
-          </a:p>
-          <a:p>
-            <a:pPr marL="859536" lvl="1" indent="-457200">
-              <a:buAutoNum type="alphaLcPeriod"/>
-            </a:pPr>
-            <a:r>
-              <a:rPr lang="pt-BR" sz="1800" dirty="0" smtClean="0"/>
-              <a:t>Avaliação</a:t>
-            </a:r>
-          </a:p>
-          <a:p>
-            <a:pPr marL="859536" lvl="1" indent="-457200">
-              <a:buAutoNum type="alphaLcPeriod"/>
-            </a:pPr>
-            <a:r>
-              <a:rPr lang="pt-BR" sz="1800" dirty="0" smtClean="0"/>
-              <a:t>Artigo dos resultados</a:t>
-            </a:r>
-          </a:p>
-          <a:p>
-            <a:pPr marL="859536" lvl="1" indent="-457200">
-              <a:buAutoNum type="alphaLcPeriod"/>
-            </a:pPr>
-            <a:endParaRPr lang="pt-BR" sz="1800" dirty="0" smtClean="0"/>
-          </a:p>
-          <a:p>
-            <a:pPr marL="859536" lvl="1" indent="-457200">
-              <a:buAutoNum type="alphaLcPeriod"/>
-            </a:pPr>
-            <a:endParaRPr lang="pt-BR" sz="2000" dirty="0" smtClean="0"/>
-          </a:p>
-          <a:p>
-            <a:pPr marL="859536" lvl="1" indent="-457200">
-              <a:buAutoNum type="alphaLcPeriod"/>
-            </a:pPr>
-            <a:endParaRPr lang="pt-BR" sz="2000" dirty="0" smtClean="0"/>
+            <a:endParaRPr lang="pt-BR" sz="2400" dirty="0"/>
+          </a:p>
+          <a:p>
+            <a:pPr marL="82296" indent="0">
+              <a:buNone/>
+            </a:pPr>
+            <a:r>
+              <a:rPr lang="pt-BR" sz="2400" dirty="0" smtClean="0"/>
+              <a:t>	</a:t>
+            </a:r>
           </a:p>
           <a:p>
             <a:pPr lvl="1"/>
             <a:endParaRPr lang="pt-BR" sz="2000" dirty="0" smtClean="0"/>
           </a:p>
           <a:p>
+            <a:pPr lvl="1"/>
+            <a:endParaRPr lang="pt-BR" sz="2000" dirty="0" smtClean="0"/>
+          </a:p>
+          <a:p>
             <a:endParaRPr lang="pt-BR" dirty="0" smtClean="0"/>
           </a:p>
         </p:txBody>
       </p:sp>
       <p:sp>
         <p:nvSpPr>
+          <p:cNvPr id="4" name="CaixaDeTexto 3"/>
+          <p:cNvSpPr txBox="1"/>
+          <p:nvPr/>
+        </p:nvSpPr>
+        <p:spPr>
+          <a:xfrm rot="16200000">
+            <a:off x="-2077806" y="3931354"/>
+            <a:ext cx="5206954" cy="646331"/>
+          </a:xfrm>
+          <a:prstGeom prst="rect">
+            <a:avLst/>
+          </a:prstGeom>
+          <a:noFill/>
+          <a:scene3d>
+            <a:camera prst="orthographicFront">
+              <a:rot lat="0" lon="0" rev="0"/>
+            </a:camera>
+            <a:lightRig rig="threePt" dir="t"/>
+          </a:scene3d>
+        </p:spPr>
+        <p:txBody>
+          <a:bodyPr wrap="square" rtlCol="0">
+            <a:spAutoFit/>
+          </a:bodyPr>
+          <a:lstStyle/>
+          <a:p>
+            <a:pPr algn="ctr"/>
+            <a:r>
+              <a:rPr lang="pt-BR" sz="3600" b="1" dirty="0" smtClean="0"/>
+              <a:t>2. Proposta</a:t>
+            </a:r>
+            <a:endParaRPr lang="pt-BR" sz="3600" b="1" dirty="0"/>
+          </a:p>
+        </p:txBody>
+      </p:sp>
+      <p:sp>
+        <p:nvSpPr>
           <p:cNvPr id="6" name="Espaço Reservado para Número de Slide 5"/>
           <p:cNvSpPr>
             <a:spLocks noGrp="1"/>
@@ -9303,8 +9147,8 @@
         </p:nvSpPr>
         <p:spPr>
           <a:xfrm>
-            <a:off x="8316416" y="6305550"/>
-            <a:ext cx="754432" cy="476250"/>
+            <a:off x="8172400" y="6305550"/>
+            <a:ext cx="898448" cy="476250"/>
           </a:xfrm>
         </p:spPr>
         <p:txBody>
@@ -9373,10 +9217,64 @@
           </a:extLst>
         </p:spPr>
       </p:pic>
+      <p:pic>
+        <p:nvPicPr>
+          <p:cNvPr id="5122" name="Picture 2"/>
+          <p:cNvPicPr>
+            <a:picLocks noChangeAspect="1" noChangeArrowheads="1"/>
+          </p:cNvPicPr>
+          <p:nvPr/>
+        </p:nvPicPr>
+        <p:blipFill>
+          <a:blip r:embed="rId3">
+            <a:extLst>
+              <a:ext uri="{28A0092B-C50C-407E-A947-70E740481C1C}">
+                <a14:useLocalDpi xmlns:a14="http://schemas.microsoft.com/office/drawing/2010/main" val="0"/>
+              </a:ext>
+            </a:extLst>
+          </a:blip>
+          <a:srcRect/>
+          <a:stretch>
+            <a:fillRect/>
+          </a:stretch>
+        </p:blipFill>
+        <p:spPr bwMode="auto">
+          <a:xfrm>
+            <a:off x="1907704" y="1651041"/>
+            <a:ext cx="6343670" cy="3981797"/>
+          </a:xfrm>
+          <a:prstGeom prst="rect">
+            <a:avLst/>
+          </a:prstGeom>
+          <a:noFill/>
+          <a:ln>
+            <a:noFill/>
+          </a:ln>
+          <a:extLst>
+            <a:ext uri="{909E8E84-426E-40DD-AFC4-6F175D3DCCD1}">
+              <a14:hiddenFill xmlns:a14="http://schemas.microsoft.com/office/drawing/2010/main">
+                <a:solidFill>
+                  <a:schemeClr val="accent1"/>
+                </a:solidFill>
+              </a14:hiddenFill>
+            </a:ext>
+            <a:ext uri="{91240B29-F687-4F45-9708-019B960494DF}">
+              <a14:hiddenLine xmlns:a14="http://schemas.microsoft.com/office/drawing/2010/main" w="9525">
+                <a:solidFill>
+                  <a:schemeClr val="tx1"/>
+                </a:solidFill>
+                <a:miter lim="800000"/>
+                <a:headEnd/>
+                <a:tailEnd/>
+              </a14:hiddenLine>
+            </a:ext>
+          </a:extLst>
+        </p:spPr>
+      </p:pic>
     </p:spTree>
     <p:extLst>
       <p:ext uri="{BB962C8B-B14F-4D97-AF65-F5344CB8AC3E}">
-        <p14:creationId xmlns:p14="http://schemas.microsoft.com/office/powerpoint/2010/main" val="692196325"/>
+        <p14:creationId xmlns:p14="http://schemas.microsoft.com/office/powerpoint/2010/main" val="1387130210"/>
       </p:ext>
     </p:extLst>
   </p:cSld>
@@ -9422,37 +9320,279 @@
         </p:nvSpPr>
         <p:spPr/>
         <p:txBody>
+          <a:bodyPr>
+            <a:normAutofit fontScale="90000"/>
+          </a:bodyPr>
+          <a:lstStyle/>
+          <a:p>
+            <a:pPr algn="ctr"/>
+            <a:r>
+              <a:rPr lang="pt-BR" dirty="0" smtClean="0"/>
+              <a:t>2.2-Módulos Propostos e Implementados</a:t>
+            </a:r>
+            <a:endParaRPr lang="pt-BR" dirty="0"/>
+          </a:p>
+        </p:txBody>
+      </p:sp>
+      <p:sp>
+        <p:nvSpPr>
+          <p:cNvPr id="3" name="Espaço Reservado para Conteúdo 2"/>
+          <p:cNvSpPr>
+            <a:spLocks noGrp="1"/>
+          </p:cNvSpPr>
+          <p:nvPr>
+            <p:ph idx="1"/>
+          </p:nvPr>
+        </p:nvSpPr>
+        <p:spPr>
+          <a:xfrm>
+            <a:off x="1435608" y="1447800"/>
+            <a:ext cx="7498080" cy="5221560"/>
+          </a:xfrm>
+        </p:spPr>
+        <p:txBody>
           <a:bodyPr/>
           <a:lstStyle/>
           <a:p>
-            <a:pPr algn="ctr"/>
-            <a:r>
-              <a:rPr lang="pt-BR" dirty="0" smtClean="0"/>
-              <a:t>4. Considerações Finais</a:t>
-            </a:r>
-            <a:endParaRPr lang="pt-BR" dirty="0"/>
-          </a:p>
-        </p:txBody>
-      </p:sp>
-      <p:sp>
-        <p:nvSpPr>
-          <p:cNvPr id="3" name="Espaço Reservado para Conteúdo 2"/>
-          <p:cNvSpPr>
-            <a:spLocks noGrp="1"/>
-          </p:cNvSpPr>
-          <p:nvPr>
-            <p:ph idx="1"/>
-          </p:nvPr>
-        </p:nvSpPr>
-        <p:spPr>
-          <a:xfrm>
-            <a:off x="1435608" y="1447800"/>
-            <a:ext cx="7498080" cy="5221560"/>
-          </a:xfrm>
-        </p:spPr>
-        <p:txBody>
-          <a:bodyPr/>
-          <a:lstStyle/>
+            <a:pPr marL="82296" indent="0">
+              <a:buNone/>
+            </a:pPr>
+            <a:endParaRPr lang="pt-BR" sz="1600" b="1" dirty="0"/>
+          </a:p>
+          <a:p>
+            <a:pPr marL="329184" lvl="2" indent="0">
+              <a:spcBef>
+                <a:spcPts val="600"/>
+              </a:spcBef>
+              <a:buSzPct val="80000"/>
+              <a:buNone/>
+            </a:pPr>
+            <a:endParaRPr lang="pt-BR" sz="1600" b="1" dirty="0" smtClean="0"/>
+          </a:p>
+          <a:p>
+            <a:pPr marL="329184" lvl="2" indent="0">
+              <a:spcBef>
+                <a:spcPts val="600"/>
+              </a:spcBef>
+              <a:buSzPct val="80000"/>
+              <a:buNone/>
+            </a:pPr>
+            <a:r>
+              <a:rPr lang="pt-BR" sz="1600" dirty="0" smtClean="0"/>
+              <a:t>	</a:t>
+            </a:r>
+            <a:r>
+              <a:rPr lang="pt-BR" sz="1600" b="1" dirty="0" smtClean="0">
+                <a:solidFill>
+                  <a:srgbClr val="FF0000"/>
+                </a:solidFill>
+              </a:rPr>
+              <a:t>Ambiente </a:t>
+            </a:r>
+            <a:r>
+              <a:rPr lang="pt-BR" sz="1600" b="1" dirty="0">
+                <a:solidFill>
+                  <a:srgbClr val="FF0000"/>
+                </a:solidFill>
+              </a:rPr>
+              <a:t>simulado – AIRSIM x </a:t>
+            </a:r>
+            <a:r>
+              <a:rPr lang="pt-BR" sz="1600" b="1" dirty="0" err="1">
+                <a:solidFill>
+                  <a:srgbClr val="FF0000"/>
+                </a:solidFill>
+              </a:rPr>
+              <a:t>Unreal</a:t>
+            </a:r>
+            <a:endParaRPr lang="pt-BR" sz="1600" b="1" dirty="0">
+              <a:solidFill>
+                <a:srgbClr val="FF0000"/>
+              </a:solidFill>
+            </a:endParaRPr>
+          </a:p>
+          <a:p>
+            <a:pPr marL="329184" lvl="2" indent="0">
+              <a:spcBef>
+                <a:spcPts val="600"/>
+              </a:spcBef>
+              <a:buSzPct val="80000"/>
+              <a:buNone/>
+            </a:pPr>
+            <a:endParaRPr lang="pt-BR" sz="1600" dirty="0"/>
+          </a:p>
+          <a:p>
+            <a:pPr marL="329184" lvl="2" indent="0">
+              <a:spcBef>
+                <a:spcPts val="600"/>
+              </a:spcBef>
+              <a:buSzPct val="80000"/>
+              <a:buNone/>
+            </a:pPr>
+            <a:r>
+              <a:rPr lang="pt-BR" sz="1600" dirty="0"/>
+              <a:t>	</a:t>
+            </a:r>
+            <a:r>
+              <a:rPr lang="pt-BR" sz="1600" b="1" dirty="0">
+                <a:solidFill>
+                  <a:srgbClr val="00B0F0"/>
+                </a:solidFill>
+              </a:rPr>
+              <a:t>Visão Computacional</a:t>
+            </a:r>
+          </a:p>
+          <a:p>
+            <a:pPr marL="329184" lvl="2" indent="0">
+              <a:spcBef>
+                <a:spcPts val="600"/>
+              </a:spcBef>
+              <a:buSzPct val="80000"/>
+              <a:buNone/>
+            </a:pPr>
+            <a:endParaRPr lang="pt-BR" sz="1600" dirty="0"/>
+          </a:p>
+          <a:p>
+            <a:pPr marL="329184" lvl="2" indent="0">
+              <a:spcBef>
+                <a:spcPts val="600"/>
+              </a:spcBef>
+              <a:buSzPct val="80000"/>
+              <a:buNone/>
+            </a:pPr>
+            <a:r>
+              <a:rPr lang="pt-BR" sz="1600" dirty="0"/>
+              <a:t>	</a:t>
+            </a:r>
+            <a:r>
+              <a:rPr lang="pt-BR" sz="1600" b="1" dirty="0">
+                <a:solidFill>
+                  <a:srgbClr val="00B0F0"/>
+                </a:solidFill>
+              </a:rPr>
+              <a:t>Rede Neural Artificial – Aprendizado de máquina </a:t>
+            </a:r>
+            <a:r>
+              <a:rPr lang="pt-BR" sz="1600" b="1" dirty="0" smtClean="0">
+                <a:solidFill>
+                  <a:srgbClr val="00B0F0"/>
+                </a:solidFill>
+              </a:rPr>
+              <a:t>– </a:t>
+            </a:r>
+          </a:p>
+          <a:p>
+            <a:pPr marL="329184" lvl="2" indent="0">
+              <a:spcBef>
+                <a:spcPts val="600"/>
+              </a:spcBef>
+              <a:buSzPct val="80000"/>
+              <a:buNone/>
+            </a:pPr>
+            <a:r>
+              <a:rPr lang="pt-BR" sz="1600" b="1" dirty="0">
+                <a:solidFill>
+                  <a:srgbClr val="00B0F0"/>
+                </a:solidFill>
+              </a:rPr>
+              <a:t>	</a:t>
+            </a:r>
+            <a:r>
+              <a:rPr lang="pt-BR" sz="1600" b="1" dirty="0" smtClean="0">
+                <a:solidFill>
+                  <a:srgbClr val="00B0F0"/>
+                </a:solidFill>
+              </a:rPr>
+              <a:t>		</a:t>
+            </a:r>
+            <a:r>
+              <a:rPr lang="pt-BR" sz="1600" b="1" dirty="0" err="1" smtClean="0">
+                <a:solidFill>
+                  <a:srgbClr val="00B0F0"/>
+                </a:solidFill>
+              </a:rPr>
+              <a:t>Roboflow</a:t>
+            </a:r>
+            <a:r>
+              <a:rPr lang="pt-BR" sz="1600" b="1" dirty="0" smtClean="0">
+                <a:solidFill>
+                  <a:srgbClr val="00B0F0"/>
+                </a:solidFill>
+              </a:rPr>
+              <a:t> / Google </a:t>
+            </a:r>
+            <a:r>
+              <a:rPr lang="pt-BR" sz="1600" b="1" dirty="0" err="1" smtClean="0">
+                <a:solidFill>
+                  <a:srgbClr val="00B0F0"/>
+                </a:solidFill>
+              </a:rPr>
+              <a:t>Colab</a:t>
+            </a:r>
+            <a:endParaRPr lang="pt-BR" sz="1600" b="1" dirty="0">
+              <a:solidFill>
+                <a:srgbClr val="00B0F0"/>
+              </a:solidFill>
+            </a:endParaRPr>
+          </a:p>
+          <a:p>
+            <a:pPr marL="329184" lvl="2" indent="0">
+              <a:spcBef>
+                <a:spcPts val="600"/>
+              </a:spcBef>
+              <a:buSzPct val="80000"/>
+              <a:buNone/>
+            </a:pPr>
+            <a:endParaRPr lang="pt-BR" sz="1600" dirty="0"/>
+          </a:p>
+          <a:p>
+            <a:pPr marL="329184" lvl="2" indent="0">
+              <a:spcBef>
+                <a:spcPts val="600"/>
+              </a:spcBef>
+              <a:buSzPct val="80000"/>
+              <a:buNone/>
+            </a:pPr>
+            <a:r>
+              <a:rPr lang="pt-BR" sz="1600" b="1" dirty="0">
+                <a:solidFill>
+                  <a:srgbClr val="FF0000"/>
+                </a:solidFill>
+              </a:rPr>
+              <a:t>	Estação de solo</a:t>
+            </a:r>
+            <a:r>
+              <a:rPr lang="pt-BR" sz="1600" dirty="0"/>
+              <a:t> </a:t>
+            </a:r>
+          </a:p>
+          <a:p>
+            <a:pPr marL="329184" lvl="2" indent="0">
+              <a:spcBef>
+                <a:spcPts val="600"/>
+              </a:spcBef>
+              <a:buSzPct val="80000"/>
+              <a:buNone/>
+            </a:pPr>
+            <a:endParaRPr lang="pt-BR" sz="1600" b="1" dirty="0"/>
+          </a:p>
+          <a:p>
+            <a:pPr marL="329184" lvl="2" indent="0">
+              <a:spcBef>
+                <a:spcPts val="600"/>
+              </a:spcBef>
+              <a:buSzPct val="80000"/>
+              <a:buNone/>
+            </a:pPr>
+            <a:r>
+              <a:rPr lang="pt-BR" sz="2000" dirty="0" smtClean="0"/>
+              <a:t>	</a:t>
+            </a:r>
+            <a:r>
+              <a:rPr lang="pt-BR" sz="2400" dirty="0" smtClean="0"/>
+              <a:t>	</a:t>
+            </a:r>
+          </a:p>
           <a:p>
             <a:pPr lvl="1"/>
             <a:endParaRPr lang="pt-BR" sz="2000" dirty="0" smtClean="0"/>
@@ -9468,6 +9608,43 @@
       </p:sp>
       <p:sp>
         <p:nvSpPr>
+          <p:cNvPr id="4" name="CaixaDeTexto 3"/>
+          <p:cNvSpPr txBox="1"/>
+          <p:nvPr/>
+        </p:nvSpPr>
+        <p:spPr>
+          <a:xfrm rot="16200000">
+            <a:off x="-2077806" y="3931354"/>
+            <a:ext cx="5206954" cy="646331"/>
+          </a:xfrm>
+          <a:prstGeom prst="rect">
+            <a:avLst/>
+          </a:prstGeom>
+          <a:noFill/>
+          <a:scene3d>
+            <a:camera prst="orthographicFront">
+              <a:rot lat="0" lon="0" rev="0"/>
+            </a:camera>
+            <a:lightRig rig="threePt" dir="t"/>
+          </a:scene3d>
+        </p:spPr>
+        <p:txBody>
+          <a:bodyPr wrap="square" rtlCol="0">
+            <a:spAutoFit/>
+          </a:bodyPr>
+          <a:lstStyle/>
+          <a:p>
+            <a:pPr algn="ctr"/>
+            <a:r>
+              <a:rPr lang="pt-BR" sz="3600" b="1" dirty="0" smtClean="0"/>
+              <a:t>2. Proposta</a:t>
+            </a:r>
+            <a:endParaRPr lang="pt-BR" sz="3600" b="1" dirty="0"/>
+          </a:p>
+        </p:txBody>
+      </p:sp>
+      <p:sp>
+        <p:nvSpPr>
           <p:cNvPr id="6" name="Espaço Reservado para Número de Slide 5"/>
           <p:cNvSpPr>
             <a:spLocks noGrp="1"/>
@@ -9478,8 +9655,8 @@
         </p:nvSpPr>
         <p:spPr>
           <a:xfrm>
-            <a:off x="8244408" y="6305550"/>
-            <a:ext cx="826440" cy="476250"/>
+            <a:off x="8388424" y="6305550"/>
+            <a:ext cx="682424" cy="476250"/>
           </a:xfrm>
         </p:spPr>
         <p:txBody>
@@ -9551,6 +9728,483 @@
     </p:spTree>
     <p:extLst>
       <p:ext uri="{BB962C8B-B14F-4D97-AF65-F5344CB8AC3E}">
+        <p14:creationId xmlns:p14="http://schemas.microsoft.com/office/powerpoint/2010/main" val="3548331421"/>
+      </p:ext>
+    </p:extLst>
+  </p:cSld>
+  <p:clrMapOvr>
+    <a:masterClrMapping/>
+  </p:clrMapOvr>
+  <p:timing>
+    <p:tnLst>
+      <p:par>
+        <p:cTn id="1" dur="indefinite" restart="never" nodeType="tmRoot"/>
+      </p:par>
+    </p:tnLst>
+  </p:timing>
+</p:sld>
+</file>
+
+<file path=ppt/slides/slide24.xml><?xml version="1.0" encoding="utf-8"?>
+<p:sld xmlns:a="http://schemas.openxmlformats.org/drawingml/2006/main" xmlns:r="http://schemas.openxmlformats.org/officeDocument/2006/relationships" xmlns:p="http://schemas.openxmlformats.org/presentationml/2006/main">
+  <p:cSld>
+    <p:spTree>
+      <p:nvGrpSpPr>
+        <p:cNvPr id="1" name=""/>
+        <p:cNvGrpSpPr/>
+        <p:nvPr/>
+      </p:nvGrpSpPr>
+      <p:grpSpPr>
+        <a:xfrm>
+          <a:off x="0" y="0"/>
+          <a:ext cx="0" cy="0"/>
+          <a:chOff x="0" y="0"/>
+          <a:chExt cx="0" cy="0"/>
+        </a:xfrm>
+      </p:grpSpPr>
+      <p:sp>
+        <p:nvSpPr>
+          <p:cNvPr id="2" name="Título 1"/>
+          <p:cNvSpPr>
+            <a:spLocks noGrp="1"/>
+          </p:cNvSpPr>
+          <p:nvPr>
+            <p:ph type="title"/>
+          </p:nvPr>
+        </p:nvSpPr>
+        <p:spPr/>
+        <p:txBody>
+          <a:bodyPr>
+            <a:normAutofit/>
+          </a:bodyPr>
+          <a:lstStyle/>
+          <a:p>
+            <a:pPr algn="ctr"/>
+            <a:r>
+              <a:rPr lang="pt-BR" dirty="0" smtClean="0"/>
+              <a:t>3. Ações Realizadas e Futuras</a:t>
+            </a:r>
+            <a:endParaRPr lang="pt-BR" dirty="0"/>
+          </a:p>
+        </p:txBody>
+      </p:sp>
+      <p:sp>
+        <p:nvSpPr>
+          <p:cNvPr id="3" name="Espaço Reservado para Conteúdo 2"/>
+          <p:cNvSpPr>
+            <a:spLocks noGrp="1"/>
+          </p:cNvSpPr>
+          <p:nvPr>
+            <p:ph idx="1"/>
+          </p:nvPr>
+        </p:nvSpPr>
+        <p:spPr>
+          <a:xfrm>
+            <a:off x="1435608" y="1447800"/>
+            <a:ext cx="7498080" cy="5221560"/>
+          </a:xfrm>
+        </p:spPr>
+        <p:txBody>
+          <a:bodyPr/>
+          <a:lstStyle/>
+          <a:p>
+            <a:pPr marL="82296" indent="0">
+              <a:buNone/>
+            </a:pPr>
+            <a:endParaRPr lang="pt-BR" sz="2400" dirty="0" smtClean="0"/>
+          </a:p>
+          <a:p>
+            <a:pPr marL="402336" lvl="1" indent="0">
+              <a:buNone/>
+            </a:pPr>
+            <a:r>
+              <a:rPr lang="pt-BR" sz="1800" b="1" dirty="0" smtClean="0"/>
+              <a:t>Realizadas</a:t>
+            </a:r>
+            <a:endParaRPr lang="pt-BR" sz="1800" b="1" dirty="0"/>
+          </a:p>
+          <a:p>
+            <a:pPr marL="859536" lvl="1" indent="-457200">
+              <a:buAutoNum type="alphaLcPeriod"/>
+            </a:pPr>
+            <a:r>
+              <a:rPr lang="pt-BR" sz="1800" dirty="0" smtClean="0"/>
+              <a:t>Revisão Sistemática da Literatura</a:t>
+            </a:r>
+          </a:p>
+          <a:p>
+            <a:pPr marL="859536" lvl="1" indent="-457200">
+              <a:buAutoNum type="alphaLcPeriod"/>
+            </a:pPr>
+            <a:r>
+              <a:rPr lang="pt-BR" sz="1800" dirty="0" smtClean="0"/>
+              <a:t>70% dos módulos desenvolvidos </a:t>
+            </a:r>
+          </a:p>
+          <a:p>
+            <a:pPr marL="859536" lvl="1" indent="-457200">
+              <a:buAutoNum type="alphaLcPeriod"/>
+            </a:pPr>
+            <a:r>
+              <a:rPr lang="pt-BR" sz="1800" dirty="0" smtClean="0"/>
+              <a:t>06 artigos produzidos B1, A2 e A1 </a:t>
+            </a:r>
+            <a:r>
+              <a:rPr lang="pt-BR" sz="1400" dirty="0" smtClean="0"/>
+              <a:t>(submetido 10/11/22)</a:t>
+            </a:r>
+            <a:r>
+              <a:rPr lang="pt-BR" sz="1800" dirty="0" smtClean="0"/>
+              <a:t>  </a:t>
+            </a:r>
+          </a:p>
+          <a:p>
+            <a:pPr marL="859536" lvl="1" indent="-457200">
+              <a:buAutoNum type="alphaLcPeriod"/>
+            </a:pPr>
+            <a:r>
+              <a:rPr lang="pt-BR" sz="1800" dirty="0" smtClean="0"/>
+              <a:t>Escrita parcial da tese</a:t>
+            </a:r>
+          </a:p>
+          <a:p>
+            <a:pPr marL="859536" lvl="1" indent="-457200">
+              <a:buAutoNum type="alphaLcPeriod"/>
+            </a:pPr>
+            <a:r>
+              <a:rPr lang="pt-BR" sz="1800" dirty="0" smtClean="0"/>
+              <a:t>Convite para Estágio de 6 meses na ÉTS, Canadá </a:t>
+            </a:r>
+          </a:p>
+          <a:p>
+            <a:pPr marL="859536" lvl="1" indent="-457200">
+              <a:buAutoNum type="alphaLcPeriod"/>
+            </a:pPr>
+            <a:endParaRPr lang="pt-BR" sz="1800" dirty="0" smtClean="0"/>
+          </a:p>
+          <a:p>
+            <a:pPr marL="402336" lvl="1" indent="0">
+              <a:buNone/>
+            </a:pPr>
+            <a:r>
+              <a:rPr lang="pt-BR" sz="1800" b="1" dirty="0" smtClean="0"/>
+              <a:t>Futuras</a:t>
+            </a:r>
+          </a:p>
+          <a:p>
+            <a:pPr marL="859536" lvl="1" indent="-457200">
+              <a:buAutoNum type="alphaLcPeriod"/>
+            </a:pPr>
+            <a:r>
+              <a:rPr lang="pt-BR" sz="1800" dirty="0" smtClean="0"/>
+              <a:t>Implementação efetiva</a:t>
+            </a:r>
+          </a:p>
+          <a:p>
+            <a:pPr marL="859536" lvl="1" indent="-457200">
+              <a:buAutoNum type="alphaLcPeriod"/>
+            </a:pPr>
+            <a:r>
+              <a:rPr lang="pt-BR" sz="1800" dirty="0" smtClean="0"/>
+              <a:t>Avaliação</a:t>
+            </a:r>
+          </a:p>
+          <a:p>
+            <a:pPr marL="859536" lvl="1" indent="-457200">
+              <a:buAutoNum type="alphaLcPeriod"/>
+            </a:pPr>
+            <a:r>
+              <a:rPr lang="pt-BR" sz="1800" dirty="0" smtClean="0"/>
+              <a:t>Artigo dos resultados</a:t>
+            </a:r>
+          </a:p>
+          <a:p>
+            <a:pPr marL="859536" lvl="1" indent="-457200">
+              <a:buAutoNum type="alphaLcPeriod"/>
+            </a:pPr>
+            <a:endParaRPr lang="pt-BR" sz="1800" dirty="0" smtClean="0"/>
+          </a:p>
+          <a:p>
+            <a:pPr marL="859536" lvl="1" indent="-457200">
+              <a:buAutoNum type="alphaLcPeriod"/>
+            </a:pPr>
+            <a:endParaRPr lang="pt-BR" sz="2000" dirty="0" smtClean="0"/>
+          </a:p>
+          <a:p>
+            <a:pPr marL="859536" lvl="1" indent="-457200">
+              <a:buAutoNum type="alphaLcPeriod"/>
+            </a:pPr>
+            <a:endParaRPr lang="pt-BR" sz="2000" dirty="0" smtClean="0"/>
+          </a:p>
+          <a:p>
+            <a:pPr lvl="1"/>
+            <a:endParaRPr lang="pt-BR" sz="2000" dirty="0" smtClean="0"/>
+          </a:p>
+          <a:p>
+            <a:endParaRPr lang="pt-BR" dirty="0" smtClean="0"/>
+          </a:p>
+        </p:txBody>
+      </p:sp>
+      <p:sp>
+        <p:nvSpPr>
+          <p:cNvPr id="6" name="Espaço Reservado para Número de Slide 5"/>
+          <p:cNvSpPr>
+            <a:spLocks noGrp="1"/>
+          </p:cNvSpPr>
+          <p:nvPr>
+            <p:ph type="sldNum" sz="quarter" idx="12"/>
+          </p:nvPr>
+        </p:nvSpPr>
+        <p:spPr>
+          <a:xfrm>
+            <a:off x="8316416" y="6305550"/>
+            <a:ext cx="754432" cy="476250"/>
+          </a:xfrm>
+        </p:spPr>
+        <p:txBody>
+          <a:bodyPr/>
+          <a:lstStyle/>
+          <a:p>
+            <a:fld id="{6294C92D-0306-4E69-9CD3-20855E849650}" type="slidenum">
+              <a:rPr kumimoji="0" lang="en-US" sz="3200" smtClean="0"/>
+              <a:t>24</a:t>
+            </a:fld>
+            <a:endParaRPr kumimoji="0" lang="en-US" sz="3200" dirty="0"/>
+          </a:p>
+        </p:txBody>
+      </p:sp>
+      <p:pic>
+        <p:nvPicPr>
+          <p:cNvPr id="2053" name="Picture 5"/>
+          <p:cNvPicPr>
+            <a:picLocks noChangeAspect="1" noChangeArrowheads="1"/>
+          </p:cNvPicPr>
+          <p:nvPr/>
+        </p:nvPicPr>
+        <p:blipFill>
+          <a:blip r:embed="rId2">
+            <a:extLst>
+              <a:ext uri="{28A0092B-C50C-407E-A947-70E740481C1C}">
+                <a14:useLocalDpi xmlns:a14="http://schemas.microsoft.com/office/drawing/2010/main" val="0"/>
+              </a:ext>
+            </a:extLst>
+          </a:blip>
+          <a:srcRect/>
+          <a:stretch>
+            <a:fillRect/>
+          </a:stretch>
+        </p:blipFill>
+        <p:spPr bwMode="auto">
+          <a:xfrm>
+            <a:off x="5053" y="326"/>
+            <a:ext cx="986715" cy="1405320"/>
+          </a:xfrm>
+          <a:prstGeom prst="rect">
+            <a:avLst/>
+          </a:prstGeom>
+          <a:noFill/>
+          <a:ln>
+            <a:noFill/>
+          </a:ln>
+          <a:extLst>
+            <a:ext uri="{909E8E84-426E-40DD-AFC4-6F175D3DCCD1}">
+              <a14:hiddenFill xmlns:a14="http://schemas.microsoft.com/office/drawing/2010/main">
+                <a:solidFill>
+                  <a:schemeClr val="accent1"/>
+                </a:solidFill>
+              </a14:hiddenFill>
+            </a:ext>
+            <a:ext uri="{91240B29-F687-4F45-9708-019B960494DF}">
+              <a14:hiddenLine xmlns:a14="http://schemas.microsoft.com/office/drawing/2010/main" w="9525">
+                <a:solidFill>
+                  <a:schemeClr val="tx1"/>
+                </a:solidFill>
+                <a:miter lim="800000"/>
+                <a:headEnd/>
+                <a:tailEnd/>
+              </a14:hiddenLine>
+            </a:ext>
+          </a:extLst>
+        </p:spPr>
+      </p:pic>
+    </p:spTree>
+    <p:extLst>
+      <p:ext uri="{BB962C8B-B14F-4D97-AF65-F5344CB8AC3E}">
+        <p14:creationId xmlns:p14="http://schemas.microsoft.com/office/powerpoint/2010/main" val="692196325"/>
+      </p:ext>
+    </p:extLst>
+  </p:cSld>
+  <p:clrMapOvr>
+    <a:masterClrMapping/>
+  </p:clrMapOvr>
+  <p:timing>
+    <p:tnLst>
+      <p:par>
+        <p:cTn id="1" dur="indefinite" restart="never" nodeType="tmRoot"/>
+      </p:par>
+    </p:tnLst>
+  </p:timing>
+</p:sld>
+</file>
+
+<file path=ppt/slides/slide25.xml><?xml version="1.0" encoding="utf-8"?>
+<p:sld xmlns:a="http://schemas.openxmlformats.org/drawingml/2006/main" xmlns:r="http://schemas.openxmlformats.org/officeDocument/2006/relationships" xmlns:p="http://schemas.openxmlformats.org/presentationml/2006/main">
+  <p:cSld>
+    <p:spTree>
+      <p:nvGrpSpPr>
+        <p:cNvPr id="1" name=""/>
+        <p:cNvGrpSpPr/>
+        <p:nvPr/>
+      </p:nvGrpSpPr>
+      <p:grpSpPr>
+        <a:xfrm>
+          <a:off x="0" y="0"/>
+          <a:ext cx="0" cy="0"/>
+          <a:chOff x="0" y="0"/>
+          <a:chExt cx="0" cy="0"/>
+        </a:xfrm>
+      </p:grpSpPr>
+      <p:sp>
+        <p:nvSpPr>
+          <p:cNvPr id="2" name="Título 1"/>
+          <p:cNvSpPr>
+            <a:spLocks noGrp="1"/>
+          </p:cNvSpPr>
+          <p:nvPr>
+            <p:ph type="title"/>
+          </p:nvPr>
+        </p:nvSpPr>
+        <p:spPr/>
+        <p:txBody>
+          <a:bodyPr/>
+          <a:lstStyle/>
+          <a:p>
+            <a:pPr algn="ctr"/>
+            <a:r>
+              <a:rPr lang="pt-BR" dirty="0" smtClean="0"/>
+              <a:t>4. Considerações Finais</a:t>
+            </a:r>
+            <a:endParaRPr lang="pt-BR" dirty="0"/>
+          </a:p>
+        </p:txBody>
+      </p:sp>
+      <p:sp>
+        <p:nvSpPr>
+          <p:cNvPr id="3" name="Espaço Reservado para Conteúdo 2"/>
+          <p:cNvSpPr>
+            <a:spLocks noGrp="1"/>
+          </p:cNvSpPr>
+          <p:nvPr>
+            <p:ph idx="1"/>
+          </p:nvPr>
+        </p:nvSpPr>
+        <p:spPr>
+          <a:xfrm>
+            <a:off x="1435608" y="1447800"/>
+            <a:ext cx="7498080" cy="5221560"/>
+          </a:xfrm>
+        </p:spPr>
+        <p:txBody>
+          <a:bodyPr/>
+          <a:lstStyle/>
+          <a:p>
+            <a:pPr lvl="1"/>
+            <a:endParaRPr lang="pt-BR" sz="2000" dirty="0" smtClean="0"/>
+          </a:p>
+          <a:p>
+            <a:pPr lvl="1"/>
+            <a:endParaRPr lang="pt-BR" sz="2000" dirty="0" smtClean="0"/>
+          </a:p>
+          <a:p>
+            <a:endParaRPr lang="pt-BR" dirty="0" smtClean="0"/>
+          </a:p>
+        </p:txBody>
+      </p:sp>
+      <p:sp>
+        <p:nvSpPr>
+          <p:cNvPr id="6" name="Espaço Reservado para Número de Slide 5"/>
+          <p:cNvSpPr>
+            <a:spLocks noGrp="1"/>
+          </p:cNvSpPr>
+          <p:nvPr>
+            <p:ph type="sldNum" sz="quarter" idx="12"/>
+          </p:nvPr>
+        </p:nvSpPr>
+        <p:spPr>
+          <a:xfrm>
+            <a:off x="8244408" y="6305550"/>
+            <a:ext cx="826440" cy="476250"/>
+          </a:xfrm>
+        </p:spPr>
+        <p:txBody>
+          <a:bodyPr/>
+          <a:lstStyle/>
+          <a:p>
+            <a:fld id="{6294C92D-0306-4E69-9CD3-20855E849650}" type="slidenum">
+              <a:rPr kumimoji="0" lang="en-US" sz="3200" smtClean="0"/>
+              <a:t>25</a:t>
+            </a:fld>
+            <a:endParaRPr kumimoji="0" lang="en-US" sz="3200" dirty="0"/>
+          </a:p>
+        </p:txBody>
+      </p:sp>
+      <p:pic>
+        <p:nvPicPr>
+          <p:cNvPr id="2053" name="Picture 5"/>
+          <p:cNvPicPr>
+            <a:picLocks noChangeAspect="1" noChangeArrowheads="1"/>
+          </p:cNvPicPr>
+          <p:nvPr/>
+        </p:nvPicPr>
+        <p:blipFill>
+          <a:blip r:embed="rId2">
+            <a:extLst>
+              <a:ext uri="{28A0092B-C50C-407E-A947-70E740481C1C}">
+                <a14:useLocalDpi xmlns:a14="http://schemas.microsoft.com/office/drawing/2010/main" val="0"/>
+              </a:ext>
+            </a:extLst>
+          </a:blip>
+          <a:srcRect/>
+          <a:stretch>
+            <a:fillRect/>
+          </a:stretch>
+        </p:blipFill>
+        <p:spPr bwMode="auto">
+          <a:xfrm>
+            <a:off x="5053" y="326"/>
+            <a:ext cx="986715" cy="1405320"/>
+          </a:xfrm>
+          <a:prstGeom prst="rect">
+            <a:avLst/>
+          </a:prstGeom>
+          <a:noFill/>
+          <a:ln>
+            <a:noFill/>
+          </a:ln>
+          <a:extLst>
+            <a:ext uri="{909E8E84-426E-40DD-AFC4-6F175D3DCCD1}">
+              <a14:hiddenFill xmlns:a14="http://schemas.microsoft.com/office/drawing/2010/main">
+                <a:solidFill>
+                  <a:schemeClr val="accent1"/>
+                </a:solidFill>
+              </a14:hiddenFill>
+            </a:ext>
+            <a:ext uri="{91240B29-F687-4F45-9708-019B960494DF}">
+              <a14:hiddenLine xmlns:a14="http://schemas.microsoft.com/office/drawing/2010/main" w="9525">
+                <a:solidFill>
+                  <a:schemeClr val="tx1"/>
+                </a:solidFill>
+                <a:miter lim="800000"/>
+                <a:headEnd/>
+                <a:tailEnd/>
+              </a14:hiddenLine>
+            </a:ext>
+          </a:extLst>
+        </p:spPr>
+      </p:pic>
+    </p:spTree>
+    <p:extLst>
+      <p:ext uri="{BB962C8B-B14F-4D97-AF65-F5344CB8AC3E}">
         <p14:creationId xmlns:p14="http://schemas.microsoft.com/office/powerpoint/2010/main" val="3320155739"/>
       </p:ext>
     </p:extLst>
@@ -9568,7 +10222,7 @@
 </p:sld>
 </file>
 
-<file path=ppt/slides/slide24.xml><?xml version="1.0" encoding="utf-8"?>
+<file path=ppt/slides/slide26.xml><?xml version="1.0" encoding="utf-8"?>
 <p:sld xmlns:a="http://schemas.openxmlformats.org/drawingml/2006/main" xmlns:r="http://schemas.openxmlformats.org/officeDocument/2006/relationships" xmlns:p="http://schemas.openxmlformats.org/presentationml/2006/main">
   <p:cSld>
     <p:spTree>
@@ -9739,225 +10393,65 @@
       </p:grpSpPr>
       <p:sp>
         <p:nvSpPr>
-          <p:cNvPr id="2" name="Título 1"/>
-          <p:cNvSpPr>
-            <a:spLocks noGrp="1"/>
-          </p:cNvSpPr>
-          <p:nvPr>
-            <p:ph type="title"/>
-          </p:nvPr>
-        </p:nvSpPr>
-        <p:spPr/>
-        <p:txBody>
-          <a:bodyPr/>
-          <a:lstStyle/>
-          <a:p>
-            <a:pPr algn="ctr"/>
-            <a:r>
-              <a:rPr lang="pt-BR" dirty="0" smtClean="0"/>
-              <a:t>1.1. Visão Geral</a:t>
-            </a:r>
-            <a:endParaRPr lang="pt-BR" dirty="0"/>
-          </a:p>
-        </p:txBody>
-      </p:sp>
-      <p:sp>
-        <p:nvSpPr>
-          <p:cNvPr id="3" name="Espaço Reservado para Conteúdo 2"/>
-          <p:cNvSpPr>
-            <a:spLocks noGrp="1"/>
-          </p:cNvSpPr>
-          <p:nvPr>
-            <p:ph idx="1"/>
+          <p:cNvPr id="3" name="Subtítulo 2"/>
+          <p:cNvSpPr>
+            <a:spLocks noGrp="1"/>
+          </p:cNvSpPr>
+          <p:nvPr>
+            <p:ph type="subTitle" idx="1"/>
           </p:nvPr>
         </p:nvSpPr>
         <p:spPr>
           <a:xfrm>
-            <a:off x="1435608" y="1447800"/>
-            <a:ext cx="7498080" cy="5221560"/>
-          </a:xfrm>
-        </p:spPr>
-        <p:txBody>
-          <a:bodyPr/>
-          <a:lstStyle/>
-          <a:p>
-            <a:pPr marL="658368" lvl="2" indent="0">
-              <a:buNone/>
-            </a:pPr>
-            <a:endParaRPr lang="pt-BR" sz="2000" b="1" dirty="0"/>
-          </a:p>
-          <a:p>
-            <a:pPr marL="658368" lvl="2" indent="0">
-              <a:buNone/>
-            </a:pPr>
-            <a:r>
-              <a:rPr lang="pt-BR" sz="1600" b="1" dirty="0" smtClean="0"/>
-              <a:t>	</a:t>
-            </a:r>
-            <a:r>
-              <a:rPr lang="pt-BR" sz="2000" dirty="0" smtClean="0"/>
-              <a:t>- </a:t>
-            </a:r>
-            <a:r>
-              <a:rPr lang="pt-BR" sz="2000" dirty="0" err="1" smtClean="0"/>
-              <a:t>ARPs</a:t>
-            </a:r>
-            <a:r>
-              <a:rPr lang="pt-BR" sz="2000" dirty="0" smtClean="0"/>
-              <a:t> e Enxames de </a:t>
-            </a:r>
-            <a:r>
-              <a:rPr lang="pt-BR" sz="2000" dirty="0" err="1" smtClean="0"/>
-              <a:t>ARPs</a:t>
-            </a:r>
-            <a:r>
-              <a:rPr lang="pt-BR" sz="2000" dirty="0" smtClean="0"/>
-              <a:t> autônomos</a:t>
-            </a:r>
-          </a:p>
-          <a:p>
-            <a:pPr marL="658368" lvl="2" indent="0">
-              <a:buNone/>
-            </a:pPr>
-            <a:endParaRPr lang="pt-BR" sz="2000" dirty="0"/>
-          </a:p>
-          <a:p>
-            <a:pPr marL="658368" lvl="2" indent="0">
-              <a:buNone/>
-            </a:pPr>
-            <a:r>
-              <a:rPr lang="pt-BR" sz="2000" dirty="0" smtClean="0"/>
-              <a:t>	- Inspeção de Linhas de Transmissão (a) </a:t>
-            </a:r>
-          </a:p>
-          <a:p>
-            <a:pPr marL="402336" lvl="1" indent="0">
-              <a:buNone/>
-            </a:pPr>
-            <a:endParaRPr lang="pt-BR" sz="2000" dirty="0" smtClean="0"/>
-          </a:p>
-          <a:p>
-            <a:pPr marL="402336" lvl="1" indent="0">
-              <a:buNone/>
-            </a:pPr>
-            <a:r>
-              <a:rPr lang="pt-BR" sz="2000" dirty="0"/>
-              <a:t>	</a:t>
-            </a:r>
-            <a:r>
-              <a:rPr lang="pt-BR" sz="2000" dirty="0" smtClean="0"/>
-              <a:t>- Detecção de Pessoas (b) </a:t>
-            </a:r>
-          </a:p>
-          <a:p>
-            <a:pPr marL="402336" lvl="1" indent="0">
-              <a:buNone/>
-            </a:pPr>
-            <a:endParaRPr lang="pt-BR" sz="2000" dirty="0"/>
-          </a:p>
-          <a:p>
-            <a:pPr marL="402336" lvl="1" indent="0">
-              <a:buNone/>
-            </a:pPr>
-            <a:r>
-              <a:rPr lang="pt-BR" sz="2000" dirty="0" smtClean="0"/>
-              <a:t>	- Controle de Enxame de </a:t>
-            </a:r>
-            <a:r>
-              <a:rPr lang="pt-BR" sz="2000" dirty="0" err="1" smtClean="0"/>
-              <a:t>ARPs</a:t>
-            </a:r>
-            <a:r>
-              <a:rPr lang="pt-BR" sz="2000" dirty="0" smtClean="0"/>
-              <a:t> (a, b)</a:t>
-            </a:r>
-          </a:p>
-          <a:p>
-            <a:pPr marL="402336" lvl="1" indent="0">
-              <a:buNone/>
-            </a:pPr>
-            <a:endParaRPr lang="pt-BR" sz="2000" dirty="0"/>
-          </a:p>
-          <a:p>
-            <a:pPr marL="402336" lvl="1" indent="0">
-              <a:buNone/>
-            </a:pPr>
-            <a:r>
-              <a:rPr lang="pt-BR" sz="2000" dirty="0" smtClean="0"/>
-              <a:t>	- Inteligência de Enxames para alternar entre a e b.</a:t>
-            </a:r>
-          </a:p>
-          <a:p>
-            <a:pPr marL="402336" lvl="1" indent="0">
-              <a:buNone/>
-            </a:pPr>
-            <a:endParaRPr lang="pt-BR" dirty="0"/>
-          </a:p>
-        </p:txBody>
-      </p:sp>
-      <p:sp>
-        <p:nvSpPr>
-          <p:cNvPr id="4" name="CaixaDeTexto 3"/>
-          <p:cNvSpPr txBox="1"/>
-          <p:nvPr/>
-        </p:nvSpPr>
-        <p:spPr>
-          <a:xfrm rot="16200000">
-            <a:off x="-2077806" y="3931354"/>
-            <a:ext cx="5206954" cy="646331"/>
-          </a:xfrm>
-          <a:prstGeom prst="rect">
-            <a:avLst/>
-          </a:prstGeom>
-          <a:noFill/>
-          <a:scene3d>
-            <a:camera prst="orthographicFront">
-              <a:rot lat="0" lon="0" rev="0"/>
-            </a:camera>
-            <a:lightRig rig="threePt" dir="t"/>
-          </a:scene3d>
-        </p:spPr>
-        <p:txBody>
-          <a:bodyPr wrap="square" rtlCol="0">
-            <a:spAutoFit/>
+            <a:off x="1511638" y="5157192"/>
+            <a:ext cx="6974592" cy="1152128"/>
+          </a:xfrm>
+        </p:spPr>
+        <p:txBody>
+          <a:bodyPr>
+            <a:normAutofit/>
           </a:bodyPr>
           <a:lstStyle/>
           <a:p>
-            <a:pPr algn="ctr"/>
-            <a:r>
-              <a:rPr lang="pt-BR" sz="3600" b="1" dirty="0" smtClean="0"/>
-              <a:t>1. Introdução</a:t>
-            </a:r>
-            <a:endParaRPr lang="pt-BR" sz="3600" b="1" dirty="0"/>
-          </a:p>
-        </p:txBody>
-      </p:sp>
-      <p:sp>
-        <p:nvSpPr>
-          <p:cNvPr id="6" name="Espaço Reservado para Número de Slide 5"/>
-          <p:cNvSpPr>
-            <a:spLocks noGrp="1"/>
-          </p:cNvSpPr>
-          <p:nvPr>
-            <p:ph type="sldNum" sz="quarter" idx="12"/>
-          </p:nvPr>
-        </p:nvSpPr>
-        <p:spPr/>
-        <p:txBody>
-          <a:bodyPr/>
-          <a:lstStyle/>
-          <a:p>
-            <a:fld id="{6294C92D-0306-4E69-9CD3-20855E849650}" type="slidenum">
-              <a:rPr kumimoji="0" lang="en-US" sz="3200" smtClean="0"/>
-              <a:t>3</a:t>
-            </a:fld>
-            <a:endParaRPr kumimoji="0" lang="en-US" sz="3200" dirty="0"/>
+            <a:r>
+              <a:rPr lang="pt-BR" sz="2000" b="1" dirty="0" smtClean="0"/>
+              <a:t>             </a:t>
+            </a:r>
+            <a:r>
+              <a:rPr lang="pt-BR" sz="1600" dirty="0" smtClean="0"/>
+              <a:t>Aluno:  Wander Mendes Martins</a:t>
+            </a:r>
+          </a:p>
+          <a:p>
+            <a:r>
+              <a:rPr lang="pt-BR" sz="1600" dirty="0" smtClean="0"/>
+              <a:t>     Orientadores: </a:t>
+            </a:r>
+            <a:r>
+              <a:rPr lang="pt-BR" sz="900" dirty="0" smtClean="0"/>
+              <a:t> </a:t>
+            </a:r>
+            <a:r>
+              <a:rPr lang="pt-BR" sz="1600" dirty="0" smtClean="0"/>
+              <a:t>Prof. Dr.  Tales Cleber Pimenta </a:t>
+            </a:r>
+          </a:p>
+          <a:p>
+            <a:r>
+              <a:rPr lang="pt-BR" sz="1600" dirty="0"/>
+              <a:t>	</a:t>
+            </a:r>
+            <a:r>
+              <a:rPr lang="pt-BR" sz="1600" dirty="0" smtClean="0"/>
+              <a:t>           Prof. Dr.  Alexander Carlos Brandão Ramos</a:t>
+            </a:r>
+            <a:endParaRPr lang="pt-BR" sz="2000" dirty="0"/>
           </a:p>
         </p:txBody>
       </p:sp>
       <p:pic>
         <p:nvPicPr>
-          <p:cNvPr id="2053" name="Picture 5"/>
+          <p:cNvPr id="1026" name="Picture 2"/>
           <p:cNvPicPr>
             <a:picLocks noChangeAspect="1" noChangeArrowheads="1"/>
           </p:cNvPicPr>
@@ -9978,8 +10472,8 @@
         </p:blipFill>
         <p:spPr bwMode="auto">
           <a:xfrm>
-            <a:off x="5053" y="326"/>
-            <a:ext cx="986715" cy="1405320"/>
+            <a:off x="1043608" y="0"/>
+            <a:ext cx="4381805" cy="1196751"/>
           </a:xfrm>
           <a:prstGeom prst="rect">
             <a:avLst/>
@@ -10009,10 +10503,299 @@
           </a:extLst>
         </p:spPr>
       </p:pic>
+      <p:pic>
+        <p:nvPicPr>
+          <p:cNvPr id="1027" name="Picture 3"/>
+          <p:cNvPicPr>
+            <a:picLocks noChangeAspect="1" noChangeArrowheads="1"/>
+          </p:cNvPicPr>
+          <p:nvPr/>
+        </p:nvPicPr>
+        <p:blipFill>
+          <a:blip r:embed="rId3">
+            <a:extLst>
+              <a:ext uri="{28A0092B-C50C-407E-A947-70E740481C1C}">
+                <a14:useLocalDpi xmlns:a14="http://schemas.microsoft.com/office/drawing/2010/main" val="0"/>
+              </a:ext>
+            </a:extLst>
+          </a:blip>
+          <a:srcRect/>
+          <a:stretch>
+            <a:fillRect/>
+          </a:stretch>
+        </p:blipFill>
+        <p:spPr bwMode="auto">
+          <a:xfrm>
+            <a:off x="6710152" y="59457"/>
+            <a:ext cx="2398351" cy="1281311"/>
+          </a:xfrm>
+          <a:prstGeom prst="rect">
+            <a:avLst/>
+          </a:prstGeom>
+          <a:noFill/>
+          <a:ln>
+            <a:noFill/>
+          </a:ln>
+          <a:extLst>
+            <a:ext uri="{909E8E84-426E-40DD-AFC4-6F175D3DCCD1}">
+              <a14:hiddenFill xmlns:a14="http://schemas.microsoft.com/office/drawing/2010/main">
+                <a:solidFill>
+                  <a:schemeClr val="accent1"/>
+                </a:solidFill>
+              </a14:hiddenFill>
+            </a:ext>
+            <a:ext uri="{91240B29-F687-4F45-9708-019B960494DF}">
+              <a14:hiddenLine xmlns:a14="http://schemas.microsoft.com/office/drawing/2010/main" w="9525">
+                <a:solidFill>
+                  <a:schemeClr val="tx1"/>
+                </a:solidFill>
+                <a:miter lim="800000"/>
+                <a:headEnd/>
+                <a:tailEnd/>
+              </a14:hiddenLine>
+            </a:ext>
+          </a:extLst>
+        </p:spPr>
+      </p:pic>
+      <p:sp>
+        <p:nvSpPr>
+          <p:cNvPr id="4" name="CaixaDeTexto 3"/>
+          <p:cNvSpPr txBox="1"/>
+          <p:nvPr/>
+        </p:nvSpPr>
+        <p:spPr>
+          <a:xfrm>
+            <a:off x="1119661" y="6505599"/>
+            <a:ext cx="6480720" cy="307777"/>
+          </a:xfrm>
+          <a:prstGeom prst="rect">
+            <a:avLst/>
+          </a:prstGeom>
+          <a:noFill/>
+        </p:spPr>
+        <p:txBody>
+          <a:bodyPr wrap="square" rtlCol="0">
+            <a:spAutoFit/>
+          </a:bodyPr>
+          <a:lstStyle/>
+          <a:p>
+            <a:r>
+              <a:rPr lang="pt-BR" sz="1400" b="1" dirty="0" smtClean="0"/>
+              <a:t>Itajubá, MG, 15 de dezembro de 2022</a:t>
+            </a:r>
+            <a:endParaRPr lang="pt-BR" sz="1400" b="1" dirty="0"/>
+          </a:p>
+        </p:txBody>
+      </p:sp>
+      <p:sp>
+        <p:nvSpPr>
+          <p:cNvPr id="5" name="Retângulo 4"/>
+          <p:cNvSpPr/>
+          <p:nvPr/>
+        </p:nvSpPr>
+        <p:spPr>
+          <a:xfrm>
+            <a:off x="1232458" y="2852936"/>
+            <a:ext cx="7488832" cy="1477328"/>
+          </a:xfrm>
+          <a:prstGeom prst="rect">
+            <a:avLst/>
+          </a:prstGeom>
+        </p:spPr>
+        <p:txBody>
+          <a:bodyPr wrap="square">
+            <a:spAutoFit/>
+          </a:bodyPr>
+          <a:lstStyle/>
+          <a:p>
+            <a:pPr algn="ctr"/>
+            <a:r>
+              <a:rPr lang="pt-BR" b="1" dirty="0" smtClean="0"/>
+              <a:t>DESENVOLVIMENTO DE UM </a:t>
+            </a:r>
+            <a:r>
+              <a:rPr lang="pt-BR" b="1" dirty="0"/>
+              <a:t>SISTEMA DE SOFTWARE </a:t>
+            </a:r>
+            <a:endParaRPr lang="pt-BR" b="1" dirty="0" smtClean="0"/>
+          </a:p>
+          <a:p>
+            <a:pPr algn="ctr"/>
+            <a:r>
+              <a:rPr lang="pt-BR" b="1" dirty="0" smtClean="0"/>
+              <a:t>PARA</a:t>
+            </a:r>
+            <a:r>
+              <a:rPr lang="pt-BR" b="1" dirty="0"/>
+              <a:t/>
+            </a:r>
+            <a:br>
+              <a:rPr lang="pt-BR" b="1" dirty="0"/>
+            </a:br>
+            <a:r>
+              <a:rPr lang="pt-BR" b="1" dirty="0"/>
+              <a:t>AJUSTE DE TRAJETÓRIAS EM UM ENXAME DE DRONES </a:t>
+            </a:r>
+            <a:endParaRPr lang="pt-BR" b="1" dirty="0" smtClean="0"/>
+          </a:p>
+          <a:p>
+            <a:pPr algn="ctr"/>
+            <a:r>
+              <a:rPr lang="pt-BR" b="1" dirty="0" smtClean="0"/>
+              <a:t>EM</a:t>
+            </a:r>
+            <a:r>
+              <a:rPr lang="pt-BR" b="1" dirty="0"/>
+              <a:t/>
+            </a:r>
+            <a:br>
+              <a:rPr lang="pt-BR" b="1" dirty="0"/>
+            </a:br>
+            <a:r>
+              <a:rPr lang="pt-BR" b="1" dirty="0"/>
+              <a:t>OPERAÇÕES COOPERATIVAS</a:t>
+            </a:r>
+            <a:endParaRPr lang="pt-BR" dirty="0"/>
+          </a:p>
+        </p:txBody>
+      </p:sp>
+      <p:sp>
+        <p:nvSpPr>
+          <p:cNvPr id="7" name="Retângulo 6"/>
+          <p:cNvSpPr/>
+          <p:nvPr/>
+        </p:nvSpPr>
+        <p:spPr>
+          <a:xfrm>
+            <a:off x="1232458" y="1487132"/>
+            <a:ext cx="7686662" cy="784830"/>
+          </a:xfrm>
+          <a:prstGeom prst="rect">
+            <a:avLst/>
+          </a:prstGeom>
+        </p:spPr>
+        <p:txBody>
+          <a:bodyPr wrap="square">
+            <a:spAutoFit/>
+          </a:bodyPr>
+          <a:lstStyle/>
+          <a:p>
+            <a:pPr algn="ctr"/>
+            <a:r>
+              <a:rPr lang="pt-BR" b="1" dirty="0"/>
+              <a:t>PPG-EEL - Programa de Pós-graduação em Engenharia </a:t>
+            </a:r>
+            <a:r>
+              <a:rPr lang="pt-BR" b="1" dirty="0" smtClean="0"/>
+              <a:t>Elétrica</a:t>
+            </a:r>
+          </a:p>
+          <a:p>
+            <a:pPr algn="ctr">
+              <a:lnSpc>
+                <a:spcPct val="150000"/>
+              </a:lnSpc>
+            </a:pPr>
+            <a:r>
+              <a:rPr lang="pt-BR" b="1" i="1" dirty="0" smtClean="0"/>
+              <a:t>Exame de Qualificação de Tese de Doutorado</a:t>
+            </a:r>
+            <a:endParaRPr lang="pt-BR" b="1" i="1" dirty="0"/>
+          </a:p>
+        </p:txBody>
+      </p:sp>
+      <p:cxnSp>
+        <p:nvCxnSpPr>
+          <p:cNvPr id="9" name="Conector reto 8"/>
+          <p:cNvCxnSpPr/>
+          <p:nvPr/>
+        </p:nvCxnSpPr>
+        <p:spPr>
+          <a:xfrm>
+            <a:off x="1331640" y="2348880"/>
+            <a:ext cx="7389650" cy="0"/>
+          </a:xfrm>
+          <a:prstGeom prst="line">
+            <a:avLst/>
+          </a:prstGeom>
+        </p:spPr>
+        <p:style>
+          <a:lnRef idx="1">
+            <a:schemeClr val="accent1"/>
+          </a:lnRef>
+          <a:fillRef idx="0">
+            <a:schemeClr val="accent1"/>
+          </a:fillRef>
+          <a:effectRef idx="0">
+            <a:schemeClr val="accent1"/>
+          </a:effectRef>
+          <a:fontRef idx="minor">
+            <a:schemeClr val="tx1"/>
+          </a:fontRef>
+        </p:style>
+      </p:cxnSp>
+      <p:cxnSp>
+        <p:nvCxnSpPr>
+          <p:cNvPr id="12" name="Conector reto 11"/>
+          <p:cNvCxnSpPr/>
+          <p:nvPr/>
+        </p:nvCxnSpPr>
+        <p:spPr>
+          <a:xfrm>
+            <a:off x="1331640" y="4797152"/>
+            <a:ext cx="7389650" cy="0"/>
+          </a:xfrm>
+          <a:prstGeom prst="line">
+            <a:avLst/>
+          </a:prstGeom>
+        </p:spPr>
+        <p:style>
+          <a:lnRef idx="1">
+            <a:schemeClr val="accent1"/>
+          </a:lnRef>
+          <a:fillRef idx="0">
+            <a:schemeClr val="accent1"/>
+          </a:fillRef>
+          <a:effectRef idx="0">
+            <a:schemeClr val="accent1"/>
+          </a:effectRef>
+          <a:fontRef idx="minor">
+            <a:schemeClr val="tx1"/>
+          </a:fontRef>
+        </p:style>
+      </p:cxnSp>
+      <p:sp>
+        <p:nvSpPr>
+          <p:cNvPr id="10" name="Espaço Reservado para Número de Slide 5"/>
+          <p:cNvSpPr>
+            <a:spLocks noGrp="1"/>
+          </p:cNvSpPr>
+          <p:nvPr>
+            <p:ph type="sldNum" sz="quarter" idx="12"/>
+          </p:nvPr>
+        </p:nvSpPr>
+        <p:spPr>
+          <a:xfrm>
+            <a:off x="8613648" y="6305550"/>
+            <a:ext cx="457200" cy="476250"/>
+          </a:xfrm>
+        </p:spPr>
+        <p:txBody>
+          <a:bodyPr/>
+          <a:lstStyle/>
+          <a:p>
+            <a:fld id="{6294C92D-0306-4E69-9CD3-20855E849650}" type="slidenum">
+              <a:rPr kumimoji="0" lang="en-US" sz="3200" smtClean="0"/>
+              <a:t>3</a:t>
+            </a:fld>
+            <a:endParaRPr kumimoji="0" lang="en-US" sz="3200" dirty="0"/>
+          </a:p>
+        </p:txBody>
+      </p:sp>
     </p:spTree>
     <p:extLst>
       <p:ext uri="{BB962C8B-B14F-4D97-AF65-F5344CB8AC3E}">
-        <p14:creationId xmlns:p14="http://schemas.microsoft.com/office/powerpoint/2010/main" val="3366680365"/>
+        <p14:creationId xmlns:p14="http://schemas.microsoft.com/office/powerpoint/2010/main" val="2372972913"/>
       </p:ext>
     </p:extLst>
   </p:cSld>
@@ -10064,7 +10847,7 @@
             <a:pPr algn="ctr"/>
             <a:r>
               <a:rPr lang="pt-BR" dirty="0" smtClean="0"/>
-              <a:t>1.2 Descrição do Problema</a:t>
+              <a:t>Apresentação</a:t>
             </a:r>
             <a:endParaRPr lang="pt-BR" dirty="0"/>
           </a:p>
@@ -10089,6 +10872,127 @@
         <p:txBody>
           <a:bodyPr/>
           <a:lstStyle/>
+          <a:p>
+            <a:pPr marL="539496" indent="-457200">
+              <a:buFont typeface="+mj-lt"/>
+              <a:buAutoNum type="arabicPeriod"/>
+            </a:pPr>
+            <a:r>
+              <a:rPr lang="pt-BR" sz="2400" dirty="0" smtClean="0"/>
+              <a:t>Introdução</a:t>
+            </a:r>
+          </a:p>
+          <a:p>
+            <a:pPr marL="402336" lvl="1" indent="0">
+              <a:buNone/>
+            </a:pPr>
+            <a:r>
+              <a:rPr lang="pt-BR" sz="2000" dirty="0" smtClean="0"/>
+              <a:t>1.1. Visão Geral</a:t>
+            </a:r>
+          </a:p>
+          <a:p>
+            <a:pPr marL="402336" lvl="1" indent="0">
+              <a:buNone/>
+            </a:pPr>
+            <a:r>
+              <a:rPr lang="pt-BR" sz="2000" dirty="0" smtClean="0"/>
+              <a:t>1.2. Descrição do Problema</a:t>
+            </a:r>
+          </a:p>
+          <a:p>
+            <a:pPr marL="402336" lvl="1" indent="0">
+              <a:buNone/>
+            </a:pPr>
+            <a:r>
+              <a:rPr lang="pt-BR" sz="2000" dirty="0" smtClean="0"/>
+              <a:t>1.3. Hipótese</a:t>
+            </a:r>
+          </a:p>
+          <a:p>
+            <a:pPr marL="402336" lvl="1" indent="0">
+              <a:buNone/>
+            </a:pPr>
+            <a:r>
+              <a:rPr lang="pt-BR" sz="2000" dirty="0" smtClean="0"/>
+              <a:t>1.4. Questões de Pesquisa</a:t>
+            </a:r>
+          </a:p>
+          <a:p>
+            <a:pPr marL="402336" lvl="1" indent="0">
+              <a:buNone/>
+            </a:pPr>
+            <a:r>
+              <a:rPr lang="pt-BR" sz="2000" dirty="0" smtClean="0"/>
+              <a:t>1.5 Trabalhos Relacionados</a:t>
+            </a:r>
+          </a:p>
+          <a:p>
+            <a:pPr marL="402336" lvl="1" indent="0">
+              <a:buNone/>
+            </a:pPr>
+            <a:r>
+              <a:rPr lang="pt-BR" sz="2000" dirty="0" smtClean="0"/>
+              <a:t>1.6. Objetivo da Tese e Contribuição</a:t>
+            </a:r>
+          </a:p>
+          <a:p>
+            <a:pPr marL="539496" indent="-457200">
+              <a:buFont typeface="+mj-lt"/>
+              <a:buAutoNum type="arabicPeriod"/>
+            </a:pPr>
+            <a:r>
+              <a:rPr lang="pt-BR" sz="2400" dirty="0" smtClean="0"/>
+              <a:t>Proposta</a:t>
+            </a:r>
+          </a:p>
+          <a:p>
+            <a:pPr marL="402336" lvl="1" indent="0">
+              <a:buNone/>
+            </a:pPr>
+            <a:r>
+              <a:rPr lang="pt-BR" sz="2000" dirty="0" smtClean="0"/>
+              <a:t>2.1. Arquitetura</a:t>
+            </a:r>
+          </a:p>
+          <a:p>
+            <a:pPr marL="402336" lvl="1" indent="0">
+              <a:buNone/>
+            </a:pPr>
+            <a:r>
+              <a:rPr lang="pt-BR" sz="2000" dirty="0" smtClean="0"/>
+              <a:t>2.2. Módulos: Propostos e Implementados</a:t>
+            </a:r>
+          </a:p>
+          <a:p>
+            <a:pPr marL="539496" indent="-457200">
+              <a:buFont typeface="+mj-lt"/>
+              <a:buAutoNum type="arabicPeriod"/>
+            </a:pPr>
+            <a:r>
+              <a:rPr lang="pt-BR" sz="2400" dirty="0" smtClean="0"/>
+              <a:t>Ações Realizadas e Futuras</a:t>
+            </a:r>
+          </a:p>
+          <a:p>
+            <a:pPr marL="539496" indent="-457200">
+              <a:buFont typeface="+mj-lt"/>
+              <a:buAutoNum type="arabicPeriod"/>
+            </a:pPr>
+            <a:r>
+              <a:rPr lang="pt-BR" sz="2400" dirty="0" smtClean="0"/>
+              <a:t>Considerações Finais</a:t>
+            </a:r>
+            <a:endParaRPr lang="pt-BR" sz="2400" dirty="0"/>
+          </a:p>
+          <a:p>
+            <a:pPr lvl="1"/>
+            <a:endParaRPr lang="pt-BR" sz="2000" dirty="0" smtClean="0"/>
+          </a:p>
+          <a:p>
+            <a:pPr lvl="1"/>
+            <a:endParaRPr lang="pt-BR" sz="2000" dirty="0" smtClean="0"/>
+          </a:p>
           <a:p>
             <a:endParaRPr lang="pt-BR" dirty="0" smtClean="0"/>
           </a:p>
@@ -10125,7 +11029,7 @@
             <a:pPr algn="ctr"/>
             <a:r>
               <a:rPr lang="pt-BR" sz="3600" b="1" dirty="0" smtClean="0"/>
-              <a:t>1. Introdução</a:t>
+              <a:t>Exame de Qualificação</a:t>
             </a:r>
             <a:endParaRPr lang="pt-BR" sz="3600" b="1" dirty="0"/>
           </a:p>
@@ -10208,64 +11112,10 @@
           </a:extLst>
         </p:spPr>
       </p:pic>
-      <p:pic>
-        <p:nvPicPr>
-          <p:cNvPr id="3074" name="Picture 2"/>
-          <p:cNvPicPr>
-            <a:picLocks noChangeAspect="1" noChangeArrowheads="1"/>
-          </p:cNvPicPr>
-          <p:nvPr/>
-        </p:nvPicPr>
-        <p:blipFill>
-          <a:blip r:embed="rId3">
-            <a:extLst>
-              <a:ext uri="{28A0092B-C50C-407E-A947-70E740481C1C}">
-                <a14:useLocalDpi xmlns:a14="http://schemas.microsoft.com/office/drawing/2010/main" val="0"/>
-              </a:ext>
-            </a:extLst>
-          </a:blip>
-          <a:srcRect/>
-          <a:stretch>
-            <a:fillRect/>
-          </a:stretch>
-        </p:blipFill>
-        <p:spPr bwMode="auto">
-          <a:xfrm>
-            <a:off x="1691679" y="2060848"/>
-            <a:ext cx="6808843" cy="3672408"/>
-          </a:xfrm>
-          <a:prstGeom prst="rect">
-            <a:avLst/>
-          </a:prstGeom>
-          <a:noFill/>
-          <a:ln>
-            <a:noFill/>
-          </a:ln>
-          <a:extLst>
-            <a:ext uri="{909E8E84-426E-40DD-AFC4-6F175D3DCCD1}">
-              <a14:hiddenFill xmlns:a14="http://schemas.microsoft.com/office/drawing/2010/main">
-                <a:solidFill>
-                  <a:schemeClr val="accent1"/>
-                </a:solidFill>
-              </a14:hiddenFill>
-            </a:ext>
-            <a:ext uri="{91240B29-F687-4F45-9708-019B960494DF}">
-              <a14:hiddenLine xmlns:a14="http://schemas.microsoft.com/office/drawing/2010/main" w="9525">
-                <a:solidFill>
-                  <a:schemeClr val="tx1"/>
-                </a:solidFill>
-                <a:miter lim="800000"/>
-                <a:headEnd/>
-                <a:tailEnd/>
-              </a14:hiddenLine>
-            </a:ext>
-          </a:extLst>
-        </p:spPr>
-      </p:pic>
     </p:spTree>
     <p:extLst>
       <p:ext uri="{BB962C8B-B14F-4D97-AF65-F5344CB8AC3E}">
-        <p14:creationId xmlns:p14="http://schemas.microsoft.com/office/powerpoint/2010/main" val="3600167067"/>
+        <p14:creationId xmlns:p14="http://schemas.microsoft.com/office/powerpoint/2010/main" val="909559785"/>
       </p:ext>
     </p:extLst>
   </p:cSld>
@@ -10317,7 +11167,7 @@
             <a:pPr algn="ctr"/>
             <a:r>
               <a:rPr lang="pt-BR" dirty="0" smtClean="0"/>
-              <a:t>1.3 Hipótese</a:t>
+              <a:t>1.1. Visão Geral</a:t>
             </a:r>
             <a:endParaRPr lang="pt-BR" dirty="0"/>
           </a:p>
@@ -10343,24 +11193,132 @@
           <a:bodyPr/>
           <a:lstStyle/>
           <a:p>
-            <a:pPr lvl="1"/>
+            <a:pPr marL="658368" lvl="2" indent="0">
+              <a:buNone/>
+            </a:pPr>
+            <a:endParaRPr lang="pt-BR" sz="2000" b="1" dirty="0"/>
+          </a:p>
+          <a:p>
+            <a:pPr marL="658368" lvl="2" indent="0">
+              <a:buNone/>
+            </a:pPr>
+            <a:r>
+              <a:rPr lang="pt-BR" sz="1600" b="1" dirty="0" smtClean="0"/>
+              <a:t>	</a:t>
+            </a:r>
+            <a:r>
+              <a:rPr lang="pt-BR" sz="2000" dirty="0" smtClean="0"/>
+              <a:t>-  Justificativa </a:t>
+            </a:r>
+          </a:p>
+          <a:p>
+            <a:pPr marL="658368" lvl="2" indent="0">
+              <a:buNone/>
+            </a:pPr>
+            <a:endParaRPr lang="pt-BR" sz="2000" dirty="0"/>
+          </a:p>
+          <a:p>
+            <a:pPr marL="658368" lvl="2" indent="0">
+              <a:buNone/>
+            </a:pPr>
+            <a:r>
+              <a:rPr lang="pt-BR" sz="2000" dirty="0" smtClean="0"/>
+              <a:t>	- </a:t>
+            </a:r>
+            <a:r>
+              <a:rPr lang="pt-BR" sz="2000" dirty="0" err="1" smtClean="0"/>
+              <a:t>ARPs</a:t>
+            </a:r>
+            <a:r>
+              <a:rPr lang="pt-BR" sz="2000" dirty="0" smtClean="0"/>
+              <a:t> e Enxames de </a:t>
+            </a:r>
+            <a:r>
+              <a:rPr lang="pt-BR" sz="2000" dirty="0" err="1" smtClean="0"/>
+              <a:t>ARPs</a:t>
+            </a:r>
+            <a:r>
+              <a:rPr lang="pt-BR" sz="2000" dirty="0" smtClean="0"/>
+              <a:t> autônomos (multimissões)</a:t>
+            </a:r>
+          </a:p>
+          <a:p>
+            <a:pPr marL="658368" lvl="2" indent="0">
+              <a:buNone/>
+            </a:pPr>
+            <a:endParaRPr lang="pt-BR" sz="2000" dirty="0"/>
+          </a:p>
+          <a:p>
+            <a:pPr marL="658368" lvl="2" indent="0">
+              <a:buNone/>
+            </a:pPr>
+            <a:r>
+              <a:rPr lang="pt-BR" sz="2000" dirty="0" smtClean="0"/>
+              <a:t>	- Inspeção de Linhas de Transmissão (a) </a:t>
+            </a:r>
+          </a:p>
+          <a:p>
+            <a:pPr marL="402336" lvl="1" indent="0">
+              <a:buNone/>
+            </a:pPr>
             <a:endParaRPr lang="pt-BR" sz="2000" dirty="0" smtClean="0"/>
           </a:p>
           <a:p>
-            <a:pPr marL="658368" lvl="2" indent="0">
-              <a:buNone/>
-            </a:pPr>
-            <a:r>
-              <a:rPr lang="pt-BR" dirty="0" smtClean="0"/>
-              <a:t>Possibilidade de se controlar enxames com múltiplas missões mantendo eficiências.</a:t>
-            </a:r>
-          </a:p>
-          <a:p>
-            <a:pPr lvl="1"/>
-            <a:endParaRPr lang="pt-BR" sz="2000" dirty="0" smtClean="0"/>
-          </a:p>
-          <a:p>
-            <a:endParaRPr lang="pt-BR" dirty="0" smtClean="0"/>
+            <a:pPr marL="402336" lvl="1" indent="0">
+              <a:buNone/>
+            </a:pPr>
+            <a:r>
+              <a:rPr lang="pt-BR" sz="2000" dirty="0"/>
+              <a:t>	</a:t>
+            </a:r>
+            <a:r>
+              <a:rPr lang="pt-BR" sz="2000" dirty="0" smtClean="0"/>
+              <a:t>- Detecção de Presença de Pessoas (b) </a:t>
+            </a:r>
+          </a:p>
+          <a:p>
+            <a:pPr marL="402336" lvl="1" indent="0">
+              <a:buNone/>
+            </a:pPr>
+            <a:endParaRPr lang="pt-BR" sz="2000" dirty="0"/>
+          </a:p>
+          <a:p>
+            <a:pPr marL="402336" lvl="1" indent="0">
+              <a:buNone/>
+            </a:pPr>
+            <a:r>
+              <a:rPr lang="pt-BR" sz="2000" dirty="0" smtClean="0"/>
+              <a:t>	- Controle de Enxame de </a:t>
+            </a:r>
+            <a:r>
+              <a:rPr lang="pt-BR" sz="2000" dirty="0" err="1" smtClean="0"/>
+              <a:t>ARPs</a:t>
+            </a:r>
+            <a:r>
+              <a:rPr lang="pt-BR" sz="2000" dirty="0" smtClean="0"/>
+              <a:t> (a, b)</a:t>
+            </a:r>
+          </a:p>
+          <a:p>
+            <a:pPr marL="402336" lvl="1" indent="0">
+              <a:buNone/>
+            </a:pPr>
+            <a:endParaRPr lang="pt-BR" sz="2000" dirty="0"/>
+          </a:p>
+          <a:p>
+            <a:pPr marL="402336" lvl="1" indent="0">
+              <a:buNone/>
+            </a:pPr>
+            <a:r>
+              <a:rPr lang="pt-BR" sz="2000" dirty="0" smtClean="0"/>
+              <a:t>	- Inteligência de Enxames para alternar entre a e b.</a:t>
+            </a:r>
+          </a:p>
+          <a:p>
+            <a:pPr marL="402336" lvl="1" indent="0">
+              <a:buNone/>
+            </a:pPr>
+            <a:endParaRPr lang="pt-BR" dirty="0"/>
           </a:p>
         </p:txBody>
       </p:sp>
@@ -10478,64 +11436,10 @@
           </a:extLst>
         </p:spPr>
       </p:pic>
-      <p:pic>
-        <p:nvPicPr>
-          <p:cNvPr id="7" name="Picture 2"/>
-          <p:cNvPicPr>
-            <a:picLocks noChangeAspect="1" noChangeArrowheads="1"/>
-          </p:cNvPicPr>
-          <p:nvPr/>
-        </p:nvPicPr>
-        <p:blipFill>
-          <a:blip r:embed="rId3">
-            <a:extLst>
-              <a:ext uri="{28A0092B-C50C-407E-A947-70E740481C1C}">
-                <a14:useLocalDpi xmlns:a14="http://schemas.microsoft.com/office/drawing/2010/main" val="0"/>
-              </a:ext>
-            </a:extLst>
-          </a:blip>
-          <a:srcRect/>
-          <a:stretch>
-            <a:fillRect/>
-          </a:stretch>
-        </p:blipFill>
-        <p:spPr bwMode="auto">
-          <a:xfrm>
-            <a:off x="2843808" y="3717032"/>
-            <a:ext cx="3693124" cy="1991918"/>
-          </a:xfrm>
-          <a:prstGeom prst="rect">
-            <a:avLst/>
-          </a:prstGeom>
-          <a:noFill/>
-          <a:ln>
-            <a:noFill/>
-          </a:ln>
-          <a:extLst>
-            <a:ext uri="{909E8E84-426E-40DD-AFC4-6F175D3DCCD1}">
-              <a14:hiddenFill xmlns:a14="http://schemas.microsoft.com/office/drawing/2010/main">
-                <a:solidFill>
-                  <a:schemeClr val="accent1"/>
-                </a:solidFill>
-              </a14:hiddenFill>
-            </a:ext>
-            <a:ext uri="{91240B29-F687-4F45-9708-019B960494DF}">
-              <a14:hiddenLine xmlns:a14="http://schemas.microsoft.com/office/drawing/2010/main" w="9525">
-                <a:solidFill>
-                  <a:schemeClr val="tx1"/>
-                </a:solidFill>
-                <a:miter lim="800000"/>
-                <a:headEnd/>
-                <a:tailEnd/>
-              </a14:hiddenLine>
-            </a:ext>
-          </a:extLst>
-        </p:spPr>
-      </p:pic>
     </p:spTree>
     <p:extLst>
       <p:ext uri="{BB962C8B-B14F-4D97-AF65-F5344CB8AC3E}">
-        <p14:creationId xmlns:p14="http://schemas.microsoft.com/office/powerpoint/2010/main" val="2202379289"/>
+        <p14:creationId xmlns:p14="http://schemas.microsoft.com/office/powerpoint/2010/main" val="3366680365"/>
       </p:ext>
     </p:extLst>
   </p:cSld>
@@ -10581,15 +11485,13 @@
         </p:nvSpPr>
         <p:spPr/>
         <p:txBody>
-          <a:bodyPr>
-            <a:normAutofit/>
-          </a:bodyPr>
+          <a:bodyPr/>
           <a:lstStyle/>
           <a:p>
             <a:pPr algn="ctr"/>
             <a:r>
               <a:rPr lang="pt-BR" dirty="0" smtClean="0"/>
-              <a:t>1.4. Questões de Pesquisa</a:t>
+              <a:t>1.2 Descrição do Problema</a:t>
             </a:r>
             <a:endParaRPr lang="pt-BR" dirty="0"/>
           </a:p>
@@ -10615,90 +11517,77 @@
           <a:bodyPr/>
           <a:lstStyle/>
           <a:p>
-            <a:pPr marL="402336" lvl="1" indent="0">
-              <a:buNone/>
-            </a:pPr>
-            <a:endParaRPr lang="pt-BR" sz="2000" b="1" dirty="0" smtClean="0"/>
-          </a:p>
-          <a:p>
-            <a:pPr marL="402336" lvl="1" indent="0">
-              <a:buNone/>
-            </a:pPr>
-            <a:endParaRPr lang="pt-BR" sz="2000" b="1" dirty="0"/>
-          </a:p>
-          <a:p>
-            <a:pPr marL="402336" lvl="1" indent="0">
-              <a:buNone/>
-            </a:pPr>
-            <a:r>
-              <a:rPr lang="pt-BR" sz="2400" dirty="0"/>
-              <a:t>#</a:t>
-            </a:r>
-            <a:r>
-              <a:rPr lang="pt-BR" sz="2400" dirty="0" smtClean="0"/>
-              <a:t>Q1: Inclusão de </a:t>
-            </a:r>
-            <a:r>
-              <a:rPr lang="pt-BR" sz="2400" dirty="0" err="1" smtClean="0"/>
-              <a:t>iae</a:t>
-            </a:r>
-            <a:r>
-              <a:rPr lang="pt-BR" sz="2400" dirty="0" smtClean="0"/>
-              <a:t> em uma </a:t>
-            </a:r>
-            <a:r>
-              <a:rPr lang="pt-BR" sz="2400" dirty="0" err="1" smtClean="0"/>
-              <a:t>Ipe</a:t>
-            </a:r>
-            <a:r>
-              <a:rPr lang="pt-BR" sz="2400" dirty="0" smtClean="0"/>
-              <a:t> de baixo custo?</a:t>
-            </a:r>
-          </a:p>
-          <a:p>
-            <a:pPr marL="402336" lvl="1" indent="0">
-              <a:buNone/>
-            </a:pPr>
-            <a:endParaRPr lang="pt-BR" sz="2400" b="1" dirty="0"/>
-          </a:p>
-          <a:p>
-            <a:pPr marL="402336" lvl="1" indent="0">
-              <a:buNone/>
-            </a:pPr>
-            <a:r>
-              <a:rPr lang="pt-BR" sz="2400" dirty="0"/>
-              <a:t>#</a:t>
-            </a:r>
-            <a:r>
-              <a:rPr lang="pt-BR" sz="2400" dirty="0" smtClean="0"/>
-              <a:t>Q2: IE decidir e alternar missões?</a:t>
-            </a:r>
-          </a:p>
-          <a:p>
-            <a:pPr marL="402336" lvl="1" indent="0">
-              <a:buNone/>
-            </a:pPr>
-            <a:endParaRPr lang="pt-BR" sz="2400" b="1" dirty="0"/>
-          </a:p>
-          <a:p>
-            <a:pPr marL="402336" lvl="1" indent="0">
-              <a:buNone/>
-            </a:pPr>
-            <a:r>
-              <a:rPr lang="pt-BR" sz="2400" dirty="0" smtClean="0"/>
-              <a:t>#Q3: Impactos?</a:t>
-            </a:r>
-          </a:p>
-          <a:p>
-            <a:pPr lvl="1"/>
-            <a:endParaRPr lang="pt-BR" sz="2400" dirty="0" smtClean="0"/>
-          </a:p>
-          <a:p>
-            <a:pPr lvl="1"/>
-            <a:endParaRPr lang="pt-BR" sz="2000" dirty="0" smtClean="0"/>
-          </a:p>
-          <a:p>
             <a:endParaRPr lang="pt-BR" dirty="0" smtClean="0"/>
+          </a:p>
+          <a:p>
+            <a:endParaRPr lang="pt-BR" dirty="0"/>
+          </a:p>
+          <a:p>
+            <a:endParaRPr lang="pt-BR" dirty="0" smtClean="0"/>
+          </a:p>
+          <a:p>
+            <a:endParaRPr lang="pt-BR" dirty="0"/>
+          </a:p>
+          <a:p>
+            <a:endParaRPr lang="pt-BR" dirty="0" smtClean="0"/>
+          </a:p>
+          <a:p>
+            <a:endParaRPr lang="pt-BR" dirty="0"/>
+          </a:p>
+          <a:p>
+            <a:endParaRPr lang="pt-BR" dirty="0" smtClean="0"/>
+          </a:p>
+          <a:p>
+            <a:endParaRPr lang="pt-BR" dirty="0"/>
+          </a:p>
+          <a:p>
+            <a:pPr marL="82296" indent="0" algn="ctr">
+              <a:buNone/>
+            </a:pPr>
+            <a:r>
+              <a:rPr lang="pt-BR" dirty="0" smtClean="0">
+                <a:solidFill>
+                  <a:srgbClr val="0070C0"/>
+                </a:solidFill>
+              </a:rPr>
+              <a:t>Principal</a:t>
+            </a:r>
+            <a:r>
+              <a:rPr lang="pt-BR" dirty="0" smtClean="0"/>
+              <a:t> + </a:t>
+            </a:r>
+            <a:r>
+              <a:rPr lang="pt-BR" dirty="0" smtClean="0">
+                <a:solidFill>
+                  <a:srgbClr val="00B050"/>
+                </a:solidFill>
+              </a:rPr>
+              <a:t>alternativa</a:t>
+            </a:r>
+            <a:r>
+              <a:rPr lang="pt-BR" dirty="0" smtClean="0"/>
+              <a:t> </a:t>
+            </a:r>
+            <a:r>
+              <a:rPr lang="pt-BR" dirty="0" smtClean="0">
+                <a:sym typeface="Wingdings" panose="05000000000000000000" pitchFamily="2" charset="2"/>
+              </a:rPr>
+              <a:t> </a:t>
+            </a:r>
+            <a:r>
+              <a:rPr lang="pt-BR" dirty="0" smtClean="0">
+                <a:solidFill>
+                  <a:srgbClr val="FF0000"/>
+                </a:solidFill>
+                <a:sym typeface="Wingdings" panose="05000000000000000000" pitchFamily="2" charset="2"/>
+              </a:rPr>
+              <a:t>Combinada</a:t>
+            </a:r>
+            <a:endParaRPr lang="pt-BR" dirty="0" smtClean="0">
+              <a:solidFill>
+                <a:srgbClr val="FF0000"/>
+              </a:solidFill>
+            </a:endParaRPr>
           </a:p>
         </p:txBody>
       </p:sp>
@@ -10816,10 +11705,64 @@
           </a:extLst>
         </p:spPr>
       </p:pic>
+      <p:pic>
+        <p:nvPicPr>
+          <p:cNvPr id="3074" name="Picture 2"/>
+          <p:cNvPicPr>
+            <a:picLocks noChangeAspect="1" noChangeArrowheads="1"/>
+          </p:cNvPicPr>
+          <p:nvPr/>
+        </p:nvPicPr>
+        <p:blipFill>
+          <a:blip r:embed="rId3">
+            <a:extLst>
+              <a:ext uri="{28A0092B-C50C-407E-A947-70E740481C1C}">
+                <a14:useLocalDpi xmlns:a14="http://schemas.microsoft.com/office/drawing/2010/main" val="0"/>
+              </a:ext>
+            </a:extLst>
+          </a:blip>
+          <a:srcRect/>
+          <a:stretch>
+            <a:fillRect/>
+          </a:stretch>
+        </p:blipFill>
+        <p:spPr bwMode="auto">
+          <a:xfrm>
+            <a:off x="1675445" y="1641379"/>
+            <a:ext cx="6808843" cy="3672408"/>
+          </a:xfrm>
+          <a:prstGeom prst="rect">
+            <a:avLst/>
+          </a:prstGeom>
+          <a:noFill/>
+          <a:ln>
+            <a:noFill/>
+          </a:ln>
+          <a:extLst>
+            <a:ext uri="{909E8E84-426E-40DD-AFC4-6F175D3DCCD1}">
+              <a14:hiddenFill xmlns:a14="http://schemas.microsoft.com/office/drawing/2010/main">
+                <a:solidFill>
+                  <a:schemeClr val="accent1"/>
+                </a:solidFill>
+              </a14:hiddenFill>
+            </a:ext>
+            <a:ext uri="{91240B29-F687-4F45-9708-019B960494DF}">
+              <a14:hiddenLine xmlns:a14="http://schemas.microsoft.com/office/drawing/2010/main" w="9525">
+                <a:solidFill>
+                  <a:schemeClr val="tx1"/>
+                </a:solidFill>
+                <a:miter lim="800000"/>
+                <a:headEnd/>
+                <a:tailEnd/>
+              </a14:hiddenLine>
+            </a:ext>
+          </a:extLst>
+        </p:spPr>
+      </p:pic>
     </p:spTree>
     <p:extLst>
       <p:ext uri="{BB962C8B-B14F-4D97-AF65-F5344CB8AC3E}">
-        <p14:creationId xmlns:p14="http://schemas.microsoft.com/office/powerpoint/2010/main" val="3447846538"/>
+        <p14:creationId xmlns:p14="http://schemas.microsoft.com/office/powerpoint/2010/main" val="3600167067"/>
       </p:ext>
     </p:extLst>
   </p:cSld>
@@ -10871,7 +11814,7 @@
             <a:pPr algn="ctr"/>
             <a:r>
               <a:rPr lang="pt-BR" dirty="0" smtClean="0"/>
-              <a:t>1.5. Trabalhos Relacionados</a:t>
+              <a:t>1.3 Hipótese</a:t>
             </a:r>
             <a:endParaRPr lang="pt-BR" dirty="0"/>
           </a:p>
@@ -10889,8 +11832,8 @@
         </p:nvSpPr>
         <p:spPr>
           <a:xfrm>
-            <a:off x="991768" y="1447800"/>
-            <a:ext cx="8044728" cy="5221560"/>
+            <a:off x="1435608" y="1447800"/>
+            <a:ext cx="7498080" cy="5221560"/>
           </a:xfrm>
         </p:spPr>
         <p:txBody>
@@ -10901,65 +11844,33 @@
             <a:endParaRPr lang="pt-BR" sz="2000" dirty="0" smtClean="0"/>
           </a:p>
           <a:p>
-            <a:pPr lvl="1"/>
-            <a:endParaRPr lang="pt-BR" dirty="0" smtClean="0"/>
-          </a:p>
-          <a:p>
-            <a:pPr lvl="2"/>
-            <a:r>
-              <a:rPr lang="pt-BR" sz="2000" b="1" dirty="0" smtClean="0"/>
-              <a:t>1) </a:t>
-            </a:r>
+            <a:pPr marL="658368" lvl="2" indent="0">
+              <a:buNone/>
+            </a:pPr>
             <a:r>
               <a:rPr lang="pt-BR" dirty="0" smtClean="0"/>
-              <a:t>Inspeção autônoma de linhas de transmissão </a:t>
-            </a:r>
-            <a:r>
-              <a:rPr lang="pt-BR" dirty="0" smtClean="0">
-                <a:sym typeface="Wingdings" panose="05000000000000000000" pitchFamily="2" charset="2"/>
-              </a:rPr>
-              <a:t> RSL</a:t>
-            </a:r>
-            <a:endParaRPr lang="pt-BR" dirty="0" smtClean="0"/>
-          </a:p>
-          <a:p>
-            <a:pPr lvl="2"/>
+              <a:t>Possibilidade de se controlar </a:t>
+            </a:r>
+            <a:r>
+              <a:rPr lang="pt-BR" b="1" dirty="0" smtClean="0"/>
+              <a:t>enxames</a:t>
+            </a:r>
             <a:r>
               <a:rPr lang="pt-BR" dirty="0" smtClean="0"/>
               <a:t> </a:t>
             </a:r>
-            <a:endParaRPr lang="pt-BR" dirty="0"/>
-          </a:p>
-          <a:p>
-            <a:pPr lvl="2"/>
+            <a:r>
+              <a:rPr lang="pt-BR" b="1" dirty="0" smtClean="0"/>
+              <a:t>de baixo custo</a:t>
+            </a:r>
             <a:r>
               <a:rPr lang="pt-BR" dirty="0" smtClean="0"/>
-              <a:t>2) Detectar pessoas</a:t>
-            </a:r>
-          </a:p>
-          <a:p>
-            <a:pPr lvl="2"/>
-            <a:endParaRPr lang="pt-BR" dirty="0"/>
-          </a:p>
-          <a:p>
-            <a:pPr lvl="2"/>
-            <a:r>
-              <a:rPr lang="pt-BR" dirty="0" smtClean="0"/>
-              <a:t>3) Dupla missão R$</a:t>
-            </a:r>
-            <a:endParaRPr lang="pt-BR" dirty="0"/>
+              <a:t> com múltiplas missões mantendo eficiências.</a:t>
+            </a:r>
           </a:p>
           <a:p>
             <a:pPr lvl="1"/>
-            <a:endParaRPr lang="pt-BR" sz="3200" dirty="0"/>
-          </a:p>
-          <a:p>
-            <a:pPr lvl="1"/>
-            <a:endParaRPr lang="pt-BR" dirty="0" smtClean="0"/>
-          </a:p>
-          <a:p>
-            <a:pPr lvl="1"/>
-            <a:endParaRPr lang="pt-BR" dirty="0" smtClean="0"/>
+            <a:endParaRPr lang="pt-BR" sz="2000" dirty="0" smtClean="0"/>
           </a:p>
           <a:p>
             <a:endParaRPr lang="pt-BR" dirty="0" smtClean="0"/>
@@ -11080,10 +11991,64 @@
           </a:extLst>
         </p:spPr>
       </p:pic>
+      <p:pic>
+        <p:nvPicPr>
+          <p:cNvPr id="7" name="Picture 2"/>
+          <p:cNvPicPr>
+            <a:picLocks noChangeAspect="1" noChangeArrowheads="1"/>
+          </p:cNvPicPr>
+          <p:nvPr/>
+        </p:nvPicPr>
+        <p:blipFill>
+          <a:blip r:embed="rId3">
+            <a:extLst>
+              <a:ext uri="{28A0092B-C50C-407E-A947-70E740481C1C}">
+                <a14:useLocalDpi xmlns:a14="http://schemas.microsoft.com/office/drawing/2010/main" val="0"/>
+              </a:ext>
+            </a:extLst>
+          </a:blip>
+          <a:srcRect/>
+          <a:stretch>
+            <a:fillRect/>
+          </a:stretch>
+        </p:blipFill>
+        <p:spPr bwMode="auto">
+          <a:xfrm>
+            <a:off x="2860754" y="3258560"/>
+            <a:ext cx="3693124" cy="1991918"/>
+          </a:xfrm>
+          <a:prstGeom prst="rect">
+            <a:avLst/>
+          </a:prstGeom>
+          <a:noFill/>
+          <a:ln>
+            <a:noFill/>
+          </a:ln>
+          <a:extLst>
+            <a:ext uri="{909E8E84-426E-40DD-AFC4-6F175D3DCCD1}">
+              <a14:hiddenFill xmlns:a14="http://schemas.microsoft.com/office/drawing/2010/main">
+                <a:solidFill>
+                  <a:schemeClr val="accent1"/>
+                </a:solidFill>
+              </a14:hiddenFill>
+            </a:ext>
+            <a:ext uri="{91240B29-F687-4F45-9708-019B960494DF}">
+              <a14:hiddenLine xmlns:a14="http://schemas.microsoft.com/office/drawing/2010/main" w="9525">
+                <a:solidFill>
+                  <a:schemeClr val="tx1"/>
+                </a:solidFill>
+                <a:miter lim="800000"/>
+                <a:headEnd/>
+                <a:tailEnd/>
+              </a14:hiddenLine>
+            </a:ext>
+          </a:extLst>
+        </p:spPr>
+      </p:pic>
     </p:spTree>
     <p:extLst>
       <p:ext uri="{BB962C8B-B14F-4D97-AF65-F5344CB8AC3E}">
-        <p14:creationId xmlns:p14="http://schemas.microsoft.com/office/powerpoint/2010/main" val="1585282563"/>
+        <p14:creationId xmlns:p14="http://schemas.microsoft.com/office/powerpoint/2010/main" val="2202379289"/>
       </p:ext>
     </p:extLst>
   </p:cSld>
@@ -11130,14 +12095,14 @@
         <p:spPr/>
         <p:txBody>
           <a:bodyPr>
-            <a:normAutofit fontScale="90000"/>
+            <a:normAutofit/>
           </a:bodyPr>
           <a:lstStyle/>
           <a:p>
             <a:pPr algn="ctr"/>
             <a:r>
               <a:rPr lang="pt-BR" dirty="0" smtClean="0"/>
-              <a:t>1.6. Objetivos da Tese e Contribuição</a:t>
+              <a:t>1.4. Questões de Pesquisa</a:t>
             </a:r>
             <a:endParaRPr lang="pt-BR" dirty="0"/>
           </a:p>
@@ -11155,110 +12120,107 @@
         </p:nvSpPr>
         <p:spPr>
           <a:xfrm>
-            <a:off x="1435608" y="1447800"/>
-            <a:ext cx="7498080" cy="5221560"/>
+            <a:off x="991768" y="1447800"/>
+            <a:ext cx="8152232" cy="5221560"/>
           </a:xfrm>
         </p:spPr>
         <p:txBody>
           <a:bodyPr/>
           <a:lstStyle/>
           <a:p>
+            <a:pPr marL="402336" lvl="1" indent="0">
+              <a:buNone/>
+            </a:pPr>
+            <a:endParaRPr lang="pt-BR" sz="2000" b="1" dirty="0" smtClean="0"/>
+          </a:p>
+          <a:p>
+            <a:pPr marL="402336" lvl="1" indent="0">
+              <a:buNone/>
+            </a:pPr>
+            <a:endParaRPr lang="pt-BR" sz="2000" b="1" dirty="0"/>
+          </a:p>
+          <a:p>
+            <a:pPr marL="402336" lvl="1" indent="0">
+              <a:buNone/>
+            </a:pPr>
+            <a:r>
+              <a:rPr lang="pt-BR" sz="2400" dirty="0"/>
+              <a:t>#</a:t>
+            </a:r>
+            <a:r>
+              <a:rPr lang="pt-BR" sz="2400" dirty="0" smtClean="0"/>
+              <a:t>Q1: É possível incluir uma </a:t>
+            </a:r>
+            <a:r>
+              <a:rPr lang="pt-BR" sz="2400" b="1" dirty="0" err="1" smtClean="0">
+                <a:solidFill>
+                  <a:srgbClr val="00B050"/>
+                </a:solidFill>
+              </a:rPr>
+              <a:t>iae</a:t>
+            </a:r>
+            <a:r>
+              <a:rPr lang="pt-BR" sz="2400" dirty="0" smtClean="0"/>
+              <a:t> a uma </a:t>
+            </a:r>
+            <a:r>
+              <a:rPr lang="pt-BR" sz="2400" b="1" dirty="0" err="1" smtClean="0">
+                <a:solidFill>
+                  <a:srgbClr val="0070C0"/>
+                </a:solidFill>
+              </a:rPr>
+              <a:t>IPe</a:t>
+            </a:r>
+            <a:r>
+              <a:rPr lang="pt-BR" sz="2400" dirty="0" smtClean="0"/>
+              <a:t> de </a:t>
+            </a:r>
+            <a:r>
+              <a:rPr lang="pt-BR" sz="2400" b="1" dirty="0" smtClean="0"/>
+              <a:t>baixo custo</a:t>
+            </a:r>
+            <a:r>
+              <a:rPr lang="pt-BR" sz="2400" dirty="0" smtClean="0"/>
+              <a:t>?</a:t>
+            </a:r>
+          </a:p>
+          <a:p>
+            <a:pPr marL="402336" lvl="1" indent="0">
+              <a:buNone/>
+            </a:pPr>
+            <a:endParaRPr lang="pt-BR" sz="2400" b="1" dirty="0"/>
+          </a:p>
+          <a:p>
+            <a:pPr marL="402336" lvl="1" indent="0">
+              <a:buNone/>
+            </a:pPr>
+            <a:r>
+              <a:rPr lang="pt-BR" sz="2400" dirty="0"/>
+              <a:t>#</a:t>
+            </a:r>
+            <a:r>
+              <a:rPr lang="pt-BR" sz="2400" dirty="0" smtClean="0"/>
+              <a:t>Q2: É possível a uma IE decidir e alternar entre missões?</a:t>
+            </a:r>
+          </a:p>
+          <a:p>
+            <a:pPr marL="402336" lvl="1" indent="0">
+              <a:buNone/>
+            </a:pPr>
+            <a:endParaRPr lang="pt-BR" sz="2400" b="1" dirty="0"/>
+          </a:p>
+          <a:p>
+            <a:pPr marL="402336" lvl="1" indent="0">
+              <a:buNone/>
+            </a:pPr>
+            <a:r>
+              <a:rPr lang="pt-BR" sz="2400" dirty="0" smtClean="0"/>
+              <a:t>#Q3: Quais os impactos desta dupla missão?</a:t>
+            </a:r>
+          </a:p>
+          <a:p>
             <a:pPr lvl="1"/>
             <a:endParaRPr lang="pt-BR" sz="2400" dirty="0" smtClean="0"/>
-          </a:p>
-          <a:p>
-            <a:pPr lvl="1"/>
-            <a:r>
-              <a:rPr lang="pt-BR" sz="2400" b="1" dirty="0" smtClean="0"/>
-              <a:t>Objetivo Principal:  </a:t>
-            </a:r>
-          </a:p>
-          <a:p>
-            <a:pPr marL="658368" lvl="2" indent="0">
-              <a:buNone/>
-            </a:pPr>
-            <a:r>
-              <a:rPr lang="pt-BR" sz="2000" dirty="0" smtClean="0"/>
-              <a:t>Combinar tarefas em um enxame de </a:t>
-            </a:r>
-            <a:r>
-              <a:rPr lang="pt-BR" sz="2000" dirty="0" err="1" smtClean="0"/>
-              <a:t>ARPs</a:t>
-            </a:r>
-            <a:r>
-              <a:rPr lang="pt-BR" sz="2000" dirty="0" smtClean="0"/>
-              <a:t> </a:t>
-            </a:r>
-            <a:r>
-              <a:rPr lang="pt-BR" sz="1600" b="1" dirty="0" smtClean="0"/>
-              <a:t>(H e #</a:t>
-            </a:r>
-            <a:r>
-              <a:rPr lang="pt-BR" sz="1600" b="1" dirty="0" err="1" smtClean="0"/>
-              <a:t>Qn</a:t>
-            </a:r>
-            <a:r>
-              <a:rPr lang="pt-BR" sz="1600" b="1" dirty="0" smtClean="0"/>
-              <a:t>)</a:t>
-            </a:r>
-            <a:endParaRPr lang="pt-BR" sz="2000" b="1" dirty="0" smtClean="0"/>
-          </a:p>
-          <a:p>
-            <a:pPr lvl="1"/>
-            <a:endParaRPr lang="pt-BR" sz="2400" dirty="0" smtClean="0"/>
-          </a:p>
-          <a:p>
-            <a:pPr lvl="1"/>
-            <a:r>
-              <a:rPr lang="pt-BR" sz="2400" b="1" dirty="0" smtClean="0"/>
-              <a:t>Objetivos Específicos:  </a:t>
-            </a:r>
-          </a:p>
-          <a:p>
-            <a:pPr lvl="1"/>
-            <a:endParaRPr lang="pt-BR" sz="2400" b="1" dirty="0" smtClean="0"/>
-          </a:p>
-          <a:p>
-            <a:pPr lvl="2"/>
-            <a:r>
-              <a:rPr lang="pt-BR" sz="1800" b="1" dirty="0" smtClean="0"/>
-              <a:t>1) </a:t>
-            </a:r>
-            <a:r>
-              <a:rPr lang="pt-BR" sz="2000" dirty="0" smtClean="0"/>
-              <a:t>Inspeção autônoma de linhas de transmissão</a:t>
-            </a:r>
-          </a:p>
-          <a:p>
-            <a:pPr lvl="2"/>
-            <a:endParaRPr lang="pt-BR" sz="2000" dirty="0"/>
-          </a:p>
-          <a:p>
-            <a:pPr lvl="2"/>
-            <a:r>
-              <a:rPr lang="pt-BR" sz="2000" dirty="0" smtClean="0"/>
-              <a:t>2) Detectar pessoas</a:t>
-            </a:r>
-          </a:p>
-          <a:p>
-            <a:pPr lvl="2"/>
-            <a:endParaRPr lang="pt-BR" sz="2000" dirty="0"/>
-          </a:p>
-          <a:p>
-            <a:pPr lvl="2"/>
-            <a:r>
-              <a:rPr lang="pt-BR" sz="2000" dirty="0" smtClean="0"/>
-              <a:t>3) Dupla missão</a:t>
-            </a:r>
-            <a:endParaRPr lang="pt-BR" sz="2000" dirty="0"/>
-          </a:p>
-          <a:p>
-            <a:pPr lvl="1"/>
-            <a:endParaRPr lang="pt-BR" sz="2400" dirty="0"/>
-          </a:p>
-          <a:p>
-            <a:pPr lvl="1"/>
-            <a:endParaRPr lang="pt-BR" sz="2000" dirty="0" smtClean="0"/>
           </a:p>
           <a:p>
             <a:pPr lvl="1"/>
@@ -11386,7 +12348,7 @@
     </p:spTree>
     <p:extLst>
       <p:ext uri="{BB962C8B-B14F-4D97-AF65-F5344CB8AC3E}">
-        <p14:creationId xmlns:p14="http://schemas.microsoft.com/office/powerpoint/2010/main" val="2859953018"/>
+        <p14:creationId xmlns:p14="http://schemas.microsoft.com/office/powerpoint/2010/main" val="3447846538"/>
       </p:ext>
     </p:extLst>
   </p:cSld>
@@ -11432,88 +12394,101 @@
         </p:nvSpPr>
         <p:spPr/>
         <p:txBody>
-          <a:bodyPr>
-            <a:normAutofit fontScale="90000"/>
-          </a:bodyPr>
-          <a:lstStyle/>
-          <a:p>
-            <a:pPr algn="ctr"/>
-            <a:r>
-              <a:rPr lang="pt-BR" dirty="0" smtClean="0"/>
-              <a:t>1.6. Objetivos da Tese e Contribuição</a:t>
-            </a:r>
-            <a:endParaRPr lang="pt-BR" dirty="0"/>
-          </a:p>
-        </p:txBody>
-      </p:sp>
-      <p:sp>
-        <p:nvSpPr>
-          <p:cNvPr id="3" name="Espaço Reservado para Conteúdo 2"/>
-          <p:cNvSpPr>
-            <a:spLocks noGrp="1"/>
-          </p:cNvSpPr>
-          <p:nvPr>
-            <p:ph idx="1"/>
-          </p:nvPr>
-        </p:nvSpPr>
-        <p:spPr>
-          <a:xfrm>
-            <a:off x="1435608" y="1447800"/>
-            <a:ext cx="7498080" cy="5221560"/>
-          </a:xfrm>
-        </p:spPr>
-        <p:txBody>
           <a:bodyPr/>
           <a:lstStyle/>
           <a:p>
-            <a:pPr lvl="1"/>
-            <a:endParaRPr lang="pt-BR" sz="2400" dirty="0" smtClean="0"/>
-          </a:p>
-          <a:p>
-            <a:pPr lvl="1"/>
-            <a:r>
-              <a:rPr lang="pt-BR" sz="2400" b="1" dirty="0" smtClean="0"/>
-              <a:t>Contribuição:</a:t>
-            </a:r>
-          </a:p>
-          <a:p>
-            <a:pPr lvl="1"/>
-            <a:endParaRPr lang="pt-BR" sz="2400" b="1" dirty="0"/>
-          </a:p>
-          <a:p>
-            <a:pPr marL="402336" lvl="1" indent="0">
-              <a:buNone/>
-            </a:pPr>
-            <a:r>
-              <a:rPr lang="pt-BR" sz="2400" dirty="0" smtClean="0"/>
-              <a:t>	- Estudo e proposta de uma solução de baixo custo</a:t>
-            </a:r>
-          </a:p>
-          <a:p>
-            <a:pPr marL="402336" lvl="1" indent="0">
-              <a:buNone/>
-            </a:pPr>
-            <a:endParaRPr lang="pt-BR" sz="2400" dirty="0"/>
-          </a:p>
-          <a:p>
-            <a:pPr marL="402336" lvl="1" indent="0">
-              <a:buNone/>
-            </a:pPr>
-            <a:endParaRPr lang="pt-BR" sz="2400" dirty="0" smtClean="0"/>
-          </a:p>
-          <a:p>
-            <a:pPr marL="402336" lvl="1" indent="0">
-              <a:buNone/>
-            </a:pPr>
-            <a:endParaRPr lang="pt-BR" sz="2400" dirty="0"/>
-          </a:p>
+            <a:pPr algn="ctr"/>
+            <a:r>
+              <a:rPr lang="pt-BR" dirty="0" smtClean="0"/>
+              <a:t>1.5. Trabalhos Relacionados</a:t>
+            </a:r>
+            <a:endParaRPr lang="pt-BR" dirty="0"/>
+          </a:p>
+        </p:txBody>
+      </p:sp>
+      <p:sp>
+        <p:nvSpPr>
+          <p:cNvPr id="3" name="Espaço Reservado para Conteúdo 2"/>
+          <p:cNvSpPr>
+            <a:spLocks noGrp="1"/>
+          </p:cNvSpPr>
+          <p:nvPr>
+            <p:ph idx="1"/>
+          </p:nvPr>
+        </p:nvSpPr>
+        <p:spPr>
+          <a:xfrm>
+            <a:off x="991768" y="1447800"/>
+            <a:ext cx="8044728" cy="5221560"/>
+          </a:xfrm>
+        </p:spPr>
+        <p:txBody>
+          <a:bodyPr/>
+          <a:lstStyle/>
           <a:p>
             <a:pPr lvl="1"/>
             <a:endParaRPr lang="pt-BR" sz="2000" dirty="0" smtClean="0"/>
           </a:p>
           <a:p>
             <a:pPr lvl="1"/>
-            <a:endParaRPr lang="pt-BR" sz="2000" dirty="0" smtClean="0"/>
+            <a:endParaRPr lang="pt-BR" dirty="0" smtClean="0"/>
+          </a:p>
+          <a:p>
+            <a:pPr lvl="2"/>
+            <a:r>
+              <a:rPr lang="pt-BR" sz="2000" b="1" dirty="0" smtClean="0"/>
+              <a:t>1) </a:t>
+            </a:r>
+            <a:r>
+              <a:rPr lang="pt-BR" dirty="0" smtClean="0"/>
+              <a:t>Inspeção autônoma de linhas de transmissão </a:t>
+            </a:r>
+            <a:r>
+              <a:rPr lang="pt-BR" dirty="0" smtClean="0">
+                <a:sym typeface="Wingdings" panose="05000000000000000000" pitchFamily="2" charset="2"/>
+              </a:rPr>
+              <a:t> RSL</a:t>
+            </a:r>
+            <a:endParaRPr lang="pt-BR" dirty="0" smtClean="0"/>
+          </a:p>
+          <a:p>
+            <a:pPr lvl="2"/>
+            <a:r>
+              <a:rPr lang="pt-BR" dirty="0" smtClean="0"/>
+              <a:t> </a:t>
+            </a:r>
+            <a:endParaRPr lang="pt-BR" dirty="0"/>
+          </a:p>
+          <a:p>
+            <a:pPr lvl="2"/>
+            <a:r>
+              <a:rPr lang="pt-BR" dirty="0" smtClean="0"/>
+              <a:t>2) Detectar a presença pessoas</a:t>
+            </a:r>
+          </a:p>
+          <a:p>
+            <a:pPr lvl="2"/>
+            <a:endParaRPr lang="pt-BR" dirty="0"/>
+          </a:p>
+          <a:p>
+            <a:pPr lvl="2"/>
+            <a:r>
+              <a:rPr lang="pt-BR" dirty="0" smtClean="0"/>
+              <a:t>3) Dupla missão R$</a:t>
+            </a:r>
+            <a:endParaRPr lang="pt-BR" dirty="0"/>
+          </a:p>
+          <a:p>
+            <a:pPr lvl="1"/>
+            <a:endParaRPr lang="pt-BR" sz="3200" dirty="0"/>
+          </a:p>
+          <a:p>
+            <a:pPr lvl="1"/>
+            <a:endParaRPr lang="pt-BR" dirty="0" smtClean="0"/>
+          </a:p>
+          <a:p>
+            <a:pPr lvl="1"/>
+            <a:endParaRPr lang="pt-BR" dirty="0" smtClean="0"/>
           </a:p>
           <a:p>
             <a:endParaRPr lang="pt-BR" dirty="0" smtClean="0"/>
@@ -11637,7 +12612,7 @@
     </p:spTree>
     <p:extLst>
       <p:ext uri="{BB962C8B-B14F-4D97-AF65-F5344CB8AC3E}">
-        <p14:creationId xmlns:p14="http://schemas.microsoft.com/office/powerpoint/2010/main" val="2040627037"/>
+        <p14:creationId xmlns:p14="http://schemas.microsoft.com/office/powerpoint/2010/main" val="1585282563"/>
       </p:ext>
     </p:extLst>
   </p:cSld>
